--- a/report/presentation.pptx
+++ b/report/presentation.pptx
@@ -5,7 +5,7 @@
     <p:sldMasterId id="2147483660" r:id="rId1"/>
   </p:sldMasterIdLst>
   <p:notesMasterIdLst>
-    <p:notesMasterId r:id="rId37"/>
+    <p:notesMasterId r:id="rId40"/>
   </p:notesMasterIdLst>
   <p:sldIdLst>
     <p:sldId id="256" r:id="rId2"/>
@@ -20,29 +20,32 @@
     <p:sldId id="326" r:id="rId11"/>
     <p:sldId id="352" r:id="rId12"/>
     <p:sldId id="321" r:id="rId13"/>
-    <p:sldId id="323" r:id="rId14"/>
-    <p:sldId id="322" r:id="rId15"/>
-    <p:sldId id="343" r:id="rId16"/>
-    <p:sldId id="344" r:id="rId17"/>
-    <p:sldId id="345" r:id="rId18"/>
-    <p:sldId id="346" r:id="rId19"/>
-    <p:sldId id="324" r:id="rId20"/>
-    <p:sldId id="325" r:id="rId21"/>
-    <p:sldId id="327" r:id="rId22"/>
-    <p:sldId id="329" r:id="rId23"/>
-    <p:sldId id="330" r:id="rId24"/>
-    <p:sldId id="331" r:id="rId25"/>
-    <p:sldId id="332" r:id="rId26"/>
-    <p:sldId id="333" r:id="rId27"/>
-    <p:sldId id="334" r:id="rId28"/>
-    <p:sldId id="335" r:id="rId29"/>
-    <p:sldId id="336" r:id="rId30"/>
-    <p:sldId id="337" r:id="rId31"/>
-    <p:sldId id="338" r:id="rId32"/>
-    <p:sldId id="339" r:id="rId33"/>
-    <p:sldId id="341" r:id="rId34"/>
-    <p:sldId id="340" r:id="rId35"/>
-    <p:sldId id="342" r:id="rId36"/>
+    <p:sldId id="353" r:id="rId14"/>
+    <p:sldId id="354" r:id="rId15"/>
+    <p:sldId id="355" r:id="rId16"/>
+    <p:sldId id="323" r:id="rId17"/>
+    <p:sldId id="322" r:id="rId18"/>
+    <p:sldId id="343" r:id="rId19"/>
+    <p:sldId id="344" r:id="rId20"/>
+    <p:sldId id="345" r:id="rId21"/>
+    <p:sldId id="346" r:id="rId22"/>
+    <p:sldId id="324" r:id="rId23"/>
+    <p:sldId id="325" r:id="rId24"/>
+    <p:sldId id="327" r:id="rId25"/>
+    <p:sldId id="329" r:id="rId26"/>
+    <p:sldId id="330" r:id="rId27"/>
+    <p:sldId id="331" r:id="rId28"/>
+    <p:sldId id="332" r:id="rId29"/>
+    <p:sldId id="333" r:id="rId30"/>
+    <p:sldId id="334" r:id="rId31"/>
+    <p:sldId id="335" r:id="rId32"/>
+    <p:sldId id="336" r:id="rId33"/>
+    <p:sldId id="337" r:id="rId34"/>
+    <p:sldId id="338" r:id="rId35"/>
+    <p:sldId id="339" r:id="rId36"/>
+    <p:sldId id="341" r:id="rId37"/>
+    <p:sldId id="340" r:id="rId38"/>
+    <p:sldId id="342" r:id="rId39"/>
   </p:sldIdLst>
   <p:sldSz cx="12192000" cy="6858000"/>
   <p:notesSz cx="6858000" cy="9144000"/>
@@ -166,6 +169,9 @@
         </p14:section>
         <p14:section name="Background" id="{E783BBC8-A2E5-6649-B42E-90497AA9EDB4}">
           <p14:sldIdLst>
+            <p14:sldId id="353"/>
+            <p14:sldId id="354"/>
+            <p14:sldId id="355"/>
             <p14:sldId id="323"/>
             <p14:sldId id="322"/>
             <p14:sldId id="343"/>
@@ -875,40 +881,6 @@
           <a:bodyPr/>
           <a:lstStyle/>
           <a:p>
-            <a:r>
-              <a:rPr lang="en-US" dirty="0" err="1"/>
-              <a:t>Gnns</a:t>
-            </a:r>
-            <a:r>
-              <a:rPr lang="en-US" dirty="0"/>
-              <a:t> walk through model</a:t>
-            </a:r>
-          </a:p>
-          <a:p>
-            <a:endParaRPr lang="en-US" dirty="0"/>
-          </a:p>
-          <a:p>
-            <a:r>
-              <a:rPr lang="en-US" dirty="0"/>
-              <a:t> Nodes</a:t>
-            </a:r>
-          </a:p>
-          <a:p>
-            <a:endParaRPr lang="en-US" dirty="0"/>
-          </a:p>
-          <a:p>
-            <a:r>
-              <a:rPr lang="en-US" dirty="0"/>
-              <a:t>Edges </a:t>
-            </a:r>
-          </a:p>
-          <a:p>
-            <a:endParaRPr lang="en-US" dirty="0"/>
-          </a:p>
-          <a:p>
-            <a:endParaRPr lang="en-US" dirty="0"/>
-          </a:p>
-          <a:p>
             <a:endParaRPr lang="en-US" dirty="0"/>
           </a:p>
         </p:txBody>
@@ -930,7 +902,7 @@
           <a:p>
             <a:fld id="{D9149B5B-38DD-9945-A493-C32E48E590BE}" type="slidenum">
               <a:rPr lang="en-US" smtClean="0"/>
-              <a:t>13</a:t>
+              <a:t>15</a:t>
             </a:fld>
             <a:endParaRPr lang="en-US"/>
           </a:p>
@@ -939,7 +911,7 @@
     </p:spTree>
     <p:extLst>
       <p:ext uri="{BB962C8B-B14F-4D97-AF65-F5344CB8AC3E}">
-        <p14:creationId xmlns:p14="http://schemas.microsoft.com/office/powerpoint/2010/main" val="364489143"/>
+        <p14:creationId xmlns:p14="http://schemas.microsoft.com/office/powerpoint/2010/main" val="3810241430"/>
       </p:ext>
     </p:extLst>
   </p:cSld>
@@ -994,15 +966,37 @@
           <a:lstStyle/>
           <a:p>
             <a:r>
+              <a:rPr lang="en-US" dirty="0" err="1"/>
+              <a:t>Gnns</a:t>
+            </a:r>
+            <a:r>
               <a:rPr lang="en-US" dirty="0"/>
-              <a:t>Linear regression -&gt; symbolic regression conceptual black box</a:t>
-            </a:r>
+              <a:t> walk through model</a:t>
+            </a:r>
+          </a:p>
+          <a:p>
+            <a:endParaRPr lang="en-US" dirty="0"/>
           </a:p>
           <a:p>
             <a:r>
               <a:rPr lang="en-US" dirty="0"/>
-              <a:t>How it works briefly</a:t>
-            </a:r>
+              <a:t> Nodes</a:t>
+            </a:r>
+          </a:p>
+          <a:p>
+            <a:endParaRPr lang="en-US" dirty="0"/>
+          </a:p>
+          <a:p>
+            <a:r>
+              <a:rPr lang="en-US" dirty="0"/>
+              <a:t>Edges </a:t>
+            </a:r>
+          </a:p>
+          <a:p>
+            <a:endParaRPr lang="en-US" dirty="0"/>
+          </a:p>
+          <a:p>
+            <a:endParaRPr lang="en-US" dirty="0"/>
           </a:p>
           <a:p>
             <a:endParaRPr lang="en-US" dirty="0"/>
@@ -1026,7 +1020,7 @@
           <a:p>
             <a:fld id="{D9149B5B-38DD-9945-A493-C32E48E590BE}" type="slidenum">
               <a:rPr lang="en-US" smtClean="0"/>
-              <a:t>14</a:t>
+              <a:t>16</a:t>
             </a:fld>
             <a:endParaRPr lang="en-US"/>
           </a:p>
@@ -1035,7 +1029,7 @@
     </p:spTree>
     <p:extLst>
       <p:ext uri="{BB962C8B-B14F-4D97-AF65-F5344CB8AC3E}">
-        <p14:creationId xmlns:p14="http://schemas.microsoft.com/office/powerpoint/2010/main" val="617337845"/>
+        <p14:creationId xmlns:p14="http://schemas.microsoft.com/office/powerpoint/2010/main" val="364489143"/>
       </p:ext>
     </p:extLst>
   </p:cSld>
@@ -1122,7 +1116,7 @@
           <a:p>
             <a:fld id="{D9149B5B-38DD-9945-A493-C32E48E590BE}" type="slidenum">
               <a:rPr lang="en-US" smtClean="0"/>
-              <a:t>15</a:t>
+              <a:t>17</a:t>
             </a:fld>
             <a:endParaRPr lang="en-US"/>
           </a:p>
@@ -1131,7 +1125,7 @@
     </p:spTree>
     <p:extLst>
       <p:ext uri="{BB962C8B-B14F-4D97-AF65-F5344CB8AC3E}">
-        <p14:creationId xmlns:p14="http://schemas.microsoft.com/office/powerpoint/2010/main" val="1386378971"/>
+        <p14:creationId xmlns:p14="http://schemas.microsoft.com/office/powerpoint/2010/main" val="617337845"/>
       </p:ext>
     </p:extLst>
   </p:cSld>
@@ -1218,7 +1212,7 @@
           <a:p>
             <a:fld id="{D9149B5B-38DD-9945-A493-C32E48E590BE}" type="slidenum">
               <a:rPr lang="en-US" smtClean="0"/>
-              <a:t>16</a:t>
+              <a:t>18</a:t>
             </a:fld>
             <a:endParaRPr lang="en-US"/>
           </a:p>
@@ -1227,7 +1221,7 @@
     </p:spTree>
     <p:extLst>
       <p:ext uri="{BB962C8B-B14F-4D97-AF65-F5344CB8AC3E}">
-        <p14:creationId xmlns:p14="http://schemas.microsoft.com/office/powerpoint/2010/main" val="2905816572"/>
+        <p14:creationId xmlns:p14="http://schemas.microsoft.com/office/powerpoint/2010/main" val="1386378971"/>
       </p:ext>
     </p:extLst>
   </p:cSld>
@@ -1283,11 +1277,14 @@
           <a:p>
             <a:r>
               <a:rPr lang="en-US" dirty="0"/>
-              <a:t>Edge message aggregation and node model.</a:t>
-            </a:r>
-          </a:p>
-          <a:p>
-            <a:endParaRPr lang="en-US" dirty="0"/>
+              <a:t>Linear regression -&gt; symbolic regression conceptual black box</a:t>
+            </a:r>
+          </a:p>
+          <a:p>
+            <a:r>
+              <a:rPr lang="en-US" dirty="0"/>
+              <a:t>How it works briefly</a:t>
+            </a:r>
           </a:p>
           <a:p>
             <a:endParaRPr lang="en-US" dirty="0"/>
@@ -1311,7 +1308,7 @@
           <a:p>
             <a:fld id="{D9149B5B-38DD-9945-A493-C32E48E590BE}" type="slidenum">
               <a:rPr lang="en-US" smtClean="0"/>
-              <a:t>17</a:t>
+              <a:t>19</a:t>
             </a:fld>
             <a:endParaRPr lang="en-US"/>
           </a:p>
@@ -1320,7 +1317,7 @@
     </p:spTree>
     <p:extLst>
       <p:ext uri="{BB962C8B-B14F-4D97-AF65-F5344CB8AC3E}">
-        <p14:creationId xmlns:p14="http://schemas.microsoft.com/office/powerpoint/2010/main" val="2803188921"/>
+        <p14:creationId xmlns:p14="http://schemas.microsoft.com/office/powerpoint/2010/main" val="2905816572"/>
       </p:ext>
     </p:extLst>
   </p:cSld>
@@ -1404,7 +1401,7 @@
           <a:p>
             <a:fld id="{D9149B5B-38DD-9945-A493-C32E48E590BE}" type="slidenum">
               <a:rPr lang="en-US" smtClean="0"/>
-              <a:t>18</a:t>
+              <a:t>20</a:t>
             </a:fld>
             <a:endParaRPr lang="en-US"/>
           </a:p>
@@ -1413,7 +1410,7 @@
     </p:spTree>
     <p:extLst>
       <p:ext uri="{BB962C8B-B14F-4D97-AF65-F5344CB8AC3E}">
-        <p14:creationId xmlns:p14="http://schemas.microsoft.com/office/powerpoint/2010/main" val="1319455080"/>
+        <p14:creationId xmlns:p14="http://schemas.microsoft.com/office/powerpoint/2010/main" val="2803188921"/>
       </p:ext>
     </p:extLst>
   </p:cSld>
@@ -1469,25 +1466,14 @@
           <a:p>
             <a:r>
               <a:rPr lang="en-US" dirty="0"/>
-              <a:t>Tie it all back together </a:t>
+              <a:t>Edge message aggregation and node model.</a:t>
             </a:r>
           </a:p>
           <a:p>
             <a:endParaRPr lang="en-US" dirty="0"/>
           </a:p>
           <a:p>
-            <a:r>
-              <a:rPr lang="en-US" dirty="0"/>
-              <a:t>+ Why the GNN is good – permutation invariant – </a:t>
-            </a:r>
-            <a:r>
-              <a:rPr lang="en-US" dirty="0" err="1"/>
-              <a:t>seperable</a:t>
-            </a:r>
-            <a:r>
-              <a:rPr lang="en-US" dirty="0"/>
-              <a:t> internal components, summation of edge message an appropriate inductive bias to use </a:t>
-            </a:r>
+            <a:endParaRPr lang="en-US" dirty="0"/>
           </a:p>
         </p:txBody>
       </p:sp>
@@ -1508,7 +1494,7 @@
           <a:p>
             <a:fld id="{D9149B5B-38DD-9945-A493-C32E48E590BE}" type="slidenum">
               <a:rPr lang="en-US" smtClean="0"/>
-              <a:t>19</a:t>
+              <a:t>21</a:t>
             </a:fld>
             <a:endParaRPr lang="en-US"/>
           </a:p>
@@ -1517,7 +1503,7 @@
     </p:spTree>
     <p:extLst>
       <p:ext uri="{BB962C8B-B14F-4D97-AF65-F5344CB8AC3E}">
-        <p14:creationId xmlns:p14="http://schemas.microsoft.com/office/powerpoint/2010/main" val="717823821"/>
+        <p14:creationId xmlns:p14="http://schemas.microsoft.com/office/powerpoint/2010/main" val="1319455080"/>
       </p:ext>
     </p:extLst>
   </p:cSld>
@@ -1573,7 +1559,7 @@
           <a:p>
             <a:r>
               <a:rPr lang="en-US" dirty="0"/>
-              <a:t>Force laws </a:t>
+              <a:t>Tie it all back together </a:t>
             </a:r>
           </a:p>
           <a:p>
@@ -1582,11 +1568,16 @@
           <a:p>
             <a:r>
               <a:rPr lang="en-US" dirty="0"/>
-              <a:t>Explain in a bit more detail what the input looks like – how it was generated – using the original code.</a:t>
-            </a:r>
-          </a:p>
-          <a:p>
-            <a:endParaRPr lang="en-US" dirty="0"/>
+              <a:t>+ Why the GNN is good – permutation invariant – </a:t>
+            </a:r>
+            <a:r>
+              <a:rPr lang="en-US" dirty="0" err="1"/>
+              <a:t>seperable</a:t>
+            </a:r>
+            <a:r>
+              <a:rPr lang="en-US" dirty="0"/>
+              <a:t> internal components, summation of edge message an appropriate inductive bias to use </a:t>
+            </a:r>
           </a:p>
         </p:txBody>
       </p:sp>
@@ -1607,7 +1598,7 @@
           <a:p>
             <a:fld id="{D9149B5B-38DD-9945-A493-C32E48E590BE}" type="slidenum">
               <a:rPr lang="en-US" smtClean="0"/>
-              <a:t>20</a:t>
+              <a:t>22</a:t>
             </a:fld>
             <a:endParaRPr lang="en-US"/>
           </a:p>
@@ -1616,7 +1607,7 @@
     </p:spTree>
     <p:extLst>
       <p:ext uri="{BB962C8B-B14F-4D97-AF65-F5344CB8AC3E}">
-        <p14:creationId xmlns:p14="http://schemas.microsoft.com/office/powerpoint/2010/main" val="4198709140"/>
+        <p14:creationId xmlns:p14="http://schemas.microsoft.com/office/powerpoint/2010/main" val="717823821"/>
       </p:ext>
     </p:extLst>
   </p:cSld>
@@ -1825,14 +1816,20 @@
           <a:p>
             <a:r>
               <a:rPr lang="en-US" dirty="0"/>
-              <a:t>Dataset </a:t>
-            </a:r>
+              <a:t>Force laws </a:t>
+            </a:r>
+          </a:p>
+          <a:p>
+            <a:endParaRPr lang="en-US" dirty="0"/>
           </a:p>
           <a:p>
             <a:r>
               <a:rPr lang="en-US" dirty="0"/>
-              <a:t>What was the need, what was the steps, what was the effect, why it is a sensible thing to do.</a:t>
-            </a:r>
+              <a:t>Explain in a bit more detail what the input looks like – how it was generated – using the original code.</a:t>
+            </a:r>
+          </a:p>
+          <a:p>
+            <a:endParaRPr lang="en-US" dirty="0"/>
           </a:p>
         </p:txBody>
       </p:sp>
@@ -1853,7 +1850,7 @@
           <a:p>
             <a:fld id="{D9149B5B-38DD-9945-A493-C32E48E590BE}" type="slidenum">
               <a:rPr lang="en-US" smtClean="0"/>
-              <a:t>21</a:t>
+              <a:t>23</a:t>
             </a:fld>
             <a:endParaRPr lang="en-US"/>
           </a:p>
@@ -1862,7 +1859,7 @@
     </p:spTree>
     <p:extLst>
       <p:ext uri="{BB962C8B-B14F-4D97-AF65-F5344CB8AC3E}">
-        <p14:creationId xmlns:p14="http://schemas.microsoft.com/office/powerpoint/2010/main" val="2660945695"/>
+        <p14:creationId xmlns:p14="http://schemas.microsoft.com/office/powerpoint/2010/main" val="4198709140"/>
       </p:ext>
     </p:extLst>
   </p:cSld>
@@ -1918,14 +1915,14 @@
           <a:p>
             <a:r>
               <a:rPr lang="en-US" dirty="0"/>
-              <a:t>Describe  the model architecture : edge and node models</a:t>
-            </a:r>
-          </a:p>
-          <a:p>
-            <a:endParaRPr lang="en-US" dirty="0"/>
-          </a:p>
-          <a:p>
-            <a:endParaRPr lang="en-US" dirty="0"/>
+              <a:t>Dataset </a:t>
+            </a:r>
+          </a:p>
+          <a:p>
+            <a:r>
+              <a:rPr lang="en-US" dirty="0"/>
+              <a:t>What was the need, what was the steps, what was the effect, why it is a sensible thing to do.</a:t>
+            </a:r>
           </a:p>
         </p:txBody>
       </p:sp>
@@ -1946,7 +1943,7 @@
           <a:p>
             <a:fld id="{D9149B5B-38DD-9945-A493-C32E48E590BE}" type="slidenum">
               <a:rPr lang="en-US" smtClean="0"/>
-              <a:t>22</a:t>
+              <a:t>24</a:t>
             </a:fld>
             <a:endParaRPr lang="en-US"/>
           </a:p>
@@ -1955,7 +1952,7 @@
     </p:spTree>
     <p:extLst>
       <p:ext uri="{BB962C8B-B14F-4D97-AF65-F5344CB8AC3E}">
-        <p14:creationId xmlns:p14="http://schemas.microsoft.com/office/powerpoint/2010/main" val="939905371"/>
+        <p14:creationId xmlns:p14="http://schemas.microsoft.com/office/powerpoint/2010/main" val="2660945695"/>
       </p:ext>
     </p:extLst>
   </p:cSld>
@@ -2011,8 +2008,14 @@
           <a:p>
             <a:r>
               <a:rPr lang="en-US" dirty="0"/>
-              <a:t>Describe the 4 training strategies</a:t>
-            </a:r>
+              <a:t>Describe  the model architecture : edge and node models</a:t>
+            </a:r>
+          </a:p>
+          <a:p>
+            <a:endParaRPr lang="en-US" dirty="0"/>
+          </a:p>
+          <a:p>
+            <a:endParaRPr lang="en-US" dirty="0"/>
           </a:p>
         </p:txBody>
       </p:sp>
@@ -2033,7 +2036,7 @@
           <a:p>
             <a:fld id="{D9149B5B-38DD-9945-A493-C32E48E590BE}" type="slidenum">
               <a:rPr lang="en-US" smtClean="0"/>
-              <a:t>23</a:t>
+              <a:t>25</a:t>
             </a:fld>
             <a:endParaRPr lang="en-US"/>
           </a:p>
@@ -2042,7 +2045,7 @@
     </p:spTree>
     <p:extLst>
       <p:ext uri="{BB962C8B-B14F-4D97-AF65-F5344CB8AC3E}">
-        <p14:creationId xmlns:p14="http://schemas.microsoft.com/office/powerpoint/2010/main" val="738931935"/>
+        <p14:creationId xmlns:p14="http://schemas.microsoft.com/office/powerpoint/2010/main" val="939905371"/>
       </p:ext>
     </p:extLst>
   </p:cSld>
@@ -2098,14 +2101,8 @@
           <a:p>
             <a:r>
               <a:rPr lang="en-US" dirty="0"/>
-              <a:t>Describe the hyper parameters epochs and differences in training between this work and the original </a:t>
-            </a:r>
-          </a:p>
-          <a:p>
-            <a:endParaRPr lang="en-US" dirty="0"/>
-          </a:p>
-          <a:p>
-            <a:endParaRPr lang="en-US" dirty="0"/>
+              <a:t>Describe the 4 training strategies</a:t>
+            </a:r>
           </a:p>
         </p:txBody>
       </p:sp>
@@ -2126,7 +2123,7 @@
           <a:p>
             <a:fld id="{D9149B5B-38DD-9945-A493-C32E48E590BE}" type="slidenum">
               <a:rPr lang="en-US" smtClean="0"/>
-              <a:t>24</a:t>
+              <a:t>26</a:t>
             </a:fld>
             <a:endParaRPr lang="en-US"/>
           </a:p>
@@ -2135,7 +2132,7 @@
     </p:spTree>
     <p:extLst>
       <p:ext uri="{BB962C8B-B14F-4D97-AF65-F5344CB8AC3E}">
-        <p14:creationId xmlns:p14="http://schemas.microsoft.com/office/powerpoint/2010/main" val="942848681"/>
+        <p14:creationId xmlns:p14="http://schemas.microsoft.com/office/powerpoint/2010/main" val="738931935"/>
       </p:ext>
     </p:extLst>
   </p:cSld>
@@ -2191,24 +2188,11 @@
           <a:p>
             <a:r>
               <a:rPr lang="en-US" dirty="0"/>
-              <a:t>Talk through the plot, again </a:t>
-            </a:r>
-            <a:r>
-              <a:rPr lang="en-US" dirty="0" err="1"/>
-              <a:t>cmment</a:t>
-            </a:r>
-            <a:r>
-              <a:rPr lang="en-US" dirty="0"/>
-              <a:t> on differences in the symbolic search used here vs in the paper – </a:t>
-            </a:r>
-            <a:r>
-              <a:rPr lang="en-US" dirty="0" err="1"/>
-              <a:t>pysr</a:t>
-            </a:r>
-            <a:r>
-              <a:rPr lang="en-US" dirty="0"/>
-              <a:t> vs eureka, not using all the operators…</a:t>
-            </a:r>
+              <a:t>Describe the hyper parameters epochs and differences in training between this work and the original </a:t>
+            </a:r>
+          </a:p>
+          <a:p>
+            <a:endParaRPr lang="en-US" dirty="0"/>
           </a:p>
           <a:p>
             <a:endParaRPr lang="en-US" dirty="0"/>
@@ -2232,7 +2216,7 @@
           <a:p>
             <a:fld id="{D9149B5B-38DD-9945-A493-C32E48E590BE}" type="slidenum">
               <a:rPr lang="en-US" smtClean="0"/>
-              <a:t>25</a:t>
+              <a:t>27</a:t>
             </a:fld>
             <a:endParaRPr lang="en-US"/>
           </a:p>
@@ -2241,7 +2225,7 @@
     </p:spTree>
     <p:extLst>
       <p:ext uri="{BB962C8B-B14F-4D97-AF65-F5344CB8AC3E}">
-        <p14:creationId xmlns:p14="http://schemas.microsoft.com/office/powerpoint/2010/main" val="543208863"/>
+        <p14:creationId xmlns:p14="http://schemas.microsoft.com/office/powerpoint/2010/main" val="942848681"/>
       </p:ext>
     </p:extLst>
   </p:cSld>
@@ -2297,7 +2281,23 @@
           <a:p>
             <a:r>
               <a:rPr lang="en-US" dirty="0"/>
-              <a:t>Talk through the plot</a:t>
+              <a:t>Talk through the plot, again </a:t>
+            </a:r>
+            <a:r>
+              <a:rPr lang="en-US" dirty="0" err="1"/>
+              <a:t>cmment</a:t>
+            </a:r>
+            <a:r>
+              <a:rPr lang="en-US" dirty="0"/>
+              <a:t> on differences in the symbolic search used here vs in the paper – </a:t>
+            </a:r>
+            <a:r>
+              <a:rPr lang="en-US" dirty="0" err="1"/>
+              <a:t>pysr</a:t>
+            </a:r>
+            <a:r>
+              <a:rPr lang="en-US" dirty="0"/>
+              <a:t> vs eureka, not using all the operators…</a:t>
             </a:r>
           </a:p>
           <a:p>
@@ -2322,7 +2322,7 @@
           <a:p>
             <a:fld id="{D9149B5B-38DD-9945-A493-C32E48E590BE}" type="slidenum">
               <a:rPr lang="en-US" smtClean="0"/>
-              <a:t>26</a:t>
+              <a:t>28</a:t>
             </a:fld>
             <a:endParaRPr lang="en-US"/>
           </a:p>
@@ -2331,7 +2331,7 @@
     </p:spTree>
     <p:extLst>
       <p:ext uri="{BB962C8B-B14F-4D97-AF65-F5344CB8AC3E}">
-        <p14:creationId xmlns:p14="http://schemas.microsoft.com/office/powerpoint/2010/main" val="3201090125"/>
+        <p14:creationId xmlns:p14="http://schemas.microsoft.com/office/powerpoint/2010/main" val="543208863"/>
       </p:ext>
     </p:extLst>
   </p:cSld>
@@ -2387,38 +2387,8 @@
           <a:p>
             <a:r>
               <a:rPr lang="en-US" dirty="0"/>
-              <a:t>Introduce what will be shown for results</a:t>
-            </a:r>
-          </a:p>
-          <a:p>
-            <a:r>
-              <a:rPr lang="en-US" dirty="0"/>
-              <a:t>Mae</a:t>
-            </a:r>
-          </a:p>
-          <a:p>
-            <a:r>
-              <a:rPr lang="en-US" dirty="0"/>
-              <a:t>R2 (!?)</a:t>
-            </a:r>
-          </a:p>
-          <a:p>
-            <a:r>
-              <a:rPr lang="en-US" dirty="0"/>
-              <a:t>Sparsity</a:t>
-            </a:r>
-          </a:p>
-          <a:p>
-            <a:r>
-              <a:rPr lang="en-US" dirty="0"/>
-              <a:t>Symbolic reconstruction</a:t>
-            </a:r>
-          </a:p>
-          <a:p>
-            <a:endParaRPr lang="en-US" dirty="0"/>
-          </a:p>
-          <a:p>
-            <a:endParaRPr lang="en-US" dirty="0"/>
+              <a:t>Talk through the plot</a:t>
+            </a:r>
           </a:p>
           <a:p>
             <a:endParaRPr lang="en-US" dirty="0"/>
@@ -2442,7 +2412,7 @@
           <a:p>
             <a:fld id="{D9149B5B-38DD-9945-A493-C32E48E590BE}" type="slidenum">
               <a:rPr lang="en-US" smtClean="0"/>
-              <a:t>27</a:t>
+              <a:t>29</a:t>
             </a:fld>
             <a:endParaRPr lang="en-US"/>
           </a:p>
@@ -2451,7 +2421,7 @@
     </p:spTree>
     <p:extLst>
       <p:ext uri="{BB962C8B-B14F-4D97-AF65-F5344CB8AC3E}">
-        <p14:creationId xmlns:p14="http://schemas.microsoft.com/office/powerpoint/2010/main" val="2991556828"/>
+        <p14:creationId xmlns:p14="http://schemas.microsoft.com/office/powerpoint/2010/main" val="3201090125"/>
       </p:ext>
     </p:extLst>
   </p:cSld>
@@ -2507,8 +2477,35 @@
           <a:p>
             <a:r>
               <a:rPr lang="en-US" dirty="0"/>
-              <a:t>Compare original MAE and reproduced</a:t>
-            </a:r>
+              <a:t>Introduce what will be shown for results</a:t>
+            </a:r>
+          </a:p>
+          <a:p>
+            <a:r>
+              <a:rPr lang="en-US" dirty="0"/>
+              <a:t>Mae</a:t>
+            </a:r>
+          </a:p>
+          <a:p>
+            <a:r>
+              <a:rPr lang="en-US" dirty="0"/>
+              <a:t>R2 (!?)</a:t>
+            </a:r>
+          </a:p>
+          <a:p>
+            <a:r>
+              <a:rPr lang="en-US" dirty="0"/>
+              <a:t>Sparsity</a:t>
+            </a:r>
+          </a:p>
+          <a:p>
+            <a:r>
+              <a:rPr lang="en-US" dirty="0"/>
+              <a:t>Symbolic reconstruction</a:t>
+            </a:r>
+          </a:p>
+          <a:p>
+            <a:endParaRPr lang="en-US" dirty="0"/>
           </a:p>
           <a:p>
             <a:endParaRPr lang="en-US" dirty="0"/>
@@ -2535,7 +2532,7 @@
           <a:p>
             <a:fld id="{D9149B5B-38DD-9945-A493-C32E48E590BE}" type="slidenum">
               <a:rPr lang="en-US" smtClean="0"/>
-              <a:t>28</a:t>
+              <a:t>30</a:t>
             </a:fld>
             <a:endParaRPr lang="en-US"/>
           </a:p>
@@ -2544,7 +2541,7 @@
     </p:spTree>
     <p:extLst>
       <p:ext uri="{BB962C8B-B14F-4D97-AF65-F5344CB8AC3E}">
-        <p14:creationId xmlns:p14="http://schemas.microsoft.com/office/powerpoint/2010/main" val="2524801579"/>
+        <p14:creationId xmlns:p14="http://schemas.microsoft.com/office/powerpoint/2010/main" val="2991556828"/>
       </p:ext>
     </p:extLst>
   </p:cSld>
@@ -2600,8 +2597,11 @@
           <a:p>
             <a:r>
               <a:rPr lang="en-US" dirty="0"/>
-              <a:t>Compare original R2 and reproduced</a:t>
-            </a:r>
+              <a:t>Compare original MAE and reproduced</a:t>
+            </a:r>
+          </a:p>
+          <a:p>
+            <a:endParaRPr lang="en-US" dirty="0"/>
           </a:p>
           <a:p>
             <a:endParaRPr lang="en-US" dirty="0"/>
@@ -2625,7 +2625,7 @@
           <a:p>
             <a:fld id="{D9149B5B-38DD-9945-A493-C32E48E590BE}" type="slidenum">
               <a:rPr lang="en-US" smtClean="0"/>
-              <a:t>29</a:t>
+              <a:t>31</a:t>
             </a:fld>
             <a:endParaRPr lang="en-US"/>
           </a:p>
@@ -2634,7 +2634,7 @@
     </p:spTree>
     <p:extLst>
       <p:ext uri="{BB962C8B-B14F-4D97-AF65-F5344CB8AC3E}">
-        <p14:creationId xmlns:p14="http://schemas.microsoft.com/office/powerpoint/2010/main" val="3198698306"/>
+        <p14:creationId xmlns:p14="http://schemas.microsoft.com/office/powerpoint/2010/main" val="2524801579"/>
       </p:ext>
     </p:extLst>
   </p:cSld>
@@ -2690,11 +2690,8 @@
           <a:p>
             <a:r>
               <a:rPr lang="en-US" dirty="0"/>
-              <a:t>Go over acceleration vs true force</a:t>
-            </a:r>
-          </a:p>
-          <a:p>
-            <a:endParaRPr lang="en-US" dirty="0"/>
+              <a:t>Compare original R2 and reproduced</a:t>
+            </a:r>
           </a:p>
           <a:p>
             <a:endParaRPr lang="en-US" dirty="0"/>
@@ -2718,7 +2715,7 @@
           <a:p>
             <a:fld id="{D9149B5B-38DD-9945-A493-C32E48E590BE}" type="slidenum">
               <a:rPr lang="en-US" smtClean="0"/>
-              <a:t>30</a:t>
+              <a:t>32</a:t>
             </a:fld>
             <a:endParaRPr lang="en-US"/>
           </a:p>
@@ -2727,7 +2724,7 @@
     </p:spTree>
     <p:extLst>
       <p:ext uri="{BB962C8B-B14F-4D97-AF65-F5344CB8AC3E}">
-        <p14:creationId xmlns:p14="http://schemas.microsoft.com/office/powerpoint/2010/main" val="4040259819"/>
+        <p14:creationId xmlns:p14="http://schemas.microsoft.com/office/powerpoint/2010/main" val="3198698306"/>
       </p:ext>
     </p:extLst>
   </p:cSld>
@@ -2936,11 +2933,8 @@
           <a:p>
             <a:r>
               <a:rPr lang="en-US" dirty="0"/>
-              <a:t>Sparsity results</a:t>
-            </a:r>
-          </a:p>
-          <a:p>
-            <a:endParaRPr lang="en-US" dirty="0"/>
+              <a:t>Go over acceleration vs true force</a:t>
+            </a:r>
           </a:p>
           <a:p>
             <a:endParaRPr lang="en-US" dirty="0"/>
@@ -2967,7 +2961,7 @@
           <a:p>
             <a:fld id="{D9149B5B-38DD-9945-A493-C32E48E590BE}" type="slidenum">
               <a:rPr lang="en-US" smtClean="0"/>
-              <a:t>31</a:t>
+              <a:t>33</a:t>
             </a:fld>
             <a:endParaRPr lang="en-US"/>
           </a:p>
@@ -2976,7 +2970,7 @@
     </p:spTree>
     <p:extLst>
       <p:ext uri="{BB962C8B-B14F-4D97-AF65-F5344CB8AC3E}">
-        <p14:creationId xmlns:p14="http://schemas.microsoft.com/office/powerpoint/2010/main" val="939826326"/>
+        <p14:creationId xmlns:p14="http://schemas.microsoft.com/office/powerpoint/2010/main" val="4040259819"/>
       </p:ext>
     </p:extLst>
   </p:cSld>
@@ -3032,11 +3026,8 @@
           <a:p>
             <a:r>
               <a:rPr lang="en-US" dirty="0"/>
-              <a:t>Symbolic reconstructions good and bad examples</a:t>
-            </a:r>
-          </a:p>
-          <a:p>
-            <a:endParaRPr lang="en-US" dirty="0"/>
+              <a:t>Sparsity results</a:t>
+            </a:r>
           </a:p>
           <a:p>
             <a:endParaRPr lang="en-US" dirty="0"/>
@@ -3066,7 +3057,7 @@
           <a:p>
             <a:fld id="{D9149B5B-38DD-9945-A493-C32E48E590BE}" type="slidenum">
               <a:rPr lang="en-US" smtClean="0"/>
-              <a:t>32</a:t>
+              <a:t>34</a:t>
             </a:fld>
             <a:endParaRPr lang="en-US"/>
           </a:p>
@@ -3075,7 +3066,7 @@
     </p:spTree>
     <p:extLst>
       <p:ext uri="{BB962C8B-B14F-4D97-AF65-F5344CB8AC3E}">
-        <p14:creationId xmlns:p14="http://schemas.microsoft.com/office/powerpoint/2010/main" val="1863162754"/>
+        <p14:creationId xmlns:p14="http://schemas.microsoft.com/office/powerpoint/2010/main" val="939826326"/>
       </p:ext>
     </p:extLst>
   </p:cSld>
@@ -3131,7 +3122,7 @@
           <a:p>
             <a:r>
               <a:rPr lang="en-US" dirty="0"/>
-              <a:t>Symbolic reconstruction table </a:t>
+              <a:t>Symbolic reconstructions good and bad examples</a:t>
             </a:r>
           </a:p>
           <a:p>
@@ -3165,7 +3156,7 @@
           <a:p>
             <a:fld id="{D9149B5B-38DD-9945-A493-C32E48E590BE}" type="slidenum">
               <a:rPr lang="en-US" smtClean="0"/>
-              <a:t>33</a:t>
+              <a:t>35</a:t>
             </a:fld>
             <a:endParaRPr lang="en-US"/>
           </a:p>
@@ -3174,7 +3165,7 @@
     </p:spTree>
     <p:extLst>
       <p:ext uri="{BB962C8B-B14F-4D97-AF65-F5344CB8AC3E}">
-        <p14:creationId xmlns:p14="http://schemas.microsoft.com/office/powerpoint/2010/main" val="2796376212"/>
+        <p14:creationId xmlns:p14="http://schemas.microsoft.com/office/powerpoint/2010/main" val="1863162754"/>
       </p:ext>
     </p:extLst>
   </p:cSld>
@@ -3230,8 +3221,11 @@
           <a:p>
             <a:r>
               <a:rPr lang="en-US" dirty="0"/>
-              <a:t>Compare </a:t>
-            </a:r>
+              <a:t>Symbolic reconstruction table </a:t>
+            </a:r>
+          </a:p>
+          <a:p>
+            <a:endParaRPr lang="en-US" dirty="0"/>
           </a:p>
           <a:p>
             <a:endParaRPr lang="en-US" dirty="0"/>
@@ -3261,7 +3255,7 @@
           <a:p>
             <a:fld id="{D9149B5B-38DD-9945-A493-C32E48E590BE}" type="slidenum">
               <a:rPr lang="en-US" smtClean="0"/>
-              <a:t>34</a:t>
+              <a:t>36</a:t>
             </a:fld>
             <a:endParaRPr lang="en-US"/>
           </a:p>
@@ -3270,7 +3264,7 @@
     </p:spTree>
     <p:extLst>
       <p:ext uri="{BB962C8B-B14F-4D97-AF65-F5344CB8AC3E}">
-        <p14:creationId xmlns:p14="http://schemas.microsoft.com/office/powerpoint/2010/main" val="620574260"/>
+        <p14:creationId xmlns:p14="http://schemas.microsoft.com/office/powerpoint/2010/main" val="2796376212"/>
       </p:ext>
     </p:extLst>
   </p:cSld>
@@ -3357,7 +3351,103 @@
           <a:p>
             <a:fld id="{D9149B5B-38DD-9945-A493-C32E48E590BE}" type="slidenum">
               <a:rPr lang="en-US" smtClean="0"/>
-              <a:t>35</a:t>
+              <a:t>37</a:t>
+            </a:fld>
+            <a:endParaRPr lang="en-US"/>
+          </a:p>
+        </p:txBody>
+      </p:sp>
+    </p:spTree>
+    <p:extLst>
+      <p:ext uri="{BB962C8B-B14F-4D97-AF65-F5344CB8AC3E}">
+        <p14:creationId xmlns:p14="http://schemas.microsoft.com/office/powerpoint/2010/main" val="620574260"/>
+      </p:ext>
+    </p:extLst>
+  </p:cSld>
+  <p:clrMapOvr>
+    <a:masterClrMapping/>
+  </p:clrMapOvr>
+</p:notes>
+</file>
+
+<file path=ppt/notesSlides/notesSlide35.xml><?xml version="1.0" encoding="utf-8"?>
+<p:notes xmlns:a="http://schemas.openxmlformats.org/drawingml/2006/main" xmlns:r="http://schemas.openxmlformats.org/officeDocument/2006/relationships" xmlns:p="http://schemas.openxmlformats.org/presentationml/2006/main">
+  <p:cSld>
+    <p:spTree>
+      <p:nvGrpSpPr>
+        <p:cNvPr id="1" name=""/>
+        <p:cNvGrpSpPr/>
+        <p:nvPr/>
+      </p:nvGrpSpPr>
+      <p:grpSpPr>
+        <a:xfrm>
+          <a:off x="0" y="0"/>
+          <a:ext cx="0" cy="0"/>
+          <a:chOff x="0" y="0"/>
+          <a:chExt cx="0" cy="0"/>
+        </a:xfrm>
+      </p:grpSpPr>
+      <p:sp>
+        <p:nvSpPr>
+          <p:cNvPr id="2" name="Slide Image Placeholder 1"/>
+          <p:cNvSpPr>
+            <a:spLocks noGrp="1" noRot="1" noChangeAspect="1"/>
+          </p:cNvSpPr>
+          <p:nvPr>
+            <p:ph type="sldImg"/>
+          </p:nvPr>
+        </p:nvSpPr>
+        <p:spPr/>
+      </p:sp>
+      <p:sp>
+        <p:nvSpPr>
+          <p:cNvPr id="3" name="Notes Placeholder 2"/>
+          <p:cNvSpPr>
+            <a:spLocks noGrp="1"/>
+          </p:cNvSpPr>
+          <p:nvPr>
+            <p:ph type="body" idx="1"/>
+          </p:nvPr>
+        </p:nvSpPr>
+        <p:spPr/>
+        <p:txBody>
+          <a:bodyPr/>
+          <a:lstStyle/>
+          <a:p>
+            <a:r>
+              <a:rPr lang="en-US" dirty="0"/>
+              <a:t>Compare </a:t>
+            </a:r>
+          </a:p>
+          <a:p>
+            <a:endParaRPr lang="en-US" dirty="0"/>
+          </a:p>
+          <a:p>
+            <a:endParaRPr lang="en-US" dirty="0"/>
+          </a:p>
+          <a:p>
+            <a:endParaRPr lang="en-US" dirty="0"/>
+          </a:p>
+        </p:txBody>
+      </p:sp>
+      <p:sp>
+        <p:nvSpPr>
+          <p:cNvPr id="4" name="Slide Number Placeholder 3"/>
+          <p:cNvSpPr>
+            <a:spLocks noGrp="1"/>
+          </p:cNvSpPr>
+          <p:nvPr>
+            <p:ph type="sldNum" sz="quarter" idx="5"/>
+          </p:nvPr>
+        </p:nvSpPr>
+        <p:spPr/>
+        <p:txBody>
+          <a:bodyPr/>
+          <a:lstStyle/>
+          <a:p>
+            <a:fld id="{D9149B5B-38DD-9945-A493-C32E48E590BE}" type="slidenum">
+              <a:rPr lang="en-US" smtClean="0"/>
+              <a:t>38</a:t>
             </a:fld>
             <a:endParaRPr lang="en-US"/>
           </a:p>
@@ -3887,6 +3977,18 @@
           </a:p>
           <a:p>
             <a:endParaRPr lang="en-US" dirty="0"/>
+          </a:p>
+          <a:p>
+            <a:endParaRPr lang="en-US" dirty="0"/>
+          </a:p>
+          <a:p>
+            <a:endParaRPr lang="en-US" dirty="0"/>
+          </a:p>
+          <a:p>
+            <a:r>
+              <a:rPr lang="en-US" dirty="0"/>
+              <a:t>Follow through on UDL to check that this checks out.</a:t>
+            </a:r>
           </a:p>
           <a:p>
             <a:endParaRPr lang="en-US" dirty="0"/>
@@ -7741,28 +7843,63 @@
             <p:ph idx="1"/>
           </p:nvPr>
         </p:nvSpPr>
-        <p:spPr/>
+        <p:spPr>
+          <a:xfrm>
+            <a:off x="838200" y="1690688"/>
+            <a:ext cx="10515600" cy="4351338"/>
+          </a:xfrm>
+        </p:spPr>
         <p:txBody>
           <a:bodyPr>
-            <a:normAutofit fontScale="32500" lnSpcReduction="20000"/>
+            <a:normAutofit fontScale="55000" lnSpcReduction="20000"/>
           </a:bodyPr>
           <a:lstStyle/>
           <a:p>
-            <a:pPr marL="0" indent="0">
-              <a:buNone/>
-            </a:pPr>
-            <a:r>
-              <a:rPr lang="en-US" dirty="0"/>
+            <a:r>
+              <a:rPr lang="en-US" sz="6400" dirty="0"/>
               <a:t>Background</a:t>
             </a:r>
           </a:p>
           <a:p>
-            <a:pPr marL="0" indent="0">
-              <a:buNone/>
-            </a:pPr>
-            <a:r>
-              <a:rPr lang="en-US" dirty="0"/>
-              <a:t>Symbolic regression + graph neural networks</a:t>
+            <a:r>
+              <a:rPr lang="en-US" sz="6400" dirty="0"/>
+              <a:t>Data </a:t>
+            </a:r>
+          </a:p>
+          <a:p>
+            <a:r>
+              <a:rPr lang="en-US" sz="6400" dirty="0"/>
+              <a:t>Model</a:t>
+            </a:r>
+          </a:p>
+          <a:p>
+            <a:r>
+              <a:rPr lang="en-US" sz="6400" dirty="0"/>
+              <a:t>Training</a:t>
+            </a:r>
+          </a:p>
+          <a:p>
+            <a:r>
+              <a:rPr lang="en-US" sz="6400" dirty="0"/>
+              <a:t>Symbolic distillation</a:t>
+            </a:r>
+          </a:p>
+          <a:p>
+            <a:r>
+              <a:rPr lang="en-US" sz="6400" dirty="0"/>
+              <a:t>Evaluation</a:t>
+            </a:r>
+          </a:p>
+          <a:p>
+            <a:r>
+              <a:rPr lang="en-US" sz="6400" dirty="0"/>
+              <a:t>Results</a:t>
+            </a:r>
+          </a:p>
+          <a:p>
+            <a:r>
+              <a:rPr lang="en-US" sz="6400" dirty="0"/>
+              <a:t>Conclusion</a:t>
             </a:r>
           </a:p>
           <a:p>
@@ -7770,123 +7907,6 @@
               <a:buNone/>
             </a:pPr>
             <a:endParaRPr lang="en-US" dirty="0"/>
-          </a:p>
-          <a:p>
-            <a:pPr marL="0" indent="0">
-              <a:buNone/>
-            </a:pPr>
-            <a:r>
-              <a:rPr lang="en-US" dirty="0"/>
-              <a:t>Data </a:t>
-            </a:r>
-          </a:p>
-          <a:p>
-            <a:pPr marL="0" indent="0">
-              <a:buNone/>
-            </a:pPr>
-            <a:r>
-              <a:rPr lang="en-US" dirty="0"/>
-              <a:t>	Data pre processing</a:t>
-            </a:r>
-          </a:p>
-          <a:p>
-            <a:pPr marL="0" indent="0">
-              <a:buNone/>
-            </a:pPr>
-            <a:endParaRPr lang="en-US" dirty="0"/>
-          </a:p>
-          <a:p>
-            <a:pPr marL="0" indent="0">
-              <a:buNone/>
-            </a:pPr>
-            <a:r>
-              <a:rPr lang="en-US" dirty="0"/>
-              <a:t>Model architecture</a:t>
-            </a:r>
-          </a:p>
-          <a:p>
-            <a:pPr marL="0" indent="0">
-              <a:buNone/>
-            </a:pPr>
-            <a:endParaRPr lang="en-US" dirty="0"/>
-          </a:p>
-          <a:p>
-            <a:pPr marL="0" indent="0">
-              <a:buNone/>
-            </a:pPr>
-            <a:r>
-              <a:rPr lang="en-US" dirty="0"/>
-              <a:t>Training strategies</a:t>
-            </a:r>
-          </a:p>
-          <a:p>
-            <a:pPr marL="0" indent="0">
-              <a:buNone/>
-            </a:pPr>
-            <a:endParaRPr lang="en-US" dirty="0"/>
-          </a:p>
-          <a:p>
-            <a:pPr marL="0" indent="0">
-              <a:buNone/>
-            </a:pPr>
-            <a:r>
-              <a:rPr lang="en-US" dirty="0"/>
-              <a:t>Symbolic distillation</a:t>
-            </a:r>
-          </a:p>
-          <a:p>
-            <a:pPr marL="0" indent="0">
-              <a:buNone/>
-            </a:pPr>
-            <a:endParaRPr lang="en-US" dirty="0"/>
-          </a:p>
-          <a:p>
-            <a:pPr marL="0" indent="0">
-              <a:buNone/>
-            </a:pPr>
-            <a:r>
-              <a:rPr lang="en-US" dirty="0"/>
-              <a:t>Evaluation metrics / criteria</a:t>
-            </a:r>
-          </a:p>
-          <a:p>
-            <a:pPr marL="0" indent="0">
-              <a:buNone/>
-            </a:pPr>
-            <a:endParaRPr lang="en-US" dirty="0"/>
-          </a:p>
-          <a:p>
-            <a:pPr marL="0" indent="0">
-              <a:buNone/>
-            </a:pPr>
-            <a:r>
-              <a:rPr lang="en-US" dirty="0"/>
-              <a:t>Results</a:t>
-            </a:r>
-          </a:p>
-          <a:p>
-            <a:pPr marL="0" indent="0">
-              <a:buNone/>
-            </a:pPr>
-            <a:endParaRPr lang="en-US" dirty="0"/>
-          </a:p>
-          <a:p>
-            <a:pPr marL="0" indent="0">
-              <a:buNone/>
-            </a:pPr>
-            <a:r>
-              <a:rPr lang="en-US" dirty="0"/>
-              <a:t>Discussion</a:t>
-            </a:r>
-          </a:p>
-          <a:p>
-            <a:pPr marL="0" indent="0">
-              <a:buNone/>
-            </a:pPr>
-            <a:r>
-              <a:rPr lang="en-US" dirty="0"/>
-              <a:t> </a:t>
-            </a:r>
           </a:p>
         </p:txBody>
       </p:sp>
@@ -7904,6 +7924,5672 @@
 </file>
 
 <file path=ppt/slides/slide13.xml><?xml version="1.0" encoding="utf-8"?>
+<p:sld xmlns:a="http://schemas.openxmlformats.org/drawingml/2006/main" xmlns:r="http://schemas.openxmlformats.org/officeDocument/2006/relationships" xmlns:p="http://schemas.openxmlformats.org/presentationml/2006/main">
+  <p:cSld>
+    <p:bg>
+      <p:bgPr>
+        <a:solidFill>
+          <a:srgbClr val="FFFFF0"/>
+        </a:solidFill>
+        <a:effectLst/>
+      </p:bgPr>
+    </p:bg>
+    <p:spTree>
+      <p:nvGrpSpPr>
+        <p:cNvPr id="1" name=""/>
+        <p:cNvGrpSpPr/>
+        <p:nvPr/>
+      </p:nvGrpSpPr>
+      <p:grpSpPr>
+        <a:xfrm>
+          <a:off x="0" y="0"/>
+          <a:ext cx="0" cy="0"/>
+          <a:chOff x="0" y="0"/>
+          <a:chExt cx="0" cy="0"/>
+        </a:xfrm>
+      </p:grpSpPr>
+      <p:sp>
+        <p:nvSpPr>
+          <p:cNvPr id="2" name="Title 1">
+            <a:extLst>
+              <a:ext uri="{FF2B5EF4-FFF2-40B4-BE49-F238E27FC236}">
+                <a16:creationId xmlns:a16="http://schemas.microsoft.com/office/drawing/2014/main" id="{4A6579DE-70A9-3960-AD56-41A1AAC38C68}"/>
+              </a:ext>
+            </a:extLst>
+          </p:cNvPr>
+          <p:cNvSpPr>
+            <a:spLocks noGrp="1"/>
+          </p:cNvSpPr>
+          <p:nvPr>
+            <p:ph type="title"/>
+          </p:nvPr>
+        </p:nvSpPr>
+        <p:spPr/>
+        <p:txBody>
+          <a:bodyPr/>
+          <a:lstStyle/>
+          <a:p>
+            <a:r>
+              <a:rPr lang="en-US" dirty="0"/>
+              <a:t>Background pt 1 – Symbolic regression</a:t>
+            </a:r>
+          </a:p>
+        </p:txBody>
+      </p:sp>
+      <mc:AlternateContent xmlns:mc="http://schemas.openxmlformats.org/markup-compatibility/2006">
+        <mc:Choice xmlns:a14="http://schemas.microsoft.com/office/drawing/2010/main" Requires="a14">
+          <p:sp>
+            <p:nvSpPr>
+              <p:cNvPr id="4" name="Rectangle 3">
+                <a:extLst>
+                  <a:ext uri="{FF2B5EF4-FFF2-40B4-BE49-F238E27FC236}">
+                    <a16:creationId xmlns:a16="http://schemas.microsoft.com/office/drawing/2014/main" id="{11B57CC1-7C4C-C205-CD92-317D6DCEBD6F}"/>
+                  </a:ext>
+                </a:extLst>
+              </p:cNvPr>
+              <p:cNvSpPr/>
+              <p:nvPr/>
+            </p:nvSpPr>
+            <p:spPr>
+              <a:xfrm>
+                <a:off x="1330116" y="2528041"/>
+                <a:ext cx="1772157" cy="1205714"/>
+              </a:xfrm>
+              <a:prstGeom prst="rect">
+                <a:avLst/>
+              </a:prstGeom>
+            </p:spPr>
+            <p:style>
+              <a:lnRef idx="2">
+                <a:schemeClr val="accent2">
+                  <a:shade val="15000"/>
+                </a:schemeClr>
+              </a:lnRef>
+              <a:fillRef idx="1">
+                <a:schemeClr val="accent2"/>
+              </a:fillRef>
+              <a:effectRef idx="0">
+                <a:schemeClr val="accent2"/>
+              </a:effectRef>
+              <a:fontRef idx="minor">
+                <a:schemeClr val="lt1"/>
+              </a:fontRef>
+            </p:style>
+            <p:txBody>
+              <a:bodyPr rtlCol="0" anchor="ctr"/>
+              <a:lstStyle/>
+              <a:p>
+                <a:pPr algn="ctr"/>
+                <a:r>
+                  <a:rPr lang="en-US" dirty="0"/>
+                  <a:t>Dataset</a:t>
+                </a:r>
+              </a:p>
+              <a:p>
+                <a:pPr algn="ctr"/>
+                <a14:m>
+                  <m:oMathPara xmlns:m="http://schemas.openxmlformats.org/officeDocument/2006/math">
+                    <m:oMathParaPr>
+                      <m:jc m:val="centerGroup"/>
+                    </m:oMathParaPr>
+                    <m:oMath xmlns:m="http://schemas.openxmlformats.org/officeDocument/2006/math">
+                      <m:r>
+                        <a:rPr lang="en-GB" b="1" i="1" smtClean="0">
+                          <a:latin typeface="Cambria Math" panose="02040503050406030204" pitchFamily="18" charset="0"/>
+                        </a:rPr>
+                        <m:t>(</m:t>
+                      </m:r>
+                      <m:r>
+                        <a:rPr lang="en-GB" b="0" i="1" smtClean="0">
+                          <a:latin typeface="Cambria Math" panose="02040503050406030204" pitchFamily="18" charset="0"/>
+                        </a:rPr>
+                        <m:t>𝑥</m:t>
+                      </m:r>
+                      <m:r>
+                        <a:rPr lang="en-GB" b="0" i="1" smtClean="0">
+                          <a:latin typeface="Cambria Math" panose="02040503050406030204" pitchFamily="18" charset="0"/>
+                        </a:rPr>
+                        <m:t>,</m:t>
+                      </m:r>
+                      <m:r>
+                        <a:rPr lang="en-GB" b="0" i="1" smtClean="0">
+                          <a:latin typeface="Cambria Math" panose="02040503050406030204" pitchFamily="18" charset="0"/>
+                        </a:rPr>
+                        <m:t>𝑦</m:t>
+                      </m:r>
+                      <m:r>
+                        <a:rPr lang="en-GB" b="1" i="1" smtClean="0">
+                          <a:latin typeface="Cambria Math" panose="02040503050406030204" pitchFamily="18" charset="0"/>
+                        </a:rPr>
+                        <m:t>)</m:t>
+                      </m:r>
+                    </m:oMath>
+                  </m:oMathPara>
+                </a14:m>
+                <a:endParaRPr lang="en-US" b="1" dirty="0"/>
+              </a:p>
+            </p:txBody>
+          </p:sp>
+        </mc:Choice>
+        <mc:Fallback>
+          <p:sp>
+            <p:nvSpPr>
+              <p:cNvPr id="4" name="Rectangle 3">
+                <a:extLst>
+                  <a:ext uri="{FF2B5EF4-FFF2-40B4-BE49-F238E27FC236}">
+                    <a16:creationId xmlns:a16="http://schemas.microsoft.com/office/drawing/2014/main" id="{11B57CC1-7C4C-C205-CD92-317D6DCEBD6F}"/>
+                  </a:ext>
+                </a:extLst>
+              </p:cNvPr>
+              <p:cNvSpPr>
+                <a:spLocks noRot="1" noChangeAspect="1" noMove="1" noResize="1" noEditPoints="1" noAdjustHandles="1" noChangeArrowheads="1" noChangeShapeType="1" noTextEdit="1"/>
+              </p:cNvSpPr>
+              <p:nvPr/>
+            </p:nvSpPr>
+            <p:spPr>
+              <a:xfrm>
+                <a:off x="1330116" y="2528041"/>
+                <a:ext cx="1772157" cy="1205714"/>
+              </a:xfrm>
+              <a:prstGeom prst="rect">
+                <a:avLst/>
+              </a:prstGeom>
+              <a:blipFill>
+                <a:blip r:embed="rId2"/>
+                <a:stretch>
+                  <a:fillRect/>
+                </a:stretch>
+              </a:blipFill>
+            </p:spPr>
+            <p:txBody>
+              <a:bodyPr/>
+              <a:lstStyle/>
+              <a:p>
+                <a:r>
+                  <a:rPr lang="en-US">
+                    <a:noFill/>
+                  </a:rPr>
+                  <a:t> </a:t>
+                </a:r>
+              </a:p>
+            </p:txBody>
+          </p:sp>
+        </mc:Fallback>
+      </mc:AlternateContent>
+      <p:sp>
+        <p:nvSpPr>
+          <p:cNvPr id="7" name="Rectangle 6">
+            <a:extLst>
+              <a:ext uri="{FF2B5EF4-FFF2-40B4-BE49-F238E27FC236}">
+                <a16:creationId xmlns:a16="http://schemas.microsoft.com/office/drawing/2014/main" id="{A432C10C-5873-D639-A4D9-6693AECA0C93}"/>
+              </a:ext>
+            </a:extLst>
+          </p:cNvPr>
+          <p:cNvSpPr/>
+          <p:nvPr/>
+        </p:nvSpPr>
+        <p:spPr>
+          <a:xfrm>
+            <a:off x="1011507" y="2138320"/>
+            <a:ext cx="2427610" cy="3550378"/>
+          </a:xfrm>
+          <a:prstGeom prst="rect">
+            <a:avLst/>
+          </a:prstGeom>
+          <a:noFill/>
+          <a:ln w="28575">
+            <a:prstDash val="dash"/>
+          </a:ln>
+        </p:spPr>
+        <p:style>
+          <a:lnRef idx="2">
+            <a:schemeClr val="accent1">
+              <a:shade val="15000"/>
+            </a:schemeClr>
+          </a:lnRef>
+          <a:fillRef idx="1">
+            <a:schemeClr val="accent1"/>
+          </a:fillRef>
+          <a:effectRef idx="0">
+            <a:schemeClr val="accent1"/>
+          </a:effectRef>
+          <a:fontRef idx="minor">
+            <a:schemeClr val="lt1"/>
+          </a:fontRef>
+        </p:style>
+        <p:txBody>
+          <a:bodyPr rtlCol="0" anchor="ctr"/>
+          <a:lstStyle/>
+          <a:p>
+            <a:pPr algn="ctr"/>
+            <a:endParaRPr lang="en-US"/>
+          </a:p>
+        </p:txBody>
+      </p:sp>
+      <p:sp>
+        <p:nvSpPr>
+          <p:cNvPr id="10" name="TextBox 9">
+            <a:extLst>
+              <a:ext uri="{FF2B5EF4-FFF2-40B4-BE49-F238E27FC236}">
+                <a16:creationId xmlns:a16="http://schemas.microsoft.com/office/drawing/2014/main" id="{A7138CC8-CF58-5027-E97D-55A94B5E1ADA}"/>
+              </a:ext>
+            </a:extLst>
+          </p:cNvPr>
+          <p:cNvSpPr txBox="1"/>
+          <p:nvPr/>
+        </p:nvSpPr>
+        <p:spPr>
+          <a:xfrm>
+            <a:off x="1418168" y="1574128"/>
+            <a:ext cx="1614288" cy="369332"/>
+          </a:xfrm>
+          <a:prstGeom prst="rect">
+            <a:avLst/>
+          </a:prstGeom>
+          <a:noFill/>
+        </p:spPr>
+        <p:txBody>
+          <a:bodyPr wrap="none" rtlCol="0">
+            <a:spAutoFit/>
+          </a:bodyPr>
+          <a:lstStyle/>
+          <a:p>
+            <a:r>
+              <a:rPr lang="en-US" dirty="0"/>
+              <a:t>User specified</a:t>
+            </a:r>
+          </a:p>
+        </p:txBody>
+      </p:sp>
+      <mc:AlternateContent xmlns:mc="http://schemas.openxmlformats.org/markup-compatibility/2006">
+        <mc:Choice xmlns:a14="http://schemas.microsoft.com/office/drawing/2010/main" Requires="a14">
+          <p:sp>
+            <p:nvSpPr>
+              <p:cNvPr id="11" name="Rectangle 10">
+                <a:extLst>
+                  <a:ext uri="{FF2B5EF4-FFF2-40B4-BE49-F238E27FC236}">
+                    <a16:creationId xmlns:a16="http://schemas.microsoft.com/office/drawing/2014/main" id="{C258FF5D-978A-9656-3D35-8B8C74662434}"/>
+                  </a:ext>
+                </a:extLst>
+              </p:cNvPr>
+              <p:cNvSpPr/>
+              <p:nvPr/>
+            </p:nvSpPr>
+            <p:spPr>
+              <a:xfrm>
+                <a:off x="1336203" y="3948246"/>
+                <a:ext cx="1772156" cy="1043873"/>
+              </a:xfrm>
+              <a:prstGeom prst="rect">
+                <a:avLst/>
+              </a:prstGeom>
+            </p:spPr>
+            <p:style>
+              <a:lnRef idx="2">
+                <a:schemeClr val="accent6">
+                  <a:shade val="15000"/>
+                </a:schemeClr>
+              </a:lnRef>
+              <a:fillRef idx="1">
+                <a:schemeClr val="accent6"/>
+              </a:fillRef>
+              <a:effectRef idx="0">
+                <a:schemeClr val="accent6"/>
+              </a:effectRef>
+              <a:fontRef idx="minor">
+                <a:schemeClr val="lt1"/>
+              </a:fontRef>
+            </p:style>
+            <p:txBody>
+              <a:bodyPr rtlCol="0" anchor="ctr"/>
+              <a:lstStyle/>
+              <a:p>
+                <a:pPr algn="ctr"/>
+                <a:r>
+                  <a:rPr lang="en-US" dirty="0"/>
+                  <a:t>Base Model</a:t>
+                </a:r>
+              </a:p>
+              <a:p>
+                <a:pPr algn="ctr"/>
+                <a14:m>
+                  <m:oMathPara xmlns:m="http://schemas.openxmlformats.org/officeDocument/2006/math">
+                    <m:oMathParaPr>
+                      <m:jc m:val="centerGroup"/>
+                    </m:oMathParaPr>
+                    <m:oMath xmlns:m="http://schemas.openxmlformats.org/officeDocument/2006/math">
+                      <m:r>
+                        <a:rPr lang="en-GB" b="0" i="1" smtClean="0">
+                          <a:latin typeface="Cambria Math" panose="02040503050406030204" pitchFamily="18" charset="0"/>
+                        </a:rPr>
+                        <m:t>𝑓</m:t>
+                      </m:r>
+                      <m:d>
+                        <m:dPr>
+                          <m:ctrlPr>
+                            <a:rPr lang="en-GB" b="0" i="1" smtClean="0">
+                              <a:latin typeface="Cambria Math" panose="02040503050406030204" pitchFamily="18" charset="0"/>
+                            </a:rPr>
+                          </m:ctrlPr>
+                        </m:dPr>
+                        <m:e>
+                          <m:r>
+                            <a:rPr lang="en-GB" b="0" i="1" smtClean="0">
+                              <a:latin typeface="Cambria Math" panose="02040503050406030204" pitchFamily="18" charset="0"/>
+                            </a:rPr>
+                            <m:t>𝑥</m:t>
+                          </m:r>
+                        </m:e>
+                      </m:d>
+                      <m:r>
+                        <a:rPr lang="en-GB" b="0" i="1" smtClean="0">
+                          <a:latin typeface="Cambria Math" panose="02040503050406030204" pitchFamily="18" charset="0"/>
+                        </a:rPr>
+                        <m:t>=</m:t>
+                      </m:r>
+                      <m:r>
+                        <a:rPr lang="en-GB" b="0" i="1" smtClean="0">
+                          <a:latin typeface="Cambria Math" panose="02040503050406030204" pitchFamily="18" charset="0"/>
+                        </a:rPr>
+                        <m:t>𝑎𝑥</m:t>
+                      </m:r>
+                      <m:r>
+                        <a:rPr lang="en-GB" b="0" i="1" smtClean="0">
+                          <a:latin typeface="Cambria Math" panose="02040503050406030204" pitchFamily="18" charset="0"/>
+                        </a:rPr>
+                        <m:t>+</m:t>
+                      </m:r>
+                      <m:r>
+                        <a:rPr lang="en-GB" b="0" i="1" smtClean="0">
+                          <a:latin typeface="Cambria Math" panose="02040503050406030204" pitchFamily="18" charset="0"/>
+                        </a:rPr>
+                        <m:t>𝑏</m:t>
+                      </m:r>
+                    </m:oMath>
+                  </m:oMathPara>
+                </a14:m>
+                <a:endParaRPr lang="en-US" dirty="0"/>
+              </a:p>
+            </p:txBody>
+          </p:sp>
+        </mc:Choice>
+        <mc:Fallback>
+          <p:sp>
+            <p:nvSpPr>
+              <p:cNvPr id="11" name="Rectangle 10">
+                <a:extLst>
+                  <a:ext uri="{FF2B5EF4-FFF2-40B4-BE49-F238E27FC236}">
+                    <a16:creationId xmlns:a16="http://schemas.microsoft.com/office/drawing/2014/main" id="{C258FF5D-978A-9656-3D35-8B8C74662434}"/>
+                  </a:ext>
+                </a:extLst>
+              </p:cNvPr>
+              <p:cNvSpPr>
+                <a:spLocks noRot="1" noChangeAspect="1" noMove="1" noResize="1" noEditPoints="1" noAdjustHandles="1" noChangeArrowheads="1" noChangeShapeType="1" noTextEdit="1"/>
+              </p:cNvSpPr>
+              <p:nvPr/>
+            </p:nvSpPr>
+            <p:spPr>
+              <a:xfrm>
+                <a:off x="1336203" y="3948246"/>
+                <a:ext cx="1772156" cy="1043873"/>
+              </a:xfrm>
+              <a:prstGeom prst="rect">
+                <a:avLst/>
+              </a:prstGeom>
+              <a:blipFill>
+                <a:blip r:embed="rId3"/>
+                <a:stretch>
+                  <a:fillRect/>
+                </a:stretch>
+              </a:blipFill>
+            </p:spPr>
+            <p:txBody>
+              <a:bodyPr/>
+              <a:lstStyle/>
+              <a:p>
+                <a:r>
+                  <a:rPr lang="en-US">
+                    <a:noFill/>
+                  </a:rPr>
+                  <a:t> </a:t>
+                </a:r>
+              </a:p>
+            </p:txBody>
+          </p:sp>
+        </mc:Fallback>
+      </mc:AlternateContent>
+      <p:cxnSp>
+        <p:nvCxnSpPr>
+          <p:cNvPr id="13" name="Straight Arrow Connector 12">
+            <a:extLst>
+              <a:ext uri="{FF2B5EF4-FFF2-40B4-BE49-F238E27FC236}">
+                <a16:creationId xmlns:a16="http://schemas.microsoft.com/office/drawing/2014/main" id="{F6B7FD8E-DBBD-0E73-F7F7-9B62EFBBD09A}"/>
+              </a:ext>
+            </a:extLst>
+          </p:cNvPr>
+          <p:cNvCxnSpPr>
+            <a:cxnSpLocks/>
+          </p:cNvCxnSpPr>
+          <p:nvPr/>
+        </p:nvCxnSpPr>
+        <p:spPr>
+          <a:xfrm>
+            <a:off x="3665691" y="3913509"/>
+            <a:ext cx="2880766" cy="0"/>
+          </a:xfrm>
+          <a:prstGeom prst="straightConnector1">
+            <a:avLst/>
+          </a:prstGeom>
+          <a:ln>
+            <a:tailEnd type="triangle"/>
+          </a:ln>
+        </p:spPr>
+        <p:style>
+          <a:lnRef idx="2">
+            <a:schemeClr val="dk1"/>
+          </a:lnRef>
+          <a:fillRef idx="0">
+            <a:schemeClr val="dk1"/>
+          </a:fillRef>
+          <a:effectRef idx="1">
+            <a:schemeClr val="dk1"/>
+          </a:effectRef>
+          <a:fontRef idx="minor">
+            <a:schemeClr val="tx1"/>
+          </a:fontRef>
+        </p:style>
+      </p:cxnSp>
+      <p:sp>
+        <p:nvSpPr>
+          <p:cNvPr id="15" name="TextBox 14">
+            <a:extLst>
+              <a:ext uri="{FF2B5EF4-FFF2-40B4-BE49-F238E27FC236}">
+                <a16:creationId xmlns:a16="http://schemas.microsoft.com/office/drawing/2014/main" id="{74C4E730-787A-74A5-617B-AF3F8111BF8C}"/>
+              </a:ext>
+            </a:extLst>
+          </p:cNvPr>
+          <p:cNvSpPr txBox="1"/>
+          <p:nvPr/>
+        </p:nvSpPr>
+        <p:spPr>
+          <a:xfrm>
+            <a:off x="4034747" y="4023999"/>
+            <a:ext cx="1851341" cy="369332"/>
+          </a:xfrm>
+          <a:prstGeom prst="rect">
+            <a:avLst/>
+          </a:prstGeom>
+          <a:noFill/>
+        </p:spPr>
+        <p:txBody>
+          <a:bodyPr wrap="none" rtlCol="0">
+            <a:spAutoFit/>
+          </a:bodyPr>
+          <a:lstStyle/>
+          <a:p>
+            <a:r>
+              <a:rPr lang="en-US" dirty="0"/>
+              <a:t> via grad descent</a:t>
+            </a:r>
+          </a:p>
+        </p:txBody>
+      </p:sp>
+      <p:sp>
+        <p:nvSpPr>
+          <p:cNvPr id="18" name="TextBox 17">
+            <a:extLst>
+              <a:ext uri="{FF2B5EF4-FFF2-40B4-BE49-F238E27FC236}">
+                <a16:creationId xmlns:a16="http://schemas.microsoft.com/office/drawing/2014/main" id="{16383969-C293-D694-8C96-EFDD58E90D59}"/>
+              </a:ext>
+            </a:extLst>
+          </p:cNvPr>
+          <p:cNvSpPr txBox="1"/>
+          <p:nvPr/>
+        </p:nvSpPr>
+        <p:spPr>
+          <a:xfrm>
+            <a:off x="3754705" y="3683876"/>
+            <a:ext cx="1205713" cy="369332"/>
+          </a:xfrm>
+          <a:prstGeom prst="rect">
+            <a:avLst/>
+          </a:prstGeom>
+          <a:noFill/>
+        </p:spPr>
+        <p:txBody>
+          <a:bodyPr wrap="square" rtlCol="0">
+            <a:spAutoFit/>
+          </a:bodyPr>
+          <a:lstStyle/>
+          <a:p>
+            <a:endParaRPr lang="en-US" dirty="0"/>
+          </a:p>
+        </p:txBody>
+      </p:sp>
+      <mc:AlternateContent xmlns:mc="http://schemas.openxmlformats.org/markup-compatibility/2006">
+        <mc:Choice xmlns:a14="http://schemas.microsoft.com/office/drawing/2010/main" Requires="a14">
+          <p:sp>
+            <p:nvSpPr>
+              <p:cNvPr id="19" name="TextBox 18">
+                <a:extLst>
+                  <a:ext uri="{FF2B5EF4-FFF2-40B4-BE49-F238E27FC236}">
+                    <a16:creationId xmlns:a16="http://schemas.microsoft.com/office/drawing/2014/main" id="{71D4AF90-0174-7CD7-ED09-B29E2E095A23}"/>
+                  </a:ext>
+                </a:extLst>
+              </p:cNvPr>
+              <p:cNvSpPr txBox="1"/>
+              <p:nvPr/>
+            </p:nvSpPr>
+            <p:spPr>
+              <a:xfrm>
+                <a:off x="3665691" y="3461048"/>
+                <a:ext cx="2937727" cy="297004"/>
+              </a:xfrm>
+              <a:prstGeom prst="rect">
+                <a:avLst/>
+              </a:prstGeom>
+              <a:noFill/>
+            </p:spPr>
+            <p:txBody>
+              <a:bodyPr wrap="none" lIns="0" tIns="0" rIns="0" bIns="0" rtlCol="0">
+                <a:spAutoFit/>
+              </a:bodyPr>
+              <a:lstStyle/>
+              <a:p>
+                <a14:m>
+                  <m:oMathPara xmlns:m="http://schemas.openxmlformats.org/officeDocument/2006/math">
+                    <m:oMathParaPr>
+                      <m:jc m:val="centerGroup"/>
+                    </m:oMathParaPr>
+                    <m:oMath xmlns:m="http://schemas.openxmlformats.org/officeDocument/2006/math">
+                      <m:r>
+                        <a:rPr lang="en-GB" b="0" i="1" smtClean="0">
+                          <a:latin typeface="Cambria Math" panose="02040503050406030204" pitchFamily="18" charset="0"/>
+                        </a:rPr>
+                        <m:t>𝑎𝑟𝑔𝑚𝑖</m:t>
+                      </m:r>
+                      <m:sSub>
+                        <m:sSubPr>
+                          <m:ctrlPr>
+                            <a:rPr lang="en-GB" b="0" i="1" smtClean="0">
+                              <a:latin typeface="Cambria Math" panose="02040503050406030204" pitchFamily="18" charset="0"/>
+                            </a:rPr>
+                          </m:ctrlPr>
+                        </m:sSubPr>
+                        <m:e>
+                          <m:r>
+                            <a:rPr lang="en-GB" b="0" i="1" smtClean="0">
+                              <a:latin typeface="Cambria Math" panose="02040503050406030204" pitchFamily="18" charset="0"/>
+                            </a:rPr>
+                            <m:t>𝑛</m:t>
+                          </m:r>
+                        </m:e>
+                        <m:sub>
+                          <m:d>
+                            <m:dPr>
+                              <m:begChr m:val="{"/>
+                              <m:endChr m:val="}"/>
+                              <m:ctrlPr>
+                                <a:rPr lang="en-GB" b="0" i="1" smtClean="0">
+                                  <a:latin typeface="Cambria Math" panose="02040503050406030204" pitchFamily="18" charset="0"/>
+                                </a:rPr>
+                              </m:ctrlPr>
+                            </m:dPr>
+                            <m:e>
+                              <m:r>
+                                <a:rPr lang="en-GB" b="0" i="1" smtClean="0">
+                                  <a:latin typeface="Cambria Math" panose="02040503050406030204" pitchFamily="18" charset="0"/>
+                                </a:rPr>
+                                <m:t>𝑐𝑜𝑛𝑠𝑡𝑠</m:t>
+                              </m:r>
+                            </m:e>
+                          </m:d>
+                        </m:sub>
+                      </m:sSub>
+                      <m:r>
+                        <a:rPr lang="en-GB" b="0" i="1" smtClean="0">
+                          <a:latin typeface="Cambria Math" panose="02040503050406030204" pitchFamily="18" charset="0"/>
+                        </a:rPr>
+                        <m:t>(</m:t>
+                      </m:r>
+                      <m:r>
+                        <a:rPr lang="en-GB" b="0" i="1" smtClean="0">
+                          <a:latin typeface="Cambria Math" panose="02040503050406030204" pitchFamily="18" charset="0"/>
+                        </a:rPr>
+                        <m:t>𝐿𝑜𝑠𝑠</m:t>
+                      </m:r>
+                      <m:r>
+                        <a:rPr lang="en-GB" b="0" i="1" smtClean="0">
+                          <a:latin typeface="Cambria Math" panose="02040503050406030204" pitchFamily="18" charset="0"/>
+                        </a:rPr>
+                        <m:t>(</m:t>
+                      </m:r>
+                      <m:r>
+                        <a:rPr lang="en-GB" b="0" i="1" smtClean="0">
+                          <a:latin typeface="Cambria Math" panose="02040503050406030204" pitchFamily="18" charset="0"/>
+                        </a:rPr>
+                        <m:t>𝑦</m:t>
+                      </m:r>
+                      <m:r>
+                        <a:rPr lang="en-GB" b="0" i="1" smtClean="0">
+                          <a:latin typeface="Cambria Math" panose="02040503050406030204" pitchFamily="18" charset="0"/>
+                        </a:rPr>
+                        <m:t>,</m:t>
+                      </m:r>
+                      <m:r>
+                        <a:rPr lang="en-GB" b="0" i="1" smtClean="0">
+                          <a:latin typeface="Cambria Math" panose="02040503050406030204" pitchFamily="18" charset="0"/>
+                        </a:rPr>
+                        <m:t>𝑓</m:t>
+                      </m:r>
+                      <m:d>
+                        <m:dPr>
+                          <m:ctrlPr>
+                            <a:rPr lang="en-GB" b="0" i="1" smtClean="0">
+                              <a:latin typeface="Cambria Math" panose="02040503050406030204" pitchFamily="18" charset="0"/>
+                            </a:rPr>
+                          </m:ctrlPr>
+                        </m:dPr>
+                        <m:e>
+                          <m:r>
+                            <a:rPr lang="en-GB" b="0" i="1" smtClean="0">
+                              <a:latin typeface="Cambria Math" panose="02040503050406030204" pitchFamily="18" charset="0"/>
+                            </a:rPr>
+                            <m:t>𝑥</m:t>
+                          </m:r>
+                        </m:e>
+                      </m:d>
+                      <m:r>
+                        <a:rPr lang="en-GB" b="0" i="1" smtClean="0">
+                          <a:latin typeface="Cambria Math" panose="02040503050406030204" pitchFamily="18" charset="0"/>
+                        </a:rPr>
+                        <m:t>)</m:t>
+                      </m:r>
+                    </m:oMath>
+                  </m:oMathPara>
+                </a14:m>
+                <a:endParaRPr lang="en-US" dirty="0"/>
+              </a:p>
+            </p:txBody>
+          </p:sp>
+        </mc:Choice>
+        <mc:Fallback>
+          <p:sp>
+            <p:nvSpPr>
+              <p:cNvPr id="19" name="TextBox 18">
+                <a:extLst>
+                  <a:ext uri="{FF2B5EF4-FFF2-40B4-BE49-F238E27FC236}">
+                    <a16:creationId xmlns:a16="http://schemas.microsoft.com/office/drawing/2014/main" id="{71D4AF90-0174-7CD7-ED09-B29E2E095A23}"/>
+                  </a:ext>
+                </a:extLst>
+              </p:cNvPr>
+              <p:cNvSpPr txBox="1">
+                <a:spLocks noRot="1" noChangeAspect="1" noMove="1" noResize="1" noEditPoints="1" noAdjustHandles="1" noChangeArrowheads="1" noChangeShapeType="1" noTextEdit="1"/>
+              </p:cNvSpPr>
+              <p:nvPr/>
+            </p:nvSpPr>
+            <p:spPr>
+              <a:xfrm>
+                <a:off x="3665691" y="3461048"/>
+                <a:ext cx="2937727" cy="297004"/>
+              </a:xfrm>
+              <a:prstGeom prst="rect">
+                <a:avLst/>
+              </a:prstGeom>
+              <a:blipFill>
+                <a:blip r:embed="rId4"/>
+                <a:stretch>
+                  <a:fillRect l="-2155" r="-2586" b="-29167"/>
+                </a:stretch>
+              </a:blipFill>
+            </p:spPr>
+            <p:txBody>
+              <a:bodyPr/>
+              <a:lstStyle/>
+              <a:p>
+                <a:r>
+                  <a:rPr lang="en-US">
+                    <a:noFill/>
+                  </a:rPr>
+                  <a:t> </a:t>
+                </a:r>
+              </a:p>
+            </p:txBody>
+          </p:sp>
+        </mc:Fallback>
+      </mc:AlternateContent>
+      <mc:AlternateContent xmlns:mc="http://schemas.openxmlformats.org/markup-compatibility/2006">
+        <mc:Choice xmlns:a14="http://schemas.microsoft.com/office/drawing/2010/main" Requires="a14">
+          <p:sp>
+            <p:nvSpPr>
+              <p:cNvPr id="21" name="TextBox 20">
+                <a:extLst>
+                  <a:ext uri="{FF2B5EF4-FFF2-40B4-BE49-F238E27FC236}">
+                    <a16:creationId xmlns:a16="http://schemas.microsoft.com/office/drawing/2014/main" id="{5B7577EF-7ED9-2166-A218-3F8B7BF97C8F}"/>
+                  </a:ext>
+                </a:extLst>
+              </p:cNvPr>
+              <p:cNvSpPr txBox="1"/>
+              <p:nvPr/>
+            </p:nvSpPr>
+            <p:spPr>
+              <a:xfrm>
+                <a:off x="7456191" y="5213697"/>
+                <a:ext cx="519758" cy="276999"/>
+              </a:xfrm>
+              <a:prstGeom prst="rect">
+                <a:avLst/>
+              </a:prstGeom>
+              <a:noFill/>
+            </p:spPr>
+            <p:txBody>
+              <a:bodyPr wrap="none" lIns="0" tIns="0" rIns="0" bIns="0" rtlCol="0">
+                <a:spAutoFit/>
+              </a:bodyPr>
+              <a:lstStyle/>
+              <a:p>
+                <a14:m>
+                  <m:oMathPara xmlns:m="http://schemas.openxmlformats.org/officeDocument/2006/math">
+                    <m:oMathParaPr>
+                      <m:jc m:val="centerGroup"/>
+                    </m:oMathParaPr>
+                    <m:oMath xmlns:m="http://schemas.openxmlformats.org/officeDocument/2006/math">
+                      <m:sSub>
+                        <m:sSubPr>
+                          <m:ctrlPr>
+                            <a:rPr lang="en-GB" b="0" i="1" smtClean="0">
+                              <a:latin typeface="Cambria Math" panose="02040503050406030204" pitchFamily="18" charset="0"/>
+                            </a:rPr>
+                          </m:ctrlPr>
+                        </m:sSubPr>
+                        <m:e>
+                          <m:r>
+                            <a:rPr lang="en-GB" b="0" i="1" smtClean="0">
+                              <a:latin typeface="Cambria Math" panose="02040503050406030204" pitchFamily="18" charset="0"/>
+                            </a:rPr>
+                            <m:t>𝑥</m:t>
+                          </m:r>
+                        </m:e>
+                        <m:sub>
+                          <m:r>
+                            <a:rPr lang="en-GB" b="0" i="1" smtClean="0">
+                              <a:latin typeface="Cambria Math" panose="02040503050406030204" pitchFamily="18" charset="0"/>
+                            </a:rPr>
+                            <m:t>𝑛𝑒𝑤</m:t>
+                          </m:r>
+                        </m:sub>
+                      </m:sSub>
+                    </m:oMath>
+                  </m:oMathPara>
+                </a14:m>
+                <a:endParaRPr lang="en-US" dirty="0"/>
+              </a:p>
+            </p:txBody>
+          </p:sp>
+        </mc:Choice>
+        <mc:Fallback>
+          <p:sp>
+            <p:nvSpPr>
+              <p:cNvPr id="21" name="TextBox 20">
+                <a:extLst>
+                  <a:ext uri="{FF2B5EF4-FFF2-40B4-BE49-F238E27FC236}">
+                    <a16:creationId xmlns:a16="http://schemas.microsoft.com/office/drawing/2014/main" id="{5B7577EF-7ED9-2166-A218-3F8B7BF97C8F}"/>
+                  </a:ext>
+                </a:extLst>
+              </p:cNvPr>
+              <p:cNvSpPr txBox="1">
+                <a:spLocks noRot="1" noChangeAspect="1" noMove="1" noResize="1" noEditPoints="1" noAdjustHandles="1" noChangeArrowheads="1" noChangeShapeType="1" noTextEdit="1"/>
+              </p:cNvSpPr>
+              <p:nvPr/>
+            </p:nvSpPr>
+            <p:spPr>
+              <a:xfrm>
+                <a:off x="7456191" y="5213697"/>
+                <a:ext cx="519758" cy="276999"/>
+              </a:xfrm>
+              <a:prstGeom prst="rect">
+                <a:avLst/>
+              </a:prstGeom>
+              <a:blipFill>
+                <a:blip r:embed="rId5"/>
+                <a:stretch>
+                  <a:fillRect l="-7317" r="-2439" b="-8696"/>
+                </a:stretch>
+              </a:blipFill>
+            </p:spPr>
+            <p:txBody>
+              <a:bodyPr/>
+              <a:lstStyle/>
+              <a:p>
+                <a:r>
+                  <a:rPr lang="en-US">
+                    <a:noFill/>
+                  </a:rPr>
+                  <a:t> </a:t>
+                </a:r>
+              </a:p>
+            </p:txBody>
+          </p:sp>
+        </mc:Fallback>
+      </mc:AlternateContent>
+      <mc:AlternateContent xmlns:mc="http://schemas.openxmlformats.org/markup-compatibility/2006">
+        <mc:Choice xmlns:a14="http://schemas.microsoft.com/office/drawing/2010/main" Requires="a14">
+          <p:sp>
+            <p:nvSpPr>
+              <p:cNvPr id="28" name="TextBox 27">
+                <a:extLst>
+                  <a:ext uri="{FF2B5EF4-FFF2-40B4-BE49-F238E27FC236}">
+                    <a16:creationId xmlns:a16="http://schemas.microsoft.com/office/drawing/2014/main" id="{0216C05F-6071-AA11-DC59-E39F00E20797}"/>
+                  </a:ext>
+                </a:extLst>
+              </p:cNvPr>
+              <p:cNvSpPr txBox="1"/>
+              <p:nvPr/>
+            </p:nvSpPr>
+            <p:spPr>
+              <a:xfrm>
+                <a:off x="9461567" y="3809746"/>
+                <a:ext cx="508152" cy="276999"/>
+              </a:xfrm>
+              <a:prstGeom prst="rect">
+                <a:avLst/>
+              </a:prstGeom>
+              <a:noFill/>
+            </p:spPr>
+            <p:txBody>
+              <a:bodyPr wrap="none" lIns="0" tIns="0" rIns="0" bIns="0" rtlCol="0">
+                <a:spAutoFit/>
+              </a:bodyPr>
+              <a:lstStyle/>
+              <a:p>
+                <a14:m>
+                  <m:oMathPara xmlns:m="http://schemas.openxmlformats.org/officeDocument/2006/math">
+                    <m:oMathParaPr>
+                      <m:jc m:val="centerGroup"/>
+                    </m:oMathParaPr>
+                    <m:oMath xmlns:m="http://schemas.openxmlformats.org/officeDocument/2006/math">
+                      <m:sSub>
+                        <m:sSubPr>
+                          <m:ctrlPr>
+                            <a:rPr lang="en-GB" b="0" i="1" smtClean="0">
+                              <a:latin typeface="Cambria Math" panose="02040503050406030204" pitchFamily="18" charset="0"/>
+                            </a:rPr>
+                          </m:ctrlPr>
+                        </m:sSubPr>
+                        <m:e>
+                          <m:r>
+                            <a:rPr lang="en-GB" b="0" i="1" smtClean="0">
+                              <a:latin typeface="Cambria Math" panose="02040503050406030204" pitchFamily="18" charset="0"/>
+                            </a:rPr>
+                            <m:t>𝑦</m:t>
+                          </m:r>
+                        </m:e>
+                        <m:sub>
+                          <m:r>
+                            <a:rPr lang="en-GB" b="0" i="1" smtClean="0">
+                              <a:latin typeface="Cambria Math" panose="02040503050406030204" pitchFamily="18" charset="0"/>
+                            </a:rPr>
+                            <m:t>𝑛𝑒𝑤</m:t>
+                          </m:r>
+                        </m:sub>
+                      </m:sSub>
+                    </m:oMath>
+                  </m:oMathPara>
+                </a14:m>
+                <a:endParaRPr lang="en-US" dirty="0"/>
+              </a:p>
+            </p:txBody>
+          </p:sp>
+        </mc:Choice>
+        <mc:Fallback>
+          <p:sp>
+            <p:nvSpPr>
+              <p:cNvPr id="28" name="TextBox 27">
+                <a:extLst>
+                  <a:ext uri="{FF2B5EF4-FFF2-40B4-BE49-F238E27FC236}">
+                    <a16:creationId xmlns:a16="http://schemas.microsoft.com/office/drawing/2014/main" id="{0216C05F-6071-AA11-DC59-E39F00E20797}"/>
+                  </a:ext>
+                </a:extLst>
+              </p:cNvPr>
+              <p:cNvSpPr txBox="1">
+                <a:spLocks noRot="1" noChangeAspect="1" noMove="1" noResize="1" noEditPoints="1" noAdjustHandles="1" noChangeArrowheads="1" noChangeShapeType="1" noTextEdit="1"/>
+              </p:cNvSpPr>
+              <p:nvPr/>
+            </p:nvSpPr>
+            <p:spPr>
+              <a:xfrm>
+                <a:off x="9461567" y="3809746"/>
+                <a:ext cx="508152" cy="276999"/>
+              </a:xfrm>
+              <a:prstGeom prst="rect">
+                <a:avLst/>
+              </a:prstGeom>
+              <a:blipFill>
+                <a:blip r:embed="rId6"/>
+                <a:stretch>
+                  <a:fillRect l="-9756" r="-2439" b="-27273"/>
+                </a:stretch>
+              </a:blipFill>
+            </p:spPr>
+            <p:txBody>
+              <a:bodyPr/>
+              <a:lstStyle/>
+              <a:p>
+                <a:r>
+                  <a:rPr lang="en-US">
+                    <a:noFill/>
+                  </a:rPr>
+                  <a:t> </a:t>
+                </a:r>
+              </a:p>
+            </p:txBody>
+          </p:sp>
+        </mc:Fallback>
+      </mc:AlternateContent>
+      <mc:AlternateContent xmlns:mc="http://schemas.openxmlformats.org/markup-compatibility/2006">
+        <mc:Choice xmlns:a14="http://schemas.microsoft.com/office/drawing/2010/main" Requires="a14">
+          <p:sp>
+            <p:nvSpPr>
+              <p:cNvPr id="32" name="Rectangle 31">
+                <a:extLst>
+                  <a:ext uri="{FF2B5EF4-FFF2-40B4-BE49-F238E27FC236}">
+                    <a16:creationId xmlns:a16="http://schemas.microsoft.com/office/drawing/2014/main" id="{87CEC918-993C-ABE0-0D32-C352CE28639B}"/>
+                  </a:ext>
+                </a:extLst>
+              </p:cNvPr>
+              <p:cNvSpPr/>
+              <p:nvPr/>
+            </p:nvSpPr>
+            <p:spPr>
+              <a:xfrm>
+                <a:off x="6829992" y="3426310"/>
+                <a:ext cx="1772156" cy="1043873"/>
+              </a:xfrm>
+              <a:prstGeom prst="rect">
+                <a:avLst/>
+              </a:prstGeom>
+              <a:solidFill>
+                <a:srgbClr val="000000"/>
+              </a:solidFill>
+            </p:spPr>
+            <p:style>
+              <a:lnRef idx="2">
+                <a:schemeClr val="dk1">
+                  <a:shade val="15000"/>
+                </a:schemeClr>
+              </a:lnRef>
+              <a:fillRef idx="1">
+                <a:schemeClr val="dk1"/>
+              </a:fillRef>
+              <a:effectRef idx="0">
+                <a:schemeClr val="dk1"/>
+              </a:effectRef>
+              <a:fontRef idx="minor">
+                <a:schemeClr val="lt1"/>
+              </a:fontRef>
+            </p:style>
+            <p:txBody>
+              <a:bodyPr rtlCol="0" anchor="ctr"/>
+              <a:lstStyle/>
+              <a:p>
+                <a:pPr algn="ctr"/>
+                <a:r>
+                  <a:rPr lang="en-US" dirty="0"/>
+                  <a:t>Fitted Model</a:t>
+                </a:r>
+              </a:p>
+              <a:p>
+                <a:pPr algn="ctr"/>
+                <a14:m>
+                  <m:oMathPara xmlns:m="http://schemas.openxmlformats.org/officeDocument/2006/math">
+                    <m:oMathParaPr>
+                      <m:jc m:val="centerGroup"/>
+                    </m:oMathParaPr>
+                    <m:oMath xmlns:m="http://schemas.openxmlformats.org/officeDocument/2006/math">
+                      <m:r>
+                        <a:rPr lang="en-GB" b="0" i="1" smtClean="0">
+                          <a:latin typeface="Cambria Math" panose="02040503050406030204" pitchFamily="18" charset="0"/>
+                        </a:rPr>
+                        <m:t>𝑓</m:t>
+                      </m:r>
+                      <m:d>
+                        <m:dPr>
+                          <m:ctrlPr>
+                            <a:rPr lang="en-GB" b="0" i="1" smtClean="0">
+                              <a:latin typeface="Cambria Math" panose="02040503050406030204" pitchFamily="18" charset="0"/>
+                            </a:rPr>
+                          </m:ctrlPr>
+                        </m:dPr>
+                        <m:e>
+                          <m:r>
+                            <a:rPr lang="en-GB" b="0" i="1" smtClean="0">
+                              <a:latin typeface="Cambria Math" panose="02040503050406030204" pitchFamily="18" charset="0"/>
+                            </a:rPr>
+                            <m:t>𝑥</m:t>
+                          </m:r>
+                        </m:e>
+                      </m:d>
+                      <m:r>
+                        <a:rPr lang="en-GB" b="0" i="1" smtClean="0">
+                          <a:latin typeface="Cambria Math" panose="02040503050406030204" pitchFamily="18" charset="0"/>
+                        </a:rPr>
+                        <m:t>=5</m:t>
+                      </m:r>
+                      <m:r>
+                        <a:rPr lang="en-GB" b="0" i="1" smtClean="0">
+                          <a:latin typeface="Cambria Math" panose="02040503050406030204" pitchFamily="18" charset="0"/>
+                        </a:rPr>
+                        <m:t>𝑥</m:t>
+                      </m:r>
+                      <m:r>
+                        <a:rPr lang="en-GB" b="0" i="1" smtClean="0">
+                          <a:latin typeface="Cambria Math" panose="02040503050406030204" pitchFamily="18" charset="0"/>
+                        </a:rPr>
+                        <m:t>+2</m:t>
+                      </m:r>
+                    </m:oMath>
+                  </m:oMathPara>
+                </a14:m>
+                <a:endParaRPr lang="en-US" dirty="0"/>
+              </a:p>
+            </p:txBody>
+          </p:sp>
+        </mc:Choice>
+        <mc:Fallback>
+          <p:sp>
+            <p:nvSpPr>
+              <p:cNvPr id="32" name="Rectangle 31">
+                <a:extLst>
+                  <a:ext uri="{FF2B5EF4-FFF2-40B4-BE49-F238E27FC236}">
+                    <a16:creationId xmlns:a16="http://schemas.microsoft.com/office/drawing/2014/main" id="{87CEC918-993C-ABE0-0D32-C352CE28639B}"/>
+                  </a:ext>
+                </a:extLst>
+              </p:cNvPr>
+              <p:cNvSpPr>
+                <a:spLocks noRot="1" noChangeAspect="1" noMove="1" noResize="1" noEditPoints="1" noAdjustHandles="1" noChangeArrowheads="1" noChangeShapeType="1" noTextEdit="1"/>
+              </p:cNvSpPr>
+              <p:nvPr/>
+            </p:nvSpPr>
+            <p:spPr>
+              <a:xfrm>
+                <a:off x="6829992" y="3426310"/>
+                <a:ext cx="1772156" cy="1043873"/>
+              </a:xfrm>
+              <a:prstGeom prst="rect">
+                <a:avLst/>
+              </a:prstGeom>
+              <a:blipFill>
+                <a:blip r:embed="rId7"/>
+                <a:stretch>
+                  <a:fillRect/>
+                </a:stretch>
+              </a:blipFill>
+            </p:spPr>
+            <p:txBody>
+              <a:bodyPr/>
+              <a:lstStyle/>
+              <a:p>
+                <a:r>
+                  <a:rPr lang="en-US">
+                    <a:noFill/>
+                  </a:rPr>
+                  <a:t> </a:t>
+                </a:r>
+              </a:p>
+            </p:txBody>
+          </p:sp>
+        </mc:Fallback>
+      </mc:AlternateContent>
+      <p:cxnSp>
+        <p:nvCxnSpPr>
+          <p:cNvPr id="33" name="Straight Arrow Connector 32">
+            <a:extLst>
+              <a:ext uri="{FF2B5EF4-FFF2-40B4-BE49-F238E27FC236}">
+                <a16:creationId xmlns:a16="http://schemas.microsoft.com/office/drawing/2014/main" id="{4CF72CED-2522-3E93-7CC5-698D66CE304D}"/>
+              </a:ext>
+            </a:extLst>
+          </p:cNvPr>
+          <p:cNvCxnSpPr>
+            <a:cxnSpLocks/>
+          </p:cNvCxnSpPr>
+          <p:nvPr/>
+        </p:nvCxnSpPr>
+        <p:spPr>
+          <a:xfrm flipV="1">
+            <a:off x="7730906" y="4634279"/>
+            <a:ext cx="0" cy="440918"/>
+          </a:xfrm>
+          <a:prstGeom prst="straightConnector1">
+            <a:avLst/>
+          </a:prstGeom>
+          <a:ln>
+            <a:tailEnd type="triangle"/>
+          </a:ln>
+        </p:spPr>
+        <p:style>
+          <a:lnRef idx="1">
+            <a:schemeClr val="dk1"/>
+          </a:lnRef>
+          <a:fillRef idx="0">
+            <a:schemeClr val="dk1"/>
+          </a:fillRef>
+          <a:effectRef idx="0">
+            <a:schemeClr val="dk1"/>
+          </a:effectRef>
+          <a:fontRef idx="minor">
+            <a:schemeClr val="tx1"/>
+          </a:fontRef>
+        </p:style>
+      </p:cxnSp>
+      <p:cxnSp>
+        <p:nvCxnSpPr>
+          <p:cNvPr id="36" name="Straight Arrow Connector 35">
+            <a:extLst>
+              <a:ext uri="{FF2B5EF4-FFF2-40B4-BE49-F238E27FC236}">
+                <a16:creationId xmlns:a16="http://schemas.microsoft.com/office/drawing/2014/main" id="{79086F69-DFA7-CED5-435C-BC0757DA327F}"/>
+              </a:ext>
+            </a:extLst>
+          </p:cNvPr>
+          <p:cNvCxnSpPr>
+            <a:cxnSpLocks/>
+          </p:cNvCxnSpPr>
+          <p:nvPr/>
+        </p:nvCxnSpPr>
+        <p:spPr>
+          <a:xfrm>
+            <a:off x="8732970" y="3948246"/>
+            <a:ext cx="572871" cy="0"/>
+          </a:xfrm>
+          <a:prstGeom prst="straightConnector1">
+            <a:avLst/>
+          </a:prstGeom>
+          <a:ln>
+            <a:tailEnd type="triangle"/>
+          </a:ln>
+        </p:spPr>
+        <p:style>
+          <a:lnRef idx="1">
+            <a:schemeClr val="dk1"/>
+          </a:lnRef>
+          <a:fillRef idx="0">
+            <a:schemeClr val="dk1"/>
+          </a:fillRef>
+          <a:effectRef idx="0">
+            <a:schemeClr val="dk1"/>
+          </a:effectRef>
+          <a:fontRef idx="minor">
+            <a:schemeClr val="tx1"/>
+          </a:fontRef>
+        </p:style>
+      </p:cxnSp>
+      <p:sp>
+        <p:nvSpPr>
+          <p:cNvPr id="38" name="TextBox 37">
+            <a:extLst>
+              <a:ext uri="{FF2B5EF4-FFF2-40B4-BE49-F238E27FC236}">
+                <a16:creationId xmlns:a16="http://schemas.microsoft.com/office/drawing/2014/main" id="{83235897-31FB-8CB2-4FE4-4CCD874DDA75}"/>
+              </a:ext>
+            </a:extLst>
+          </p:cNvPr>
+          <p:cNvSpPr txBox="1"/>
+          <p:nvPr/>
+        </p:nvSpPr>
+        <p:spPr>
+          <a:xfrm>
+            <a:off x="1890335" y="5154384"/>
+            <a:ext cx="651717" cy="369332"/>
+          </a:xfrm>
+          <a:prstGeom prst="rect">
+            <a:avLst/>
+          </a:prstGeom>
+          <a:noFill/>
+        </p:spPr>
+        <p:txBody>
+          <a:bodyPr wrap="none" rtlCol="0">
+            <a:spAutoFit/>
+          </a:bodyPr>
+          <a:lstStyle/>
+          <a:p>
+            <a:r>
+              <a:rPr lang="en-US" dirty="0"/>
+              <a:t>Loss</a:t>
+            </a:r>
+          </a:p>
+        </p:txBody>
+      </p:sp>
+    </p:spTree>
+    <p:extLst>
+      <p:ext uri="{BB962C8B-B14F-4D97-AF65-F5344CB8AC3E}">
+        <p14:creationId xmlns:p14="http://schemas.microsoft.com/office/powerpoint/2010/main" val="2481984742"/>
+      </p:ext>
+    </p:extLst>
+  </p:cSld>
+  <p:clrMapOvr>
+    <a:masterClrMapping/>
+  </p:clrMapOvr>
+  <p:timing>
+    <p:tnLst>
+      <p:par>
+        <p:cTn id="1" dur="indefinite" restart="never" nodeType="tmRoot">
+          <p:childTnLst>
+            <p:seq concurrent="1" nextAc="seek">
+              <p:cTn id="2" dur="indefinite" nodeType="mainSeq">
+                <p:childTnLst>
+                  <p:par>
+                    <p:cTn id="3" fill="hold">
+                      <p:stCondLst>
+                        <p:cond delay="indefinite"/>
+                      </p:stCondLst>
+                      <p:childTnLst>
+                        <p:par>
+                          <p:cTn id="4" fill="hold">
+                            <p:stCondLst>
+                              <p:cond delay="0"/>
+                            </p:stCondLst>
+                            <p:childTnLst>
+                              <p:par>
+                                <p:cTn id="5" presetID="1" presetClass="entr" presetSubtype="0" fill="hold" grpId="0" nodeType="clickEffect">
+                                  <p:stCondLst>
+                                    <p:cond delay="0"/>
+                                  </p:stCondLst>
+                                  <p:childTnLst>
+                                    <p:set>
+                                      <p:cBhvr>
+                                        <p:cTn id="6" dur="1" fill="hold">
+                                          <p:stCondLst>
+                                            <p:cond delay="0"/>
+                                          </p:stCondLst>
+                                        </p:cTn>
+                                        <p:tgtEl>
+                                          <p:spTgt spid="7"/>
+                                        </p:tgtEl>
+                                        <p:attrNameLst>
+                                          <p:attrName>style.visibility</p:attrName>
+                                        </p:attrNameLst>
+                                      </p:cBhvr>
+                                      <p:to>
+                                        <p:strVal val="visible"/>
+                                      </p:to>
+                                    </p:set>
+                                  </p:childTnLst>
+                                </p:cTn>
+                              </p:par>
+                              <p:par>
+                                <p:cTn id="7" presetID="1" presetClass="entr" presetSubtype="0" fill="hold" grpId="0" nodeType="withEffect">
+                                  <p:stCondLst>
+                                    <p:cond delay="0"/>
+                                  </p:stCondLst>
+                                  <p:childTnLst>
+                                    <p:set>
+                                      <p:cBhvr>
+                                        <p:cTn id="8" dur="1" fill="hold">
+                                          <p:stCondLst>
+                                            <p:cond delay="0"/>
+                                          </p:stCondLst>
+                                        </p:cTn>
+                                        <p:tgtEl>
+                                          <p:spTgt spid="10"/>
+                                        </p:tgtEl>
+                                        <p:attrNameLst>
+                                          <p:attrName>style.visibility</p:attrName>
+                                        </p:attrNameLst>
+                                      </p:cBhvr>
+                                      <p:to>
+                                        <p:strVal val="visible"/>
+                                      </p:to>
+                                    </p:set>
+                                  </p:childTnLst>
+                                </p:cTn>
+                              </p:par>
+                            </p:childTnLst>
+                          </p:cTn>
+                        </p:par>
+                      </p:childTnLst>
+                    </p:cTn>
+                  </p:par>
+                  <p:par>
+                    <p:cTn id="9" fill="hold">
+                      <p:stCondLst>
+                        <p:cond delay="indefinite"/>
+                      </p:stCondLst>
+                      <p:childTnLst>
+                        <p:par>
+                          <p:cTn id="10" fill="hold">
+                            <p:stCondLst>
+                              <p:cond delay="0"/>
+                            </p:stCondLst>
+                            <p:childTnLst>
+                              <p:par>
+                                <p:cTn id="11" presetID="1" presetClass="entr" presetSubtype="0" fill="hold" grpId="0" nodeType="clickEffect">
+                                  <p:stCondLst>
+                                    <p:cond delay="0"/>
+                                  </p:stCondLst>
+                                  <p:childTnLst>
+                                    <p:set>
+                                      <p:cBhvr>
+                                        <p:cTn id="12" dur="1" fill="hold">
+                                          <p:stCondLst>
+                                            <p:cond delay="0"/>
+                                          </p:stCondLst>
+                                        </p:cTn>
+                                        <p:tgtEl>
+                                          <p:spTgt spid="4"/>
+                                        </p:tgtEl>
+                                        <p:attrNameLst>
+                                          <p:attrName>style.visibility</p:attrName>
+                                        </p:attrNameLst>
+                                      </p:cBhvr>
+                                      <p:to>
+                                        <p:strVal val="visible"/>
+                                      </p:to>
+                                    </p:set>
+                                  </p:childTnLst>
+                                </p:cTn>
+                              </p:par>
+                            </p:childTnLst>
+                          </p:cTn>
+                        </p:par>
+                      </p:childTnLst>
+                    </p:cTn>
+                  </p:par>
+                  <p:par>
+                    <p:cTn id="13" fill="hold">
+                      <p:stCondLst>
+                        <p:cond delay="indefinite"/>
+                      </p:stCondLst>
+                      <p:childTnLst>
+                        <p:par>
+                          <p:cTn id="14" fill="hold">
+                            <p:stCondLst>
+                              <p:cond delay="0"/>
+                            </p:stCondLst>
+                            <p:childTnLst>
+                              <p:par>
+                                <p:cTn id="15" presetID="1" presetClass="entr" presetSubtype="0" fill="hold" grpId="0" nodeType="clickEffect">
+                                  <p:stCondLst>
+                                    <p:cond delay="0"/>
+                                  </p:stCondLst>
+                                  <p:childTnLst>
+                                    <p:set>
+                                      <p:cBhvr>
+                                        <p:cTn id="16" dur="1" fill="hold">
+                                          <p:stCondLst>
+                                            <p:cond delay="0"/>
+                                          </p:stCondLst>
+                                        </p:cTn>
+                                        <p:tgtEl>
+                                          <p:spTgt spid="11"/>
+                                        </p:tgtEl>
+                                        <p:attrNameLst>
+                                          <p:attrName>style.visibility</p:attrName>
+                                        </p:attrNameLst>
+                                      </p:cBhvr>
+                                      <p:to>
+                                        <p:strVal val="visible"/>
+                                      </p:to>
+                                    </p:set>
+                                  </p:childTnLst>
+                                </p:cTn>
+                              </p:par>
+                            </p:childTnLst>
+                          </p:cTn>
+                        </p:par>
+                      </p:childTnLst>
+                    </p:cTn>
+                  </p:par>
+                  <p:par>
+                    <p:cTn id="17" fill="hold">
+                      <p:stCondLst>
+                        <p:cond delay="indefinite"/>
+                      </p:stCondLst>
+                      <p:childTnLst>
+                        <p:par>
+                          <p:cTn id="18" fill="hold">
+                            <p:stCondLst>
+                              <p:cond delay="0"/>
+                            </p:stCondLst>
+                            <p:childTnLst>
+                              <p:par>
+                                <p:cTn id="19" presetID="1" presetClass="entr" presetSubtype="0" fill="hold" grpId="0" nodeType="clickEffect">
+                                  <p:stCondLst>
+                                    <p:cond delay="0"/>
+                                  </p:stCondLst>
+                                  <p:childTnLst>
+                                    <p:set>
+                                      <p:cBhvr>
+                                        <p:cTn id="20" dur="1" fill="hold">
+                                          <p:stCondLst>
+                                            <p:cond delay="0"/>
+                                          </p:stCondLst>
+                                        </p:cTn>
+                                        <p:tgtEl>
+                                          <p:spTgt spid="38"/>
+                                        </p:tgtEl>
+                                        <p:attrNameLst>
+                                          <p:attrName>style.visibility</p:attrName>
+                                        </p:attrNameLst>
+                                      </p:cBhvr>
+                                      <p:to>
+                                        <p:strVal val="visible"/>
+                                      </p:to>
+                                    </p:set>
+                                  </p:childTnLst>
+                                </p:cTn>
+                              </p:par>
+                            </p:childTnLst>
+                          </p:cTn>
+                        </p:par>
+                      </p:childTnLst>
+                    </p:cTn>
+                  </p:par>
+                  <p:par>
+                    <p:cTn id="21" fill="hold">
+                      <p:stCondLst>
+                        <p:cond delay="indefinite"/>
+                      </p:stCondLst>
+                      <p:childTnLst>
+                        <p:par>
+                          <p:cTn id="22" fill="hold">
+                            <p:stCondLst>
+                              <p:cond delay="0"/>
+                            </p:stCondLst>
+                            <p:childTnLst>
+                              <p:par>
+                                <p:cTn id="23" presetID="1" presetClass="entr" presetSubtype="0" fill="hold" nodeType="clickEffect">
+                                  <p:stCondLst>
+                                    <p:cond delay="0"/>
+                                  </p:stCondLst>
+                                  <p:childTnLst>
+                                    <p:set>
+                                      <p:cBhvr>
+                                        <p:cTn id="24" dur="1" fill="hold">
+                                          <p:stCondLst>
+                                            <p:cond delay="0"/>
+                                          </p:stCondLst>
+                                        </p:cTn>
+                                        <p:tgtEl>
+                                          <p:spTgt spid="13"/>
+                                        </p:tgtEl>
+                                        <p:attrNameLst>
+                                          <p:attrName>style.visibility</p:attrName>
+                                        </p:attrNameLst>
+                                      </p:cBhvr>
+                                      <p:to>
+                                        <p:strVal val="visible"/>
+                                      </p:to>
+                                    </p:set>
+                                  </p:childTnLst>
+                                </p:cTn>
+                              </p:par>
+                              <p:par>
+                                <p:cTn id="25" presetID="1" presetClass="entr" presetSubtype="0" fill="hold" grpId="0" nodeType="withEffect">
+                                  <p:stCondLst>
+                                    <p:cond delay="0"/>
+                                  </p:stCondLst>
+                                  <p:childTnLst>
+                                    <p:set>
+                                      <p:cBhvr>
+                                        <p:cTn id="26" dur="1" fill="hold">
+                                          <p:stCondLst>
+                                            <p:cond delay="0"/>
+                                          </p:stCondLst>
+                                        </p:cTn>
+                                        <p:tgtEl>
+                                          <p:spTgt spid="19"/>
+                                        </p:tgtEl>
+                                        <p:attrNameLst>
+                                          <p:attrName>style.visibility</p:attrName>
+                                        </p:attrNameLst>
+                                      </p:cBhvr>
+                                      <p:to>
+                                        <p:strVal val="visible"/>
+                                      </p:to>
+                                    </p:set>
+                                  </p:childTnLst>
+                                </p:cTn>
+                              </p:par>
+                              <p:par>
+                                <p:cTn id="27" presetID="1" presetClass="entr" presetSubtype="0" fill="hold" grpId="0" nodeType="withEffect">
+                                  <p:stCondLst>
+                                    <p:cond delay="0"/>
+                                  </p:stCondLst>
+                                  <p:childTnLst>
+                                    <p:set>
+                                      <p:cBhvr>
+                                        <p:cTn id="28" dur="1" fill="hold">
+                                          <p:stCondLst>
+                                            <p:cond delay="0"/>
+                                          </p:stCondLst>
+                                        </p:cTn>
+                                        <p:tgtEl>
+                                          <p:spTgt spid="15"/>
+                                        </p:tgtEl>
+                                        <p:attrNameLst>
+                                          <p:attrName>style.visibility</p:attrName>
+                                        </p:attrNameLst>
+                                      </p:cBhvr>
+                                      <p:to>
+                                        <p:strVal val="visible"/>
+                                      </p:to>
+                                    </p:set>
+                                  </p:childTnLst>
+                                </p:cTn>
+                              </p:par>
+                            </p:childTnLst>
+                          </p:cTn>
+                        </p:par>
+                      </p:childTnLst>
+                    </p:cTn>
+                  </p:par>
+                  <p:par>
+                    <p:cTn id="29" fill="hold">
+                      <p:stCondLst>
+                        <p:cond delay="indefinite"/>
+                      </p:stCondLst>
+                      <p:childTnLst>
+                        <p:par>
+                          <p:cTn id="30" fill="hold">
+                            <p:stCondLst>
+                              <p:cond delay="0"/>
+                            </p:stCondLst>
+                            <p:childTnLst>
+                              <p:par>
+                                <p:cTn id="31" presetID="1" presetClass="entr" presetSubtype="0" fill="hold" grpId="0" nodeType="clickEffect">
+                                  <p:stCondLst>
+                                    <p:cond delay="0"/>
+                                  </p:stCondLst>
+                                  <p:childTnLst>
+                                    <p:set>
+                                      <p:cBhvr>
+                                        <p:cTn id="32" dur="1" fill="hold">
+                                          <p:stCondLst>
+                                            <p:cond delay="0"/>
+                                          </p:stCondLst>
+                                        </p:cTn>
+                                        <p:tgtEl>
+                                          <p:spTgt spid="32"/>
+                                        </p:tgtEl>
+                                        <p:attrNameLst>
+                                          <p:attrName>style.visibility</p:attrName>
+                                        </p:attrNameLst>
+                                      </p:cBhvr>
+                                      <p:to>
+                                        <p:strVal val="visible"/>
+                                      </p:to>
+                                    </p:set>
+                                  </p:childTnLst>
+                                </p:cTn>
+                              </p:par>
+                            </p:childTnLst>
+                          </p:cTn>
+                        </p:par>
+                      </p:childTnLst>
+                    </p:cTn>
+                  </p:par>
+                  <p:par>
+                    <p:cTn id="33" fill="hold">
+                      <p:stCondLst>
+                        <p:cond delay="indefinite"/>
+                      </p:stCondLst>
+                      <p:childTnLst>
+                        <p:par>
+                          <p:cTn id="34" fill="hold">
+                            <p:stCondLst>
+                              <p:cond delay="0"/>
+                            </p:stCondLst>
+                            <p:childTnLst>
+                              <p:par>
+                                <p:cTn id="35" presetID="1" presetClass="entr" presetSubtype="0" fill="hold" nodeType="clickEffect">
+                                  <p:stCondLst>
+                                    <p:cond delay="0"/>
+                                  </p:stCondLst>
+                                  <p:childTnLst>
+                                    <p:set>
+                                      <p:cBhvr>
+                                        <p:cTn id="36" dur="1" fill="hold">
+                                          <p:stCondLst>
+                                            <p:cond delay="0"/>
+                                          </p:stCondLst>
+                                        </p:cTn>
+                                        <p:tgtEl>
+                                          <p:spTgt spid="33"/>
+                                        </p:tgtEl>
+                                        <p:attrNameLst>
+                                          <p:attrName>style.visibility</p:attrName>
+                                        </p:attrNameLst>
+                                      </p:cBhvr>
+                                      <p:to>
+                                        <p:strVal val="visible"/>
+                                      </p:to>
+                                    </p:set>
+                                  </p:childTnLst>
+                                </p:cTn>
+                              </p:par>
+                              <p:par>
+                                <p:cTn id="37" presetID="1" presetClass="entr" presetSubtype="0" fill="hold" grpId="0" nodeType="withEffect">
+                                  <p:stCondLst>
+                                    <p:cond delay="0"/>
+                                  </p:stCondLst>
+                                  <p:childTnLst>
+                                    <p:set>
+                                      <p:cBhvr>
+                                        <p:cTn id="38" dur="1" fill="hold">
+                                          <p:stCondLst>
+                                            <p:cond delay="0"/>
+                                          </p:stCondLst>
+                                        </p:cTn>
+                                        <p:tgtEl>
+                                          <p:spTgt spid="21"/>
+                                        </p:tgtEl>
+                                        <p:attrNameLst>
+                                          <p:attrName>style.visibility</p:attrName>
+                                        </p:attrNameLst>
+                                      </p:cBhvr>
+                                      <p:to>
+                                        <p:strVal val="visible"/>
+                                      </p:to>
+                                    </p:set>
+                                  </p:childTnLst>
+                                </p:cTn>
+                              </p:par>
+                              <p:par>
+                                <p:cTn id="39" presetID="1" presetClass="entr" presetSubtype="0" fill="hold" nodeType="withEffect">
+                                  <p:stCondLst>
+                                    <p:cond delay="0"/>
+                                  </p:stCondLst>
+                                  <p:childTnLst>
+                                    <p:set>
+                                      <p:cBhvr>
+                                        <p:cTn id="40" dur="1" fill="hold">
+                                          <p:stCondLst>
+                                            <p:cond delay="0"/>
+                                          </p:stCondLst>
+                                        </p:cTn>
+                                        <p:tgtEl>
+                                          <p:spTgt spid="36"/>
+                                        </p:tgtEl>
+                                        <p:attrNameLst>
+                                          <p:attrName>style.visibility</p:attrName>
+                                        </p:attrNameLst>
+                                      </p:cBhvr>
+                                      <p:to>
+                                        <p:strVal val="visible"/>
+                                      </p:to>
+                                    </p:set>
+                                  </p:childTnLst>
+                                </p:cTn>
+                              </p:par>
+                              <p:par>
+                                <p:cTn id="41" presetID="1" presetClass="entr" presetSubtype="0" fill="hold" grpId="0" nodeType="withEffect">
+                                  <p:stCondLst>
+                                    <p:cond delay="0"/>
+                                  </p:stCondLst>
+                                  <p:childTnLst>
+                                    <p:set>
+                                      <p:cBhvr>
+                                        <p:cTn id="42" dur="1" fill="hold">
+                                          <p:stCondLst>
+                                            <p:cond delay="0"/>
+                                          </p:stCondLst>
+                                        </p:cTn>
+                                        <p:tgtEl>
+                                          <p:spTgt spid="28"/>
+                                        </p:tgtEl>
+                                        <p:attrNameLst>
+                                          <p:attrName>style.visibility</p:attrName>
+                                        </p:attrNameLst>
+                                      </p:cBhvr>
+                                      <p:to>
+                                        <p:strVal val="visible"/>
+                                      </p:to>
+                                    </p:set>
+                                  </p:childTnLst>
+                                </p:cTn>
+                              </p:par>
+                            </p:childTnLst>
+                          </p:cTn>
+                        </p:par>
+                      </p:childTnLst>
+                    </p:cTn>
+                  </p:par>
+                </p:childTnLst>
+              </p:cTn>
+              <p:prevCondLst>
+                <p:cond evt="onPrev" delay="0">
+                  <p:tgtEl>
+                    <p:sldTgt/>
+                  </p:tgtEl>
+                </p:cond>
+              </p:prevCondLst>
+              <p:nextCondLst>
+                <p:cond evt="onNext" delay="0">
+                  <p:tgtEl>
+                    <p:sldTgt/>
+                  </p:tgtEl>
+                </p:cond>
+              </p:nextCondLst>
+            </p:seq>
+          </p:childTnLst>
+        </p:cTn>
+      </p:par>
+    </p:tnLst>
+    <p:bldLst>
+      <p:bldP spid="4" grpId="0" animBg="1"/>
+      <p:bldP spid="7" grpId="0" animBg="1"/>
+      <p:bldP spid="10" grpId="0"/>
+      <p:bldP spid="11" grpId="0" animBg="1"/>
+      <p:bldP spid="15" grpId="0"/>
+      <p:bldP spid="19" grpId="0"/>
+      <p:bldP spid="21" grpId="0"/>
+      <p:bldP spid="28" grpId="0"/>
+      <p:bldP spid="32" grpId="0" animBg="1"/>
+      <p:bldP spid="38" grpId="0"/>
+    </p:bldLst>
+  </p:timing>
+</p:sld>
+</file>
+
+<file path=ppt/slides/slide14.xml><?xml version="1.0" encoding="utf-8"?>
+<p:sld xmlns:a="http://schemas.openxmlformats.org/drawingml/2006/main" xmlns:r="http://schemas.openxmlformats.org/officeDocument/2006/relationships" xmlns:p="http://schemas.openxmlformats.org/presentationml/2006/main">
+  <p:cSld>
+    <p:bg>
+      <p:bgPr>
+        <a:solidFill>
+          <a:srgbClr val="FFFFF0"/>
+        </a:solidFill>
+        <a:effectLst/>
+      </p:bgPr>
+    </p:bg>
+    <p:spTree>
+      <p:nvGrpSpPr>
+        <p:cNvPr id="1" name=""/>
+        <p:cNvGrpSpPr/>
+        <p:nvPr/>
+      </p:nvGrpSpPr>
+      <p:grpSpPr>
+        <a:xfrm>
+          <a:off x="0" y="0"/>
+          <a:ext cx="0" cy="0"/>
+          <a:chOff x="0" y="0"/>
+          <a:chExt cx="0" cy="0"/>
+        </a:xfrm>
+      </p:grpSpPr>
+      <p:sp>
+        <p:nvSpPr>
+          <p:cNvPr id="2" name="Title 1">
+            <a:extLst>
+              <a:ext uri="{FF2B5EF4-FFF2-40B4-BE49-F238E27FC236}">
+                <a16:creationId xmlns:a16="http://schemas.microsoft.com/office/drawing/2014/main" id="{4A6579DE-70A9-3960-AD56-41A1AAC38C68}"/>
+              </a:ext>
+            </a:extLst>
+          </p:cNvPr>
+          <p:cNvSpPr>
+            <a:spLocks noGrp="1"/>
+          </p:cNvSpPr>
+          <p:nvPr>
+            <p:ph type="title"/>
+          </p:nvPr>
+        </p:nvSpPr>
+        <p:spPr/>
+        <p:txBody>
+          <a:bodyPr/>
+          <a:lstStyle/>
+          <a:p>
+            <a:r>
+              <a:rPr lang="en-US" dirty="0"/>
+              <a:t>Background pt 1 – Symbolic regression</a:t>
+            </a:r>
+          </a:p>
+        </p:txBody>
+      </p:sp>
+      <mc:AlternateContent xmlns:mc="http://schemas.openxmlformats.org/markup-compatibility/2006">
+        <mc:Choice xmlns:a14="http://schemas.microsoft.com/office/drawing/2010/main" Requires="a14">
+          <p:sp>
+            <p:nvSpPr>
+              <p:cNvPr id="4" name="Rectangle 3">
+                <a:extLst>
+                  <a:ext uri="{FF2B5EF4-FFF2-40B4-BE49-F238E27FC236}">
+                    <a16:creationId xmlns:a16="http://schemas.microsoft.com/office/drawing/2014/main" id="{11B57CC1-7C4C-C205-CD92-317D6DCEBD6F}"/>
+                  </a:ext>
+                </a:extLst>
+              </p:cNvPr>
+              <p:cNvSpPr/>
+              <p:nvPr/>
+            </p:nvSpPr>
+            <p:spPr>
+              <a:xfrm>
+                <a:off x="1330116" y="2528041"/>
+                <a:ext cx="1772157" cy="1205714"/>
+              </a:xfrm>
+              <a:prstGeom prst="rect">
+                <a:avLst/>
+              </a:prstGeom>
+            </p:spPr>
+            <p:style>
+              <a:lnRef idx="2">
+                <a:schemeClr val="accent2">
+                  <a:shade val="15000"/>
+                </a:schemeClr>
+              </a:lnRef>
+              <a:fillRef idx="1">
+                <a:schemeClr val="accent2"/>
+              </a:fillRef>
+              <a:effectRef idx="0">
+                <a:schemeClr val="accent2"/>
+              </a:effectRef>
+              <a:fontRef idx="minor">
+                <a:schemeClr val="lt1"/>
+              </a:fontRef>
+            </p:style>
+            <p:txBody>
+              <a:bodyPr rtlCol="0" anchor="ctr"/>
+              <a:lstStyle/>
+              <a:p>
+                <a:pPr algn="ctr"/>
+                <a:r>
+                  <a:rPr lang="en-US" dirty="0"/>
+                  <a:t>Dataset</a:t>
+                </a:r>
+              </a:p>
+              <a:p>
+                <a:pPr algn="ctr"/>
+                <a14:m>
+                  <m:oMathPara xmlns:m="http://schemas.openxmlformats.org/officeDocument/2006/math">
+                    <m:oMathParaPr>
+                      <m:jc m:val="centerGroup"/>
+                    </m:oMathParaPr>
+                    <m:oMath xmlns:m="http://schemas.openxmlformats.org/officeDocument/2006/math">
+                      <m:r>
+                        <a:rPr lang="en-GB" b="1" i="1" smtClean="0">
+                          <a:latin typeface="Cambria Math" panose="02040503050406030204" pitchFamily="18" charset="0"/>
+                        </a:rPr>
+                        <m:t>(</m:t>
+                      </m:r>
+                      <m:r>
+                        <a:rPr lang="en-GB" b="0" i="1" smtClean="0">
+                          <a:latin typeface="Cambria Math" panose="02040503050406030204" pitchFamily="18" charset="0"/>
+                        </a:rPr>
+                        <m:t>𝑥</m:t>
+                      </m:r>
+                      <m:r>
+                        <a:rPr lang="en-GB" b="0" i="1" smtClean="0">
+                          <a:latin typeface="Cambria Math" panose="02040503050406030204" pitchFamily="18" charset="0"/>
+                        </a:rPr>
+                        <m:t>,</m:t>
+                      </m:r>
+                      <m:r>
+                        <a:rPr lang="en-GB" b="0" i="1" smtClean="0">
+                          <a:latin typeface="Cambria Math" panose="02040503050406030204" pitchFamily="18" charset="0"/>
+                        </a:rPr>
+                        <m:t>𝑦</m:t>
+                      </m:r>
+                      <m:r>
+                        <a:rPr lang="en-GB" b="1" i="1" smtClean="0">
+                          <a:latin typeface="Cambria Math" panose="02040503050406030204" pitchFamily="18" charset="0"/>
+                        </a:rPr>
+                        <m:t>)</m:t>
+                      </m:r>
+                    </m:oMath>
+                  </m:oMathPara>
+                </a14:m>
+                <a:endParaRPr lang="en-US" b="1" dirty="0"/>
+              </a:p>
+            </p:txBody>
+          </p:sp>
+        </mc:Choice>
+        <mc:Fallback>
+          <p:sp>
+            <p:nvSpPr>
+              <p:cNvPr id="4" name="Rectangle 3">
+                <a:extLst>
+                  <a:ext uri="{FF2B5EF4-FFF2-40B4-BE49-F238E27FC236}">
+                    <a16:creationId xmlns:a16="http://schemas.microsoft.com/office/drawing/2014/main" id="{11B57CC1-7C4C-C205-CD92-317D6DCEBD6F}"/>
+                  </a:ext>
+                </a:extLst>
+              </p:cNvPr>
+              <p:cNvSpPr>
+                <a:spLocks noRot="1" noChangeAspect="1" noMove="1" noResize="1" noEditPoints="1" noAdjustHandles="1" noChangeArrowheads="1" noChangeShapeType="1" noTextEdit="1"/>
+              </p:cNvSpPr>
+              <p:nvPr/>
+            </p:nvSpPr>
+            <p:spPr>
+              <a:xfrm>
+                <a:off x="1330116" y="2528041"/>
+                <a:ext cx="1772157" cy="1205714"/>
+              </a:xfrm>
+              <a:prstGeom prst="rect">
+                <a:avLst/>
+              </a:prstGeom>
+              <a:blipFill>
+                <a:blip r:embed="rId2"/>
+                <a:stretch>
+                  <a:fillRect/>
+                </a:stretch>
+              </a:blipFill>
+            </p:spPr>
+            <p:txBody>
+              <a:bodyPr/>
+              <a:lstStyle/>
+              <a:p>
+                <a:r>
+                  <a:rPr lang="en-US">
+                    <a:noFill/>
+                  </a:rPr>
+                  <a:t> </a:t>
+                </a:r>
+              </a:p>
+            </p:txBody>
+          </p:sp>
+        </mc:Fallback>
+      </mc:AlternateContent>
+      <p:sp>
+        <p:nvSpPr>
+          <p:cNvPr id="7" name="Rectangle 6">
+            <a:extLst>
+              <a:ext uri="{FF2B5EF4-FFF2-40B4-BE49-F238E27FC236}">
+                <a16:creationId xmlns:a16="http://schemas.microsoft.com/office/drawing/2014/main" id="{A432C10C-5873-D639-A4D9-6693AECA0C93}"/>
+              </a:ext>
+            </a:extLst>
+          </p:cNvPr>
+          <p:cNvSpPr/>
+          <p:nvPr/>
+        </p:nvSpPr>
+        <p:spPr>
+          <a:xfrm>
+            <a:off x="1011507" y="2138320"/>
+            <a:ext cx="2427610" cy="3550378"/>
+          </a:xfrm>
+          <a:prstGeom prst="rect">
+            <a:avLst/>
+          </a:prstGeom>
+          <a:noFill/>
+          <a:ln w="28575">
+            <a:prstDash val="dash"/>
+          </a:ln>
+        </p:spPr>
+        <p:style>
+          <a:lnRef idx="2">
+            <a:schemeClr val="accent1">
+              <a:shade val="15000"/>
+            </a:schemeClr>
+          </a:lnRef>
+          <a:fillRef idx="1">
+            <a:schemeClr val="accent1"/>
+          </a:fillRef>
+          <a:effectRef idx="0">
+            <a:schemeClr val="accent1"/>
+          </a:effectRef>
+          <a:fontRef idx="minor">
+            <a:schemeClr val="lt1"/>
+          </a:fontRef>
+        </p:style>
+        <p:txBody>
+          <a:bodyPr rtlCol="0" anchor="ctr"/>
+          <a:lstStyle/>
+          <a:p>
+            <a:pPr algn="ctr"/>
+            <a:endParaRPr lang="en-US"/>
+          </a:p>
+        </p:txBody>
+      </p:sp>
+      <p:sp>
+        <p:nvSpPr>
+          <p:cNvPr id="10" name="TextBox 9">
+            <a:extLst>
+              <a:ext uri="{FF2B5EF4-FFF2-40B4-BE49-F238E27FC236}">
+                <a16:creationId xmlns:a16="http://schemas.microsoft.com/office/drawing/2014/main" id="{A7138CC8-CF58-5027-E97D-55A94B5E1ADA}"/>
+              </a:ext>
+            </a:extLst>
+          </p:cNvPr>
+          <p:cNvSpPr txBox="1"/>
+          <p:nvPr/>
+        </p:nvSpPr>
+        <p:spPr>
+          <a:xfrm>
+            <a:off x="1418168" y="1574128"/>
+            <a:ext cx="1614288" cy="369332"/>
+          </a:xfrm>
+          <a:prstGeom prst="rect">
+            <a:avLst/>
+          </a:prstGeom>
+          <a:noFill/>
+        </p:spPr>
+        <p:txBody>
+          <a:bodyPr wrap="none" rtlCol="0">
+            <a:spAutoFit/>
+          </a:bodyPr>
+          <a:lstStyle/>
+          <a:p>
+            <a:r>
+              <a:rPr lang="en-US" dirty="0"/>
+              <a:t>User specified</a:t>
+            </a:r>
+          </a:p>
+        </p:txBody>
+      </p:sp>
+      <p:cxnSp>
+        <p:nvCxnSpPr>
+          <p:cNvPr id="13" name="Straight Arrow Connector 12">
+            <a:extLst>
+              <a:ext uri="{FF2B5EF4-FFF2-40B4-BE49-F238E27FC236}">
+                <a16:creationId xmlns:a16="http://schemas.microsoft.com/office/drawing/2014/main" id="{F6B7FD8E-DBBD-0E73-F7F7-9B62EFBBD09A}"/>
+              </a:ext>
+            </a:extLst>
+          </p:cNvPr>
+          <p:cNvCxnSpPr>
+            <a:cxnSpLocks/>
+          </p:cNvCxnSpPr>
+          <p:nvPr/>
+        </p:nvCxnSpPr>
+        <p:spPr>
+          <a:xfrm>
+            <a:off x="3665691" y="3913509"/>
+            <a:ext cx="2880766" cy="0"/>
+          </a:xfrm>
+          <a:prstGeom prst="straightConnector1">
+            <a:avLst/>
+          </a:prstGeom>
+          <a:ln>
+            <a:tailEnd type="triangle"/>
+          </a:ln>
+        </p:spPr>
+        <p:style>
+          <a:lnRef idx="2">
+            <a:schemeClr val="dk1"/>
+          </a:lnRef>
+          <a:fillRef idx="0">
+            <a:schemeClr val="dk1"/>
+          </a:fillRef>
+          <a:effectRef idx="1">
+            <a:schemeClr val="dk1"/>
+          </a:effectRef>
+          <a:fontRef idx="minor">
+            <a:schemeClr val="tx1"/>
+          </a:fontRef>
+        </p:style>
+      </p:cxnSp>
+      <p:sp>
+        <p:nvSpPr>
+          <p:cNvPr id="15" name="TextBox 14">
+            <a:extLst>
+              <a:ext uri="{FF2B5EF4-FFF2-40B4-BE49-F238E27FC236}">
+                <a16:creationId xmlns:a16="http://schemas.microsoft.com/office/drawing/2014/main" id="{74C4E730-787A-74A5-617B-AF3F8111BF8C}"/>
+              </a:ext>
+            </a:extLst>
+          </p:cNvPr>
+          <p:cNvSpPr txBox="1"/>
+          <p:nvPr/>
+        </p:nvSpPr>
+        <p:spPr>
+          <a:xfrm>
+            <a:off x="3969367" y="3976157"/>
+            <a:ext cx="2335768" cy="369332"/>
+          </a:xfrm>
+          <a:prstGeom prst="rect">
+            <a:avLst/>
+          </a:prstGeom>
+          <a:noFill/>
+        </p:spPr>
+        <p:txBody>
+          <a:bodyPr wrap="none" rtlCol="0">
+            <a:spAutoFit/>
+          </a:bodyPr>
+          <a:lstStyle/>
+          <a:p>
+            <a:r>
+              <a:rPr lang="en-US" dirty="0"/>
+              <a:t> via genetic algorithm </a:t>
+            </a:r>
+          </a:p>
+        </p:txBody>
+      </p:sp>
+      <p:sp>
+        <p:nvSpPr>
+          <p:cNvPr id="18" name="TextBox 17">
+            <a:extLst>
+              <a:ext uri="{FF2B5EF4-FFF2-40B4-BE49-F238E27FC236}">
+                <a16:creationId xmlns:a16="http://schemas.microsoft.com/office/drawing/2014/main" id="{16383969-C293-D694-8C96-EFDD58E90D59}"/>
+              </a:ext>
+            </a:extLst>
+          </p:cNvPr>
+          <p:cNvSpPr txBox="1"/>
+          <p:nvPr/>
+        </p:nvSpPr>
+        <p:spPr>
+          <a:xfrm>
+            <a:off x="3754705" y="3683876"/>
+            <a:ext cx="1205713" cy="369332"/>
+          </a:xfrm>
+          <a:prstGeom prst="rect">
+            <a:avLst/>
+          </a:prstGeom>
+          <a:noFill/>
+        </p:spPr>
+        <p:txBody>
+          <a:bodyPr wrap="square" rtlCol="0">
+            <a:spAutoFit/>
+          </a:bodyPr>
+          <a:lstStyle/>
+          <a:p>
+            <a:endParaRPr lang="en-US" dirty="0"/>
+          </a:p>
+        </p:txBody>
+      </p:sp>
+      <mc:AlternateContent xmlns:mc="http://schemas.openxmlformats.org/markup-compatibility/2006">
+        <mc:Choice xmlns:a14="http://schemas.microsoft.com/office/drawing/2010/main" Requires="a14">
+          <p:sp>
+            <p:nvSpPr>
+              <p:cNvPr id="19" name="TextBox 18">
+                <a:extLst>
+                  <a:ext uri="{FF2B5EF4-FFF2-40B4-BE49-F238E27FC236}">
+                    <a16:creationId xmlns:a16="http://schemas.microsoft.com/office/drawing/2014/main" id="{71D4AF90-0174-7CD7-ED09-B29E2E095A23}"/>
+                  </a:ext>
+                </a:extLst>
+              </p:cNvPr>
+              <p:cNvSpPr txBox="1"/>
+              <p:nvPr/>
+            </p:nvSpPr>
+            <p:spPr>
+              <a:xfrm>
+                <a:off x="3665691" y="3461048"/>
+                <a:ext cx="2993127" cy="276999"/>
+              </a:xfrm>
+              <a:prstGeom prst="rect">
+                <a:avLst/>
+              </a:prstGeom>
+              <a:noFill/>
+            </p:spPr>
+            <p:txBody>
+              <a:bodyPr wrap="none" lIns="0" tIns="0" rIns="0" bIns="0" rtlCol="0">
+                <a:spAutoFit/>
+              </a:bodyPr>
+              <a:lstStyle/>
+              <a:p>
+                <a14:m>
+                  <m:oMathPara xmlns:m="http://schemas.openxmlformats.org/officeDocument/2006/math">
+                    <m:oMathParaPr>
+                      <m:jc m:val="centerGroup"/>
+                    </m:oMathParaPr>
+                    <m:oMath xmlns:m="http://schemas.openxmlformats.org/officeDocument/2006/math">
+                      <m:r>
+                        <a:rPr lang="en-GB" b="0" i="1" smtClean="0">
+                          <a:latin typeface="Cambria Math" panose="02040503050406030204" pitchFamily="18" charset="0"/>
+                        </a:rPr>
+                        <m:t>𝑎𝑟𝑔𝑚𝑖</m:t>
+                      </m:r>
+                      <m:sSub>
+                        <m:sSubPr>
+                          <m:ctrlPr>
+                            <a:rPr lang="en-GB" b="0" i="1" smtClean="0">
+                              <a:latin typeface="Cambria Math" panose="02040503050406030204" pitchFamily="18" charset="0"/>
+                            </a:rPr>
+                          </m:ctrlPr>
+                        </m:sSubPr>
+                        <m:e>
+                          <m:r>
+                            <a:rPr lang="en-GB" b="0" i="1" smtClean="0">
+                              <a:latin typeface="Cambria Math" panose="02040503050406030204" pitchFamily="18" charset="0"/>
+                            </a:rPr>
+                            <m:t>𝑛</m:t>
+                          </m:r>
+                        </m:e>
+                        <m:sub>
+                          <m:r>
+                            <a:rPr lang="en-GB" b="0" i="1" smtClean="0">
+                              <a:latin typeface="Cambria Math" panose="02040503050406030204" pitchFamily="18" charset="0"/>
+                            </a:rPr>
+                            <m:t>𝑚𝑜𝑑𝑒𝑙</m:t>
+                          </m:r>
+                        </m:sub>
+                      </m:sSub>
+                      <m:r>
+                        <a:rPr lang="en-GB" b="0" i="1" smtClean="0">
+                          <a:latin typeface="Cambria Math" panose="02040503050406030204" pitchFamily="18" charset="0"/>
+                        </a:rPr>
+                        <m:t>(</m:t>
+                      </m:r>
+                      <m:r>
+                        <a:rPr lang="en-GB" b="0" i="1" smtClean="0">
+                          <a:latin typeface="Cambria Math" panose="02040503050406030204" pitchFamily="18" charset="0"/>
+                        </a:rPr>
+                        <m:t>𝐿𝑜𝑠𝑠</m:t>
+                      </m:r>
+                      <m:r>
+                        <a:rPr lang="en-GB" b="0" i="1" smtClean="0">
+                          <a:latin typeface="Cambria Math" panose="02040503050406030204" pitchFamily="18" charset="0"/>
+                        </a:rPr>
+                        <m:t>(</m:t>
+                      </m:r>
+                      <m:r>
+                        <a:rPr lang="en-GB" b="0" i="1" smtClean="0">
+                          <a:latin typeface="Cambria Math" panose="02040503050406030204" pitchFamily="18" charset="0"/>
+                        </a:rPr>
+                        <m:t>𝑦</m:t>
+                      </m:r>
+                      <m:r>
+                        <a:rPr lang="en-GB" b="0" i="1" smtClean="0">
+                          <a:latin typeface="Cambria Math" panose="02040503050406030204" pitchFamily="18" charset="0"/>
+                        </a:rPr>
+                        <m:t>,</m:t>
+                      </m:r>
+                      <m:r>
+                        <a:rPr lang="en-GB" b="0" i="1" smtClean="0">
+                          <a:latin typeface="Cambria Math" panose="02040503050406030204" pitchFamily="18" charset="0"/>
+                        </a:rPr>
+                        <m:t>𝑓</m:t>
+                      </m:r>
+                      <m:d>
+                        <m:dPr>
+                          <m:ctrlPr>
+                            <a:rPr lang="en-GB" b="0" i="1" smtClean="0">
+                              <a:latin typeface="Cambria Math" panose="02040503050406030204" pitchFamily="18" charset="0"/>
+                            </a:rPr>
+                          </m:ctrlPr>
+                        </m:dPr>
+                        <m:e>
+                          <m:r>
+                            <a:rPr lang="en-GB" b="0" i="1" smtClean="0">
+                              <a:latin typeface="Cambria Math" panose="02040503050406030204" pitchFamily="18" charset="0"/>
+                            </a:rPr>
+                            <m:t>𝑥</m:t>
+                          </m:r>
+                        </m:e>
+                      </m:d>
+                      <m:r>
+                        <a:rPr lang="en-GB" b="0" i="1" smtClean="0">
+                          <a:latin typeface="Cambria Math" panose="02040503050406030204" pitchFamily="18" charset="0"/>
+                        </a:rPr>
+                        <m:t>, </m:t>
+                      </m:r>
+                      <m:r>
+                        <a:rPr lang="en-GB" b="0" i="1" smtClean="0">
+                          <a:latin typeface="Cambria Math" panose="02040503050406030204" pitchFamily="18" charset="0"/>
+                        </a:rPr>
+                        <m:t>𝑐</m:t>
+                      </m:r>
+                      <m:r>
+                        <a:rPr lang="en-GB" b="0" i="1" smtClean="0">
+                          <a:latin typeface="Cambria Math" panose="02040503050406030204" pitchFamily="18" charset="0"/>
+                        </a:rPr>
+                        <m:t>)</m:t>
+                      </m:r>
+                    </m:oMath>
+                  </m:oMathPara>
+                </a14:m>
+                <a:endParaRPr lang="en-US" dirty="0"/>
+              </a:p>
+            </p:txBody>
+          </p:sp>
+        </mc:Choice>
+        <mc:Fallback>
+          <p:sp>
+            <p:nvSpPr>
+              <p:cNvPr id="19" name="TextBox 18">
+                <a:extLst>
+                  <a:ext uri="{FF2B5EF4-FFF2-40B4-BE49-F238E27FC236}">
+                    <a16:creationId xmlns:a16="http://schemas.microsoft.com/office/drawing/2014/main" id="{71D4AF90-0174-7CD7-ED09-B29E2E095A23}"/>
+                  </a:ext>
+                </a:extLst>
+              </p:cNvPr>
+              <p:cNvSpPr txBox="1">
+                <a:spLocks noRot="1" noChangeAspect="1" noMove="1" noResize="1" noEditPoints="1" noAdjustHandles="1" noChangeArrowheads="1" noChangeShapeType="1" noTextEdit="1"/>
+              </p:cNvSpPr>
+              <p:nvPr/>
+            </p:nvSpPr>
+            <p:spPr>
+              <a:xfrm>
+                <a:off x="3665691" y="3461048"/>
+                <a:ext cx="2993127" cy="276999"/>
+              </a:xfrm>
+              <a:prstGeom prst="rect">
+                <a:avLst/>
+              </a:prstGeom>
+              <a:blipFill>
+                <a:blip r:embed="rId3"/>
+                <a:stretch>
+                  <a:fillRect l="-2110" r="-2110" b="-34783"/>
+                </a:stretch>
+              </a:blipFill>
+            </p:spPr>
+            <p:txBody>
+              <a:bodyPr/>
+              <a:lstStyle/>
+              <a:p>
+                <a:r>
+                  <a:rPr lang="en-US">
+                    <a:noFill/>
+                  </a:rPr>
+                  <a:t> </a:t>
+                </a:r>
+              </a:p>
+            </p:txBody>
+          </p:sp>
+        </mc:Fallback>
+      </mc:AlternateContent>
+      <mc:AlternateContent xmlns:mc="http://schemas.openxmlformats.org/markup-compatibility/2006">
+        <mc:Choice xmlns:a14="http://schemas.microsoft.com/office/drawing/2010/main" Requires="a14">
+          <p:sp>
+            <p:nvSpPr>
+              <p:cNvPr id="21" name="TextBox 20">
+                <a:extLst>
+                  <a:ext uri="{FF2B5EF4-FFF2-40B4-BE49-F238E27FC236}">
+                    <a16:creationId xmlns:a16="http://schemas.microsoft.com/office/drawing/2014/main" id="{5B7577EF-7ED9-2166-A218-3F8B7BF97C8F}"/>
+                  </a:ext>
+                </a:extLst>
+              </p:cNvPr>
+              <p:cNvSpPr txBox="1"/>
+              <p:nvPr/>
+            </p:nvSpPr>
+            <p:spPr>
+              <a:xfrm>
+                <a:off x="7456191" y="5213697"/>
+                <a:ext cx="519758" cy="276999"/>
+              </a:xfrm>
+              <a:prstGeom prst="rect">
+                <a:avLst/>
+              </a:prstGeom>
+              <a:noFill/>
+            </p:spPr>
+            <p:txBody>
+              <a:bodyPr wrap="none" lIns="0" tIns="0" rIns="0" bIns="0" rtlCol="0">
+                <a:spAutoFit/>
+              </a:bodyPr>
+              <a:lstStyle/>
+              <a:p>
+                <a14:m>
+                  <m:oMathPara xmlns:m="http://schemas.openxmlformats.org/officeDocument/2006/math">
+                    <m:oMathParaPr>
+                      <m:jc m:val="centerGroup"/>
+                    </m:oMathParaPr>
+                    <m:oMath xmlns:m="http://schemas.openxmlformats.org/officeDocument/2006/math">
+                      <m:sSub>
+                        <m:sSubPr>
+                          <m:ctrlPr>
+                            <a:rPr lang="en-GB" b="0" i="1" smtClean="0">
+                              <a:latin typeface="Cambria Math" panose="02040503050406030204" pitchFamily="18" charset="0"/>
+                            </a:rPr>
+                          </m:ctrlPr>
+                        </m:sSubPr>
+                        <m:e>
+                          <m:r>
+                            <a:rPr lang="en-GB" b="0" i="1" smtClean="0">
+                              <a:latin typeface="Cambria Math" panose="02040503050406030204" pitchFamily="18" charset="0"/>
+                            </a:rPr>
+                            <m:t>𝑥</m:t>
+                          </m:r>
+                        </m:e>
+                        <m:sub>
+                          <m:r>
+                            <a:rPr lang="en-GB" b="0" i="1" smtClean="0">
+                              <a:latin typeface="Cambria Math" panose="02040503050406030204" pitchFamily="18" charset="0"/>
+                            </a:rPr>
+                            <m:t>𝑛𝑒𝑤</m:t>
+                          </m:r>
+                        </m:sub>
+                      </m:sSub>
+                    </m:oMath>
+                  </m:oMathPara>
+                </a14:m>
+                <a:endParaRPr lang="en-US" dirty="0"/>
+              </a:p>
+            </p:txBody>
+          </p:sp>
+        </mc:Choice>
+        <mc:Fallback>
+          <p:sp>
+            <p:nvSpPr>
+              <p:cNvPr id="21" name="TextBox 20">
+                <a:extLst>
+                  <a:ext uri="{FF2B5EF4-FFF2-40B4-BE49-F238E27FC236}">
+                    <a16:creationId xmlns:a16="http://schemas.microsoft.com/office/drawing/2014/main" id="{5B7577EF-7ED9-2166-A218-3F8B7BF97C8F}"/>
+                  </a:ext>
+                </a:extLst>
+              </p:cNvPr>
+              <p:cNvSpPr txBox="1">
+                <a:spLocks noRot="1" noChangeAspect="1" noMove="1" noResize="1" noEditPoints="1" noAdjustHandles="1" noChangeArrowheads="1" noChangeShapeType="1" noTextEdit="1"/>
+              </p:cNvSpPr>
+              <p:nvPr/>
+            </p:nvSpPr>
+            <p:spPr>
+              <a:xfrm>
+                <a:off x="7456191" y="5213697"/>
+                <a:ext cx="519758" cy="276999"/>
+              </a:xfrm>
+              <a:prstGeom prst="rect">
+                <a:avLst/>
+              </a:prstGeom>
+              <a:blipFill>
+                <a:blip r:embed="rId4"/>
+                <a:stretch>
+                  <a:fillRect l="-7317" r="-2439" b="-8696"/>
+                </a:stretch>
+              </a:blipFill>
+            </p:spPr>
+            <p:txBody>
+              <a:bodyPr/>
+              <a:lstStyle/>
+              <a:p>
+                <a:r>
+                  <a:rPr lang="en-US">
+                    <a:noFill/>
+                  </a:rPr>
+                  <a:t> </a:t>
+                </a:r>
+              </a:p>
+            </p:txBody>
+          </p:sp>
+        </mc:Fallback>
+      </mc:AlternateContent>
+      <mc:AlternateContent xmlns:mc="http://schemas.openxmlformats.org/markup-compatibility/2006">
+        <mc:Choice xmlns:a14="http://schemas.microsoft.com/office/drawing/2010/main" Requires="a14">
+          <p:sp>
+            <p:nvSpPr>
+              <p:cNvPr id="28" name="TextBox 27">
+                <a:extLst>
+                  <a:ext uri="{FF2B5EF4-FFF2-40B4-BE49-F238E27FC236}">
+                    <a16:creationId xmlns:a16="http://schemas.microsoft.com/office/drawing/2014/main" id="{0216C05F-6071-AA11-DC59-E39F00E20797}"/>
+                  </a:ext>
+                </a:extLst>
+              </p:cNvPr>
+              <p:cNvSpPr txBox="1"/>
+              <p:nvPr/>
+            </p:nvSpPr>
+            <p:spPr>
+              <a:xfrm>
+                <a:off x="9461567" y="3809746"/>
+                <a:ext cx="508152" cy="276999"/>
+              </a:xfrm>
+              <a:prstGeom prst="rect">
+                <a:avLst/>
+              </a:prstGeom>
+              <a:noFill/>
+            </p:spPr>
+            <p:txBody>
+              <a:bodyPr wrap="none" lIns="0" tIns="0" rIns="0" bIns="0" rtlCol="0">
+                <a:spAutoFit/>
+              </a:bodyPr>
+              <a:lstStyle/>
+              <a:p>
+                <a14:m>
+                  <m:oMathPara xmlns:m="http://schemas.openxmlformats.org/officeDocument/2006/math">
+                    <m:oMathParaPr>
+                      <m:jc m:val="centerGroup"/>
+                    </m:oMathParaPr>
+                    <m:oMath xmlns:m="http://schemas.openxmlformats.org/officeDocument/2006/math">
+                      <m:sSub>
+                        <m:sSubPr>
+                          <m:ctrlPr>
+                            <a:rPr lang="en-GB" b="0" i="1" smtClean="0">
+                              <a:latin typeface="Cambria Math" panose="02040503050406030204" pitchFamily="18" charset="0"/>
+                            </a:rPr>
+                          </m:ctrlPr>
+                        </m:sSubPr>
+                        <m:e>
+                          <m:r>
+                            <a:rPr lang="en-GB" b="0" i="1" smtClean="0">
+                              <a:latin typeface="Cambria Math" panose="02040503050406030204" pitchFamily="18" charset="0"/>
+                            </a:rPr>
+                            <m:t>𝑦</m:t>
+                          </m:r>
+                        </m:e>
+                        <m:sub>
+                          <m:r>
+                            <a:rPr lang="en-GB" b="0" i="1" smtClean="0">
+                              <a:latin typeface="Cambria Math" panose="02040503050406030204" pitchFamily="18" charset="0"/>
+                            </a:rPr>
+                            <m:t>𝑛𝑒𝑤</m:t>
+                          </m:r>
+                        </m:sub>
+                      </m:sSub>
+                    </m:oMath>
+                  </m:oMathPara>
+                </a14:m>
+                <a:endParaRPr lang="en-US" dirty="0"/>
+              </a:p>
+            </p:txBody>
+          </p:sp>
+        </mc:Choice>
+        <mc:Fallback>
+          <p:sp>
+            <p:nvSpPr>
+              <p:cNvPr id="28" name="TextBox 27">
+                <a:extLst>
+                  <a:ext uri="{FF2B5EF4-FFF2-40B4-BE49-F238E27FC236}">
+                    <a16:creationId xmlns:a16="http://schemas.microsoft.com/office/drawing/2014/main" id="{0216C05F-6071-AA11-DC59-E39F00E20797}"/>
+                  </a:ext>
+                </a:extLst>
+              </p:cNvPr>
+              <p:cNvSpPr txBox="1">
+                <a:spLocks noRot="1" noChangeAspect="1" noMove="1" noResize="1" noEditPoints="1" noAdjustHandles="1" noChangeArrowheads="1" noChangeShapeType="1" noTextEdit="1"/>
+              </p:cNvSpPr>
+              <p:nvPr/>
+            </p:nvSpPr>
+            <p:spPr>
+              <a:xfrm>
+                <a:off x="9461567" y="3809746"/>
+                <a:ext cx="508152" cy="276999"/>
+              </a:xfrm>
+              <a:prstGeom prst="rect">
+                <a:avLst/>
+              </a:prstGeom>
+              <a:blipFill>
+                <a:blip r:embed="rId5"/>
+                <a:stretch>
+                  <a:fillRect l="-9756" r="-2439" b="-27273"/>
+                </a:stretch>
+              </a:blipFill>
+            </p:spPr>
+            <p:txBody>
+              <a:bodyPr/>
+              <a:lstStyle/>
+              <a:p>
+                <a:r>
+                  <a:rPr lang="en-US">
+                    <a:noFill/>
+                  </a:rPr>
+                  <a:t> </a:t>
+                </a:r>
+              </a:p>
+            </p:txBody>
+          </p:sp>
+        </mc:Fallback>
+      </mc:AlternateContent>
+      <mc:AlternateContent xmlns:mc="http://schemas.openxmlformats.org/markup-compatibility/2006">
+        <mc:Choice xmlns:a14="http://schemas.microsoft.com/office/drawing/2010/main" Requires="a14">
+          <p:sp>
+            <p:nvSpPr>
+              <p:cNvPr id="32" name="Rectangle 31">
+                <a:extLst>
+                  <a:ext uri="{FF2B5EF4-FFF2-40B4-BE49-F238E27FC236}">
+                    <a16:creationId xmlns:a16="http://schemas.microsoft.com/office/drawing/2014/main" id="{87CEC918-993C-ABE0-0D32-C352CE28639B}"/>
+                  </a:ext>
+                </a:extLst>
+              </p:cNvPr>
+              <p:cNvSpPr/>
+              <p:nvPr/>
+            </p:nvSpPr>
+            <p:spPr>
+              <a:xfrm>
+                <a:off x="6829992" y="3426310"/>
+                <a:ext cx="1772156" cy="1043873"/>
+              </a:xfrm>
+              <a:prstGeom prst="rect">
+                <a:avLst/>
+              </a:prstGeom>
+              <a:solidFill>
+                <a:srgbClr val="000000"/>
+              </a:solidFill>
+            </p:spPr>
+            <p:style>
+              <a:lnRef idx="2">
+                <a:schemeClr val="dk1">
+                  <a:shade val="15000"/>
+                </a:schemeClr>
+              </a:lnRef>
+              <a:fillRef idx="1">
+                <a:schemeClr val="dk1"/>
+              </a:fillRef>
+              <a:effectRef idx="0">
+                <a:schemeClr val="dk1"/>
+              </a:effectRef>
+              <a:fontRef idx="minor">
+                <a:schemeClr val="lt1"/>
+              </a:fontRef>
+            </p:style>
+            <p:txBody>
+              <a:bodyPr rtlCol="0" anchor="ctr"/>
+              <a:lstStyle/>
+              <a:p>
+                <a:pPr algn="ctr"/>
+                <a:r>
+                  <a:rPr lang="en-US" dirty="0"/>
+                  <a:t>Fitted Model</a:t>
+                </a:r>
+              </a:p>
+              <a:p>
+                <a:pPr algn="ctr"/>
+                <a14:m>
+                  <m:oMathPara xmlns:m="http://schemas.openxmlformats.org/officeDocument/2006/math">
+                    <m:oMathParaPr>
+                      <m:jc m:val="centerGroup"/>
+                    </m:oMathParaPr>
+                    <m:oMath xmlns:m="http://schemas.openxmlformats.org/officeDocument/2006/math">
+                      <m:r>
+                        <a:rPr lang="en-GB" sz="1400" b="0" i="1" smtClean="0">
+                          <a:latin typeface="Cambria Math" panose="02040503050406030204" pitchFamily="18" charset="0"/>
+                        </a:rPr>
+                        <m:t>𝑓</m:t>
+                      </m:r>
+                      <m:d>
+                        <m:dPr>
+                          <m:ctrlPr>
+                            <a:rPr lang="en-GB" sz="1400" b="0" i="1" smtClean="0">
+                              <a:latin typeface="Cambria Math" panose="02040503050406030204" pitchFamily="18" charset="0"/>
+                            </a:rPr>
+                          </m:ctrlPr>
+                        </m:dPr>
+                        <m:e>
+                          <m:r>
+                            <a:rPr lang="en-GB" sz="1400" b="0" i="1" smtClean="0">
+                              <a:latin typeface="Cambria Math" panose="02040503050406030204" pitchFamily="18" charset="0"/>
+                            </a:rPr>
+                            <m:t>𝑥</m:t>
+                          </m:r>
+                        </m:e>
+                      </m:d>
+                      <m:r>
+                        <a:rPr lang="en-GB" sz="1400" b="0" i="1" smtClean="0">
+                          <a:latin typeface="Cambria Math" panose="02040503050406030204" pitchFamily="18" charset="0"/>
+                        </a:rPr>
+                        <m:t>=5</m:t>
+                      </m:r>
+                      <m:r>
+                        <a:rPr lang="en-GB" sz="1400" b="0" i="1" smtClean="0">
+                          <a:latin typeface="Cambria Math" panose="02040503050406030204" pitchFamily="18" charset="0"/>
+                        </a:rPr>
+                        <m:t>𝑥</m:t>
+                      </m:r>
+                      <m:r>
+                        <a:rPr lang="en-GB" sz="1400" b="0" i="1" smtClean="0">
+                          <a:latin typeface="Cambria Math" panose="02040503050406030204" pitchFamily="18" charset="0"/>
+                        </a:rPr>
+                        <m:t>+</m:t>
+                      </m:r>
+                      <m:r>
+                        <m:rPr>
+                          <m:sty m:val="p"/>
+                        </m:rPr>
+                        <a:rPr lang="en-GB" sz="1400" b="0" i="0" smtClean="0">
+                          <a:latin typeface="Cambria Math" panose="02040503050406030204" pitchFamily="18" charset="0"/>
+                        </a:rPr>
+                        <m:t>sin</m:t>
+                      </m:r>
+                      <m:r>
+                        <a:rPr lang="en-GB" sz="1400" b="0" i="1" smtClean="0">
+                          <a:latin typeface="Cambria Math" panose="02040503050406030204" pitchFamily="18" charset="0"/>
+                        </a:rPr>
+                        <m:t>⁡(</m:t>
+                      </m:r>
+                      <m:r>
+                        <a:rPr lang="en-GB" sz="1400" b="0" i="1" smtClean="0">
+                          <a:latin typeface="Cambria Math" panose="02040503050406030204" pitchFamily="18" charset="0"/>
+                        </a:rPr>
+                        <m:t>𝑥</m:t>
+                      </m:r>
+                      <m:r>
+                        <a:rPr lang="en-GB" sz="1400" b="0" i="1" smtClean="0">
+                          <a:latin typeface="Cambria Math" panose="02040503050406030204" pitchFamily="18" charset="0"/>
+                        </a:rPr>
+                        <m:t>)</m:t>
+                      </m:r>
+                    </m:oMath>
+                  </m:oMathPara>
+                </a14:m>
+                <a:endParaRPr lang="en-US" sz="1400" dirty="0"/>
+              </a:p>
+            </p:txBody>
+          </p:sp>
+        </mc:Choice>
+        <mc:Fallback>
+          <p:sp>
+            <p:nvSpPr>
+              <p:cNvPr id="32" name="Rectangle 31">
+                <a:extLst>
+                  <a:ext uri="{FF2B5EF4-FFF2-40B4-BE49-F238E27FC236}">
+                    <a16:creationId xmlns:a16="http://schemas.microsoft.com/office/drawing/2014/main" id="{87CEC918-993C-ABE0-0D32-C352CE28639B}"/>
+                  </a:ext>
+                </a:extLst>
+              </p:cNvPr>
+              <p:cNvSpPr>
+                <a:spLocks noRot="1" noChangeAspect="1" noMove="1" noResize="1" noEditPoints="1" noAdjustHandles="1" noChangeArrowheads="1" noChangeShapeType="1" noTextEdit="1"/>
+              </p:cNvSpPr>
+              <p:nvPr/>
+            </p:nvSpPr>
+            <p:spPr>
+              <a:xfrm>
+                <a:off x="6829992" y="3426310"/>
+                <a:ext cx="1772156" cy="1043873"/>
+              </a:xfrm>
+              <a:prstGeom prst="rect">
+                <a:avLst/>
+              </a:prstGeom>
+              <a:blipFill>
+                <a:blip r:embed="rId6"/>
+                <a:stretch>
+                  <a:fillRect/>
+                </a:stretch>
+              </a:blipFill>
+            </p:spPr>
+            <p:txBody>
+              <a:bodyPr/>
+              <a:lstStyle/>
+              <a:p>
+                <a:r>
+                  <a:rPr lang="en-US">
+                    <a:noFill/>
+                  </a:rPr>
+                  <a:t> </a:t>
+                </a:r>
+              </a:p>
+            </p:txBody>
+          </p:sp>
+        </mc:Fallback>
+      </mc:AlternateContent>
+      <p:cxnSp>
+        <p:nvCxnSpPr>
+          <p:cNvPr id="33" name="Straight Arrow Connector 32">
+            <a:extLst>
+              <a:ext uri="{FF2B5EF4-FFF2-40B4-BE49-F238E27FC236}">
+                <a16:creationId xmlns:a16="http://schemas.microsoft.com/office/drawing/2014/main" id="{4CF72CED-2522-3E93-7CC5-698D66CE304D}"/>
+              </a:ext>
+            </a:extLst>
+          </p:cNvPr>
+          <p:cNvCxnSpPr>
+            <a:cxnSpLocks/>
+          </p:cNvCxnSpPr>
+          <p:nvPr/>
+        </p:nvCxnSpPr>
+        <p:spPr>
+          <a:xfrm flipV="1">
+            <a:off x="7730906" y="4634279"/>
+            <a:ext cx="0" cy="440918"/>
+          </a:xfrm>
+          <a:prstGeom prst="straightConnector1">
+            <a:avLst/>
+          </a:prstGeom>
+          <a:ln>
+            <a:tailEnd type="triangle"/>
+          </a:ln>
+        </p:spPr>
+        <p:style>
+          <a:lnRef idx="1">
+            <a:schemeClr val="dk1"/>
+          </a:lnRef>
+          <a:fillRef idx="0">
+            <a:schemeClr val="dk1"/>
+          </a:fillRef>
+          <a:effectRef idx="0">
+            <a:schemeClr val="dk1"/>
+          </a:effectRef>
+          <a:fontRef idx="minor">
+            <a:schemeClr val="tx1"/>
+          </a:fontRef>
+        </p:style>
+      </p:cxnSp>
+      <p:cxnSp>
+        <p:nvCxnSpPr>
+          <p:cNvPr id="36" name="Straight Arrow Connector 35">
+            <a:extLst>
+              <a:ext uri="{FF2B5EF4-FFF2-40B4-BE49-F238E27FC236}">
+                <a16:creationId xmlns:a16="http://schemas.microsoft.com/office/drawing/2014/main" id="{79086F69-DFA7-CED5-435C-BC0757DA327F}"/>
+              </a:ext>
+            </a:extLst>
+          </p:cNvPr>
+          <p:cNvCxnSpPr>
+            <a:cxnSpLocks/>
+          </p:cNvCxnSpPr>
+          <p:nvPr/>
+        </p:nvCxnSpPr>
+        <p:spPr>
+          <a:xfrm>
+            <a:off x="8732970" y="3948246"/>
+            <a:ext cx="572871" cy="0"/>
+          </a:xfrm>
+          <a:prstGeom prst="straightConnector1">
+            <a:avLst/>
+          </a:prstGeom>
+          <a:ln>
+            <a:tailEnd type="triangle"/>
+          </a:ln>
+        </p:spPr>
+        <p:style>
+          <a:lnRef idx="1">
+            <a:schemeClr val="dk1"/>
+          </a:lnRef>
+          <a:fillRef idx="0">
+            <a:schemeClr val="dk1"/>
+          </a:fillRef>
+          <a:effectRef idx="0">
+            <a:schemeClr val="dk1"/>
+          </a:effectRef>
+          <a:fontRef idx="minor">
+            <a:schemeClr val="tx1"/>
+          </a:fontRef>
+        </p:style>
+      </p:cxnSp>
+      <p:sp>
+        <p:nvSpPr>
+          <p:cNvPr id="6" name="TextBox 5">
+            <a:extLst>
+              <a:ext uri="{FF2B5EF4-FFF2-40B4-BE49-F238E27FC236}">
+                <a16:creationId xmlns:a16="http://schemas.microsoft.com/office/drawing/2014/main" id="{EE34D582-A1C7-21E2-B065-A0E78A833949}"/>
+              </a:ext>
+            </a:extLst>
+          </p:cNvPr>
+          <p:cNvSpPr txBox="1"/>
+          <p:nvPr/>
+        </p:nvSpPr>
+        <p:spPr>
+          <a:xfrm>
+            <a:off x="1890335" y="5154384"/>
+            <a:ext cx="651717" cy="369332"/>
+          </a:xfrm>
+          <a:prstGeom prst="rect">
+            <a:avLst/>
+          </a:prstGeom>
+          <a:noFill/>
+        </p:spPr>
+        <p:txBody>
+          <a:bodyPr wrap="none" rtlCol="0">
+            <a:spAutoFit/>
+          </a:bodyPr>
+          <a:lstStyle/>
+          <a:p>
+            <a:r>
+              <a:rPr lang="en-US" dirty="0"/>
+              <a:t>Loss</a:t>
+            </a:r>
+          </a:p>
+        </p:txBody>
+      </p:sp>
+      <mc:AlternateContent xmlns:mc="http://schemas.openxmlformats.org/markup-compatibility/2006">
+        <mc:Choice xmlns:a14="http://schemas.microsoft.com/office/drawing/2010/main" Requires="a14">
+          <p:sp>
+            <p:nvSpPr>
+              <p:cNvPr id="8" name="Rectangle 7">
+                <a:extLst>
+                  <a:ext uri="{FF2B5EF4-FFF2-40B4-BE49-F238E27FC236}">
+                    <a16:creationId xmlns:a16="http://schemas.microsoft.com/office/drawing/2014/main" id="{EDCC7EC2-1A40-D05A-D185-53A6A1A71F6E}"/>
+                  </a:ext>
+                </a:extLst>
+              </p:cNvPr>
+              <p:cNvSpPr/>
+              <p:nvPr/>
+            </p:nvSpPr>
+            <p:spPr>
+              <a:xfrm>
+                <a:off x="1336203" y="3948246"/>
+                <a:ext cx="1772156" cy="1043873"/>
+              </a:xfrm>
+              <a:prstGeom prst="rect">
+                <a:avLst/>
+              </a:prstGeom>
+            </p:spPr>
+            <p:style>
+              <a:lnRef idx="2">
+                <a:schemeClr val="accent6">
+                  <a:shade val="15000"/>
+                </a:schemeClr>
+              </a:lnRef>
+              <a:fillRef idx="1">
+                <a:schemeClr val="accent6"/>
+              </a:fillRef>
+              <a:effectRef idx="0">
+                <a:schemeClr val="accent6"/>
+              </a:effectRef>
+              <a:fontRef idx="minor">
+                <a:schemeClr val="lt1"/>
+              </a:fontRef>
+            </p:style>
+            <p:txBody>
+              <a:bodyPr rtlCol="0" anchor="ctr"/>
+              <a:lstStyle/>
+              <a:p>
+                <a:pPr algn="ctr"/>
+                <a:r>
+                  <a:rPr lang="en-US" dirty="0"/>
+                  <a:t>Base Model</a:t>
+                </a:r>
+              </a:p>
+              <a:p>
+                <a:pPr algn="ctr"/>
+                <a14:m>
+                  <m:oMathPara xmlns:m="http://schemas.openxmlformats.org/officeDocument/2006/math">
+                    <m:oMathParaPr>
+                      <m:jc m:val="centerGroup"/>
+                    </m:oMathParaPr>
+                    <m:oMath xmlns:m="http://schemas.openxmlformats.org/officeDocument/2006/math">
+                      <m:r>
+                        <a:rPr lang="en-GB" b="0" i="1" smtClean="0">
+                          <a:latin typeface="Cambria Math" panose="02040503050406030204" pitchFamily="18" charset="0"/>
+                        </a:rPr>
+                        <m:t>𝑓</m:t>
+                      </m:r>
+                      <m:d>
+                        <m:dPr>
+                          <m:ctrlPr>
+                            <a:rPr lang="en-GB" b="0" i="1" smtClean="0">
+                              <a:latin typeface="Cambria Math" panose="02040503050406030204" pitchFamily="18" charset="0"/>
+                            </a:rPr>
+                          </m:ctrlPr>
+                        </m:dPr>
+                        <m:e>
+                          <m:r>
+                            <a:rPr lang="en-GB" b="0" i="1" smtClean="0">
+                              <a:latin typeface="Cambria Math" panose="02040503050406030204" pitchFamily="18" charset="0"/>
+                            </a:rPr>
+                            <m:t>𝑥</m:t>
+                          </m:r>
+                        </m:e>
+                      </m:d>
+                      <m:r>
+                        <a:rPr lang="en-GB" b="0" i="1" smtClean="0">
+                          <a:latin typeface="Cambria Math" panose="02040503050406030204" pitchFamily="18" charset="0"/>
+                        </a:rPr>
+                        <m:t>=</m:t>
+                      </m:r>
+                      <m:r>
+                        <a:rPr lang="en-GB" b="0" i="1" smtClean="0">
+                          <a:latin typeface="Cambria Math" panose="02040503050406030204" pitchFamily="18" charset="0"/>
+                        </a:rPr>
+                        <m:t>𝑎𝑥</m:t>
+                      </m:r>
+                      <m:r>
+                        <a:rPr lang="en-GB" b="0" i="1" smtClean="0">
+                          <a:latin typeface="Cambria Math" panose="02040503050406030204" pitchFamily="18" charset="0"/>
+                        </a:rPr>
+                        <m:t>+</m:t>
+                      </m:r>
+                      <m:r>
+                        <a:rPr lang="en-GB" b="0" i="1" smtClean="0">
+                          <a:latin typeface="Cambria Math" panose="02040503050406030204" pitchFamily="18" charset="0"/>
+                        </a:rPr>
+                        <m:t>𝑏</m:t>
+                      </m:r>
+                    </m:oMath>
+                  </m:oMathPara>
+                </a14:m>
+                <a:endParaRPr lang="en-US" dirty="0"/>
+              </a:p>
+            </p:txBody>
+          </p:sp>
+        </mc:Choice>
+        <mc:Fallback>
+          <p:sp>
+            <p:nvSpPr>
+              <p:cNvPr id="8" name="Rectangle 7">
+                <a:extLst>
+                  <a:ext uri="{FF2B5EF4-FFF2-40B4-BE49-F238E27FC236}">
+                    <a16:creationId xmlns:a16="http://schemas.microsoft.com/office/drawing/2014/main" id="{EDCC7EC2-1A40-D05A-D185-53A6A1A71F6E}"/>
+                  </a:ext>
+                </a:extLst>
+              </p:cNvPr>
+              <p:cNvSpPr>
+                <a:spLocks noRot="1" noChangeAspect="1" noMove="1" noResize="1" noEditPoints="1" noAdjustHandles="1" noChangeArrowheads="1" noChangeShapeType="1" noTextEdit="1"/>
+              </p:cNvSpPr>
+              <p:nvPr/>
+            </p:nvSpPr>
+            <p:spPr>
+              <a:xfrm>
+                <a:off x="1336203" y="3948246"/>
+                <a:ext cx="1772156" cy="1043873"/>
+              </a:xfrm>
+              <a:prstGeom prst="rect">
+                <a:avLst/>
+              </a:prstGeom>
+              <a:blipFill>
+                <a:blip r:embed="rId7"/>
+                <a:stretch>
+                  <a:fillRect/>
+                </a:stretch>
+              </a:blipFill>
+            </p:spPr>
+            <p:txBody>
+              <a:bodyPr/>
+              <a:lstStyle/>
+              <a:p>
+                <a:r>
+                  <a:rPr lang="en-US">
+                    <a:noFill/>
+                  </a:rPr>
+                  <a:t> </a:t>
+                </a:r>
+              </a:p>
+            </p:txBody>
+          </p:sp>
+        </mc:Fallback>
+      </mc:AlternateContent>
+      <mc:AlternateContent xmlns:mc="http://schemas.openxmlformats.org/markup-compatibility/2006">
+        <mc:Choice xmlns:a14="http://schemas.microsoft.com/office/drawing/2010/main" Requires="a14">
+          <p:sp>
+            <p:nvSpPr>
+              <p:cNvPr id="5" name="Rectangle 4">
+                <a:extLst>
+                  <a:ext uri="{FF2B5EF4-FFF2-40B4-BE49-F238E27FC236}">
+                    <a16:creationId xmlns:a16="http://schemas.microsoft.com/office/drawing/2014/main" id="{0A9724CC-B93F-3245-481B-D43D5039FF40}"/>
+                  </a:ext>
+                </a:extLst>
+              </p:cNvPr>
+              <p:cNvSpPr/>
+              <p:nvPr/>
+            </p:nvSpPr>
+            <p:spPr>
+              <a:xfrm>
+                <a:off x="1339234" y="3945529"/>
+                <a:ext cx="1772156" cy="1043873"/>
+              </a:xfrm>
+              <a:prstGeom prst="rect">
+                <a:avLst/>
+              </a:prstGeom>
+            </p:spPr>
+            <p:style>
+              <a:lnRef idx="2">
+                <a:schemeClr val="accent6">
+                  <a:shade val="15000"/>
+                </a:schemeClr>
+              </a:lnRef>
+              <a:fillRef idx="1">
+                <a:schemeClr val="accent6"/>
+              </a:fillRef>
+              <a:effectRef idx="0">
+                <a:schemeClr val="accent6"/>
+              </a:effectRef>
+              <a:fontRef idx="minor">
+                <a:schemeClr val="lt1"/>
+              </a:fontRef>
+            </p:style>
+            <p:txBody>
+              <a:bodyPr rtlCol="0" anchor="ctr"/>
+              <a:lstStyle/>
+              <a:p>
+                <a:pPr algn="ctr"/>
+                <a:r>
+                  <a:rPr lang="en-US" dirty="0"/>
+                  <a:t>Operators</a:t>
+                </a:r>
+              </a:p>
+              <a:p>
+                <a:pPr algn="ctr"/>
+                <a14:m>
+                  <m:oMathPara xmlns:m="http://schemas.openxmlformats.org/officeDocument/2006/math">
+                    <m:oMathParaPr>
+                      <m:jc m:val="centerGroup"/>
+                    </m:oMathParaPr>
+                    <m:oMath xmlns:m="http://schemas.openxmlformats.org/officeDocument/2006/math">
+                      <m:r>
+                        <a:rPr lang="en-GB" i="1">
+                          <a:latin typeface="Cambria Math" panose="02040503050406030204" pitchFamily="18" charset="0"/>
+                        </a:rPr>
+                        <m:t>+, −, ×, ÷,</m:t>
+                      </m:r>
+                      <m:func>
+                        <m:funcPr>
+                          <m:ctrlPr>
+                            <a:rPr lang="en-GB" i="1">
+                              <a:latin typeface="Cambria Math" panose="02040503050406030204" pitchFamily="18" charset="0"/>
+                            </a:rPr>
+                          </m:ctrlPr>
+                        </m:funcPr>
+                        <m:fName>
+                          <m:r>
+                            <m:rPr>
+                              <m:sty m:val="p"/>
+                            </m:rPr>
+                            <a:rPr lang="en-GB">
+                              <a:latin typeface="Cambria Math" panose="02040503050406030204" pitchFamily="18" charset="0"/>
+                            </a:rPr>
+                            <m:t>sin</m:t>
+                          </m:r>
+                        </m:fName>
+                        <m:e>
+                          <m:d>
+                            <m:dPr>
+                              <m:ctrlPr>
+                                <a:rPr lang="en-GB" i="1">
+                                  <a:latin typeface="Cambria Math" panose="02040503050406030204" pitchFamily="18" charset="0"/>
+                                </a:rPr>
+                              </m:ctrlPr>
+                            </m:dPr>
+                            <m:e>
+                              <m:r>
+                                <a:rPr lang="en-GB" i="1">
+                                  <a:latin typeface="Cambria Math" panose="02040503050406030204" pitchFamily="18" charset="0"/>
+                                </a:rPr>
+                                <m:t>𝑥</m:t>
+                              </m:r>
+                            </m:e>
+                          </m:d>
+                        </m:e>
+                      </m:func>
+                    </m:oMath>
+                  </m:oMathPara>
+                </a14:m>
+                <a:endParaRPr lang="en-GB" dirty="0"/>
+              </a:p>
+              <a:p>
+                <a:pPr algn="ctr"/>
+                <a:r>
+                  <a:rPr lang="en-GB" dirty="0"/>
+                  <a:t>…</a:t>
+                </a:r>
+              </a:p>
+            </p:txBody>
+          </p:sp>
+        </mc:Choice>
+        <mc:Fallback>
+          <p:sp>
+            <p:nvSpPr>
+              <p:cNvPr id="5" name="Rectangle 4">
+                <a:extLst>
+                  <a:ext uri="{FF2B5EF4-FFF2-40B4-BE49-F238E27FC236}">
+                    <a16:creationId xmlns:a16="http://schemas.microsoft.com/office/drawing/2014/main" id="{0A9724CC-B93F-3245-481B-D43D5039FF40}"/>
+                  </a:ext>
+                </a:extLst>
+              </p:cNvPr>
+              <p:cNvSpPr>
+                <a:spLocks noRot="1" noChangeAspect="1" noMove="1" noResize="1" noEditPoints="1" noAdjustHandles="1" noChangeArrowheads="1" noChangeShapeType="1" noTextEdit="1"/>
+              </p:cNvSpPr>
+              <p:nvPr/>
+            </p:nvSpPr>
+            <p:spPr>
+              <a:xfrm>
+                <a:off x="1339234" y="3945529"/>
+                <a:ext cx="1772156" cy="1043873"/>
+              </a:xfrm>
+              <a:prstGeom prst="rect">
+                <a:avLst/>
+              </a:prstGeom>
+              <a:blipFill>
+                <a:blip r:embed="rId8"/>
+                <a:stretch>
+                  <a:fillRect b="-2381"/>
+                </a:stretch>
+              </a:blipFill>
+            </p:spPr>
+            <p:txBody>
+              <a:bodyPr/>
+              <a:lstStyle/>
+              <a:p>
+                <a:r>
+                  <a:rPr lang="en-US">
+                    <a:noFill/>
+                  </a:rPr>
+                  <a:t> </a:t>
+                </a:r>
+              </a:p>
+            </p:txBody>
+          </p:sp>
+        </mc:Fallback>
+      </mc:AlternateContent>
+    </p:spTree>
+    <p:extLst>
+      <p:ext uri="{BB962C8B-B14F-4D97-AF65-F5344CB8AC3E}">
+        <p14:creationId xmlns:p14="http://schemas.microsoft.com/office/powerpoint/2010/main" val="3242783733"/>
+      </p:ext>
+    </p:extLst>
+  </p:cSld>
+  <p:clrMapOvr>
+    <a:masterClrMapping/>
+  </p:clrMapOvr>
+  <p:timing>
+    <p:tnLst>
+      <p:par>
+        <p:cTn id="1" dur="indefinite" restart="never" nodeType="tmRoot">
+          <p:childTnLst>
+            <p:seq concurrent="1" nextAc="seek">
+              <p:cTn id="2" dur="indefinite" nodeType="mainSeq">
+                <p:childTnLst>
+                  <p:par>
+                    <p:cTn id="3" fill="hold">
+                      <p:stCondLst>
+                        <p:cond delay="indefinite"/>
+                      </p:stCondLst>
+                      <p:childTnLst>
+                        <p:par>
+                          <p:cTn id="4" fill="hold">
+                            <p:stCondLst>
+                              <p:cond delay="0"/>
+                            </p:stCondLst>
+                            <p:childTnLst>
+                              <p:par>
+                                <p:cTn id="5" presetID="1" presetClass="entr" presetSubtype="0" fill="hold" grpId="0" nodeType="clickEffect">
+                                  <p:stCondLst>
+                                    <p:cond delay="0"/>
+                                  </p:stCondLst>
+                                  <p:childTnLst>
+                                    <p:set>
+                                      <p:cBhvr>
+                                        <p:cTn id="6" dur="1" fill="hold">
+                                          <p:stCondLst>
+                                            <p:cond delay="0"/>
+                                          </p:stCondLst>
+                                        </p:cTn>
+                                        <p:tgtEl>
+                                          <p:spTgt spid="5"/>
+                                        </p:tgtEl>
+                                        <p:attrNameLst>
+                                          <p:attrName>style.visibility</p:attrName>
+                                        </p:attrNameLst>
+                                      </p:cBhvr>
+                                      <p:to>
+                                        <p:strVal val="visible"/>
+                                      </p:to>
+                                    </p:set>
+                                  </p:childTnLst>
+                                </p:cTn>
+                              </p:par>
+                            </p:childTnLst>
+                          </p:cTn>
+                        </p:par>
+                      </p:childTnLst>
+                    </p:cTn>
+                  </p:par>
+                  <p:par>
+                    <p:cTn id="7" fill="hold">
+                      <p:stCondLst>
+                        <p:cond delay="indefinite"/>
+                      </p:stCondLst>
+                      <p:childTnLst>
+                        <p:par>
+                          <p:cTn id="8" fill="hold">
+                            <p:stCondLst>
+                              <p:cond delay="0"/>
+                            </p:stCondLst>
+                            <p:childTnLst>
+                              <p:par>
+                                <p:cTn id="9" presetID="1" presetClass="entr" presetSubtype="0" fill="hold" nodeType="clickEffect">
+                                  <p:stCondLst>
+                                    <p:cond delay="0"/>
+                                  </p:stCondLst>
+                                  <p:childTnLst>
+                                    <p:set>
+                                      <p:cBhvr>
+                                        <p:cTn id="10" dur="1" fill="hold">
+                                          <p:stCondLst>
+                                            <p:cond delay="0"/>
+                                          </p:stCondLst>
+                                        </p:cTn>
+                                        <p:tgtEl>
+                                          <p:spTgt spid="13"/>
+                                        </p:tgtEl>
+                                        <p:attrNameLst>
+                                          <p:attrName>style.visibility</p:attrName>
+                                        </p:attrNameLst>
+                                      </p:cBhvr>
+                                      <p:to>
+                                        <p:strVal val="visible"/>
+                                      </p:to>
+                                    </p:set>
+                                  </p:childTnLst>
+                                </p:cTn>
+                              </p:par>
+                              <p:par>
+                                <p:cTn id="11" presetID="1" presetClass="entr" presetSubtype="0" fill="hold" grpId="0" nodeType="withEffect">
+                                  <p:stCondLst>
+                                    <p:cond delay="0"/>
+                                  </p:stCondLst>
+                                  <p:childTnLst>
+                                    <p:set>
+                                      <p:cBhvr>
+                                        <p:cTn id="12" dur="1" fill="hold">
+                                          <p:stCondLst>
+                                            <p:cond delay="0"/>
+                                          </p:stCondLst>
+                                        </p:cTn>
+                                        <p:tgtEl>
+                                          <p:spTgt spid="19"/>
+                                        </p:tgtEl>
+                                        <p:attrNameLst>
+                                          <p:attrName>style.visibility</p:attrName>
+                                        </p:attrNameLst>
+                                      </p:cBhvr>
+                                      <p:to>
+                                        <p:strVal val="visible"/>
+                                      </p:to>
+                                    </p:set>
+                                  </p:childTnLst>
+                                </p:cTn>
+                              </p:par>
+                              <p:par>
+                                <p:cTn id="13" presetID="1" presetClass="entr" presetSubtype="0" fill="hold" grpId="0" nodeType="withEffect">
+                                  <p:stCondLst>
+                                    <p:cond delay="0"/>
+                                  </p:stCondLst>
+                                  <p:childTnLst>
+                                    <p:set>
+                                      <p:cBhvr>
+                                        <p:cTn id="14" dur="1" fill="hold">
+                                          <p:stCondLst>
+                                            <p:cond delay="0"/>
+                                          </p:stCondLst>
+                                        </p:cTn>
+                                        <p:tgtEl>
+                                          <p:spTgt spid="15"/>
+                                        </p:tgtEl>
+                                        <p:attrNameLst>
+                                          <p:attrName>style.visibility</p:attrName>
+                                        </p:attrNameLst>
+                                      </p:cBhvr>
+                                      <p:to>
+                                        <p:strVal val="visible"/>
+                                      </p:to>
+                                    </p:set>
+                                  </p:childTnLst>
+                                </p:cTn>
+                              </p:par>
+                            </p:childTnLst>
+                          </p:cTn>
+                        </p:par>
+                      </p:childTnLst>
+                    </p:cTn>
+                  </p:par>
+                  <p:par>
+                    <p:cTn id="15" fill="hold">
+                      <p:stCondLst>
+                        <p:cond delay="indefinite"/>
+                      </p:stCondLst>
+                      <p:childTnLst>
+                        <p:par>
+                          <p:cTn id="16" fill="hold">
+                            <p:stCondLst>
+                              <p:cond delay="0"/>
+                            </p:stCondLst>
+                            <p:childTnLst>
+                              <p:par>
+                                <p:cTn id="17" presetID="1" presetClass="entr" presetSubtype="0" fill="hold" grpId="0" nodeType="clickEffect">
+                                  <p:stCondLst>
+                                    <p:cond delay="0"/>
+                                  </p:stCondLst>
+                                  <p:childTnLst>
+                                    <p:set>
+                                      <p:cBhvr>
+                                        <p:cTn id="18" dur="1" fill="hold">
+                                          <p:stCondLst>
+                                            <p:cond delay="0"/>
+                                          </p:stCondLst>
+                                        </p:cTn>
+                                        <p:tgtEl>
+                                          <p:spTgt spid="32"/>
+                                        </p:tgtEl>
+                                        <p:attrNameLst>
+                                          <p:attrName>style.visibility</p:attrName>
+                                        </p:attrNameLst>
+                                      </p:cBhvr>
+                                      <p:to>
+                                        <p:strVal val="visible"/>
+                                      </p:to>
+                                    </p:set>
+                                  </p:childTnLst>
+                                </p:cTn>
+                              </p:par>
+                              <p:par>
+                                <p:cTn id="19" presetID="1" presetClass="entr" presetSubtype="0" fill="hold" nodeType="withEffect">
+                                  <p:stCondLst>
+                                    <p:cond delay="0"/>
+                                  </p:stCondLst>
+                                  <p:childTnLst>
+                                    <p:set>
+                                      <p:cBhvr>
+                                        <p:cTn id="20" dur="1" fill="hold">
+                                          <p:stCondLst>
+                                            <p:cond delay="0"/>
+                                          </p:stCondLst>
+                                        </p:cTn>
+                                        <p:tgtEl>
+                                          <p:spTgt spid="33"/>
+                                        </p:tgtEl>
+                                        <p:attrNameLst>
+                                          <p:attrName>style.visibility</p:attrName>
+                                        </p:attrNameLst>
+                                      </p:cBhvr>
+                                      <p:to>
+                                        <p:strVal val="visible"/>
+                                      </p:to>
+                                    </p:set>
+                                  </p:childTnLst>
+                                </p:cTn>
+                              </p:par>
+                              <p:par>
+                                <p:cTn id="21" presetID="1" presetClass="entr" presetSubtype="0" fill="hold" grpId="0" nodeType="withEffect">
+                                  <p:stCondLst>
+                                    <p:cond delay="0"/>
+                                  </p:stCondLst>
+                                  <p:childTnLst>
+                                    <p:set>
+                                      <p:cBhvr>
+                                        <p:cTn id="22" dur="1" fill="hold">
+                                          <p:stCondLst>
+                                            <p:cond delay="0"/>
+                                          </p:stCondLst>
+                                        </p:cTn>
+                                        <p:tgtEl>
+                                          <p:spTgt spid="21"/>
+                                        </p:tgtEl>
+                                        <p:attrNameLst>
+                                          <p:attrName>style.visibility</p:attrName>
+                                        </p:attrNameLst>
+                                      </p:cBhvr>
+                                      <p:to>
+                                        <p:strVal val="visible"/>
+                                      </p:to>
+                                    </p:set>
+                                  </p:childTnLst>
+                                </p:cTn>
+                              </p:par>
+                              <p:par>
+                                <p:cTn id="23" presetID="1" presetClass="entr" presetSubtype="0" fill="hold" nodeType="withEffect">
+                                  <p:stCondLst>
+                                    <p:cond delay="0"/>
+                                  </p:stCondLst>
+                                  <p:childTnLst>
+                                    <p:set>
+                                      <p:cBhvr>
+                                        <p:cTn id="24" dur="1" fill="hold">
+                                          <p:stCondLst>
+                                            <p:cond delay="0"/>
+                                          </p:stCondLst>
+                                        </p:cTn>
+                                        <p:tgtEl>
+                                          <p:spTgt spid="36"/>
+                                        </p:tgtEl>
+                                        <p:attrNameLst>
+                                          <p:attrName>style.visibility</p:attrName>
+                                        </p:attrNameLst>
+                                      </p:cBhvr>
+                                      <p:to>
+                                        <p:strVal val="visible"/>
+                                      </p:to>
+                                    </p:set>
+                                  </p:childTnLst>
+                                </p:cTn>
+                              </p:par>
+                              <p:par>
+                                <p:cTn id="25" presetID="1" presetClass="entr" presetSubtype="0" fill="hold" grpId="0" nodeType="withEffect">
+                                  <p:stCondLst>
+                                    <p:cond delay="0"/>
+                                  </p:stCondLst>
+                                  <p:childTnLst>
+                                    <p:set>
+                                      <p:cBhvr>
+                                        <p:cTn id="26" dur="1" fill="hold">
+                                          <p:stCondLst>
+                                            <p:cond delay="0"/>
+                                          </p:stCondLst>
+                                        </p:cTn>
+                                        <p:tgtEl>
+                                          <p:spTgt spid="28"/>
+                                        </p:tgtEl>
+                                        <p:attrNameLst>
+                                          <p:attrName>style.visibility</p:attrName>
+                                        </p:attrNameLst>
+                                      </p:cBhvr>
+                                      <p:to>
+                                        <p:strVal val="visible"/>
+                                      </p:to>
+                                    </p:set>
+                                  </p:childTnLst>
+                                </p:cTn>
+                              </p:par>
+                            </p:childTnLst>
+                          </p:cTn>
+                        </p:par>
+                      </p:childTnLst>
+                    </p:cTn>
+                  </p:par>
+                </p:childTnLst>
+              </p:cTn>
+              <p:prevCondLst>
+                <p:cond evt="onPrev" delay="0">
+                  <p:tgtEl>
+                    <p:sldTgt/>
+                  </p:tgtEl>
+                </p:cond>
+              </p:prevCondLst>
+              <p:nextCondLst>
+                <p:cond evt="onNext" delay="0">
+                  <p:tgtEl>
+                    <p:sldTgt/>
+                  </p:tgtEl>
+                </p:cond>
+              </p:nextCondLst>
+            </p:seq>
+          </p:childTnLst>
+        </p:cTn>
+      </p:par>
+    </p:tnLst>
+    <p:bldLst>
+      <p:bldP spid="15" grpId="0"/>
+      <p:bldP spid="19" grpId="0"/>
+      <p:bldP spid="21" grpId="0"/>
+      <p:bldP spid="28" grpId="0"/>
+      <p:bldP spid="32" grpId="0" animBg="1"/>
+      <p:bldP spid="5" grpId="0" animBg="1"/>
+    </p:bldLst>
+  </p:timing>
+</p:sld>
+</file>
+
+<file path=ppt/slides/slide15.xml><?xml version="1.0" encoding="utf-8"?>
+<p:sld xmlns:a="http://schemas.openxmlformats.org/drawingml/2006/main" xmlns:r="http://schemas.openxmlformats.org/officeDocument/2006/relationships" xmlns:p="http://schemas.openxmlformats.org/presentationml/2006/main">
+  <p:cSld>
+    <p:bg>
+      <p:bgPr>
+        <a:solidFill>
+          <a:srgbClr val="FFFFF0"/>
+        </a:solidFill>
+        <a:effectLst/>
+      </p:bgPr>
+    </p:bg>
+    <p:spTree>
+      <p:nvGrpSpPr>
+        <p:cNvPr id="1" name=""/>
+        <p:cNvGrpSpPr/>
+        <p:nvPr/>
+      </p:nvGrpSpPr>
+      <p:grpSpPr>
+        <a:xfrm>
+          <a:off x="0" y="0"/>
+          <a:ext cx="0" cy="0"/>
+          <a:chOff x="0" y="0"/>
+          <a:chExt cx="0" cy="0"/>
+        </a:xfrm>
+      </p:grpSpPr>
+      <p:sp>
+        <p:nvSpPr>
+          <p:cNvPr id="2" name="Title 1">
+            <a:extLst>
+              <a:ext uri="{FF2B5EF4-FFF2-40B4-BE49-F238E27FC236}">
+                <a16:creationId xmlns:a16="http://schemas.microsoft.com/office/drawing/2014/main" id="{4A6579DE-70A9-3960-AD56-41A1AAC38C68}"/>
+              </a:ext>
+            </a:extLst>
+          </p:cNvPr>
+          <p:cNvSpPr>
+            <a:spLocks noGrp="1"/>
+          </p:cNvSpPr>
+          <p:nvPr>
+            <p:ph type="title"/>
+          </p:nvPr>
+        </p:nvSpPr>
+        <p:spPr/>
+        <p:txBody>
+          <a:bodyPr/>
+          <a:lstStyle/>
+          <a:p>
+            <a:r>
+              <a:rPr lang="en-US" dirty="0"/>
+              <a:t>Background pt 1 – Symbolic regression</a:t>
+            </a:r>
+          </a:p>
+        </p:txBody>
+      </p:sp>
+      <p:sp>
+        <p:nvSpPr>
+          <p:cNvPr id="9" name="TextBox 8">
+            <a:extLst>
+              <a:ext uri="{FF2B5EF4-FFF2-40B4-BE49-F238E27FC236}">
+                <a16:creationId xmlns:a16="http://schemas.microsoft.com/office/drawing/2014/main" id="{3F9DF536-D410-7AAE-501E-E52918556FF8}"/>
+              </a:ext>
+            </a:extLst>
+          </p:cNvPr>
+          <p:cNvSpPr txBox="1"/>
+          <p:nvPr/>
+        </p:nvSpPr>
+        <p:spPr>
+          <a:xfrm>
+            <a:off x="1116082" y="1861168"/>
+            <a:ext cx="1124026" cy="369332"/>
+          </a:xfrm>
+          <a:prstGeom prst="rect">
+            <a:avLst/>
+          </a:prstGeom>
+          <a:noFill/>
+        </p:spPr>
+        <p:txBody>
+          <a:bodyPr wrap="none" rtlCol="0">
+            <a:spAutoFit/>
+          </a:bodyPr>
+          <a:lstStyle/>
+          <a:p>
+            <a:r>
+              <a:rPr lang="en-US" dirty="0"/>
+              <a:t>Solutions</a:t>
+            </a:r>
+          </a:p>
+        </p:txBody>
+      </p:sp>
+      <p:sp>
+        <p:nvSpPr>
+          <p:cNvPr id="11" name="TextBox 10">
+            <a:extLst>
+              <a:ext uri="{FF2B5EF4-FFF2-40B4-BE49-F238E27FC236}">
+                <a16:creationId xmlns:a16="http://schemas.microsoft.com/office/drawing/2014/main" id="{DF1100E0-B7C8-C9AB-D7AA-3B2591CD8EA4}"/>
+              </a:ext>
+            </a:extLst>
+          </p:cNvPr>
+          <p:cNvSpPr txBox="1"/>
+          <p:nvPr/>
+        </p:nvSpPr>
+        <p:spPr>
+          <a:xfrm>
+            <a:off x="2943533" y="1861168"/>
+            <a:ext cx="651717" cy="369332"/>
+          </a:xfrm>
+          <a:prstGeom prst="rect">
+            <a:avLst/>
+          </a:prstGeom>
+          <a:noFill/>
+        </p:spPr>
+        <p:txBody>
+          <a:bodyPr wrap="none" rtlCol="0">
+            <a:spAutoFit/>
+          </a:bodyPr>
+          <a:lstStyle/>
+          <a:p>
+            <a:r>
+              <a:rPr lang="en-US" dirty="0"/>
+              <a:t>Loss</a:t>
+            </a:r>
+          </a:p>
+        </p:txBody>
+      </p:sp>
+      <p:sp>
+        <p:nvSpPr>
+          <p:cNvPr id="12" name="TextBox 11">
+            <a:extLst>
+              <a:ext uri="{FF2B5EF4-FFF2-40B4-BE49-F238E27FC236}">
+                <a16:creationId xmlns:a16="http://schemas.microsoft.com/office/drawing/2014/main" id="{93BFC817-B692-EA4B-94CE-9E2D1183ACE9}"/>
+              </a:ext>
+            </a:extLst>
+          </p:cNvPr>
+          <p:cNvSpPr txBox="1"/>
+          <p:nvPr/>
+        </p:nvSpPr>
+        <p:spPr>
+          <a:xfrm>
+            <a:off x="4298675" y="1861168"/>
+            <a:ext cx="1312924" cy="369332"/>
+          </a:xfrm>
+          <a:prstGeom prst="rect">
+            <a:avLst/>
+          </a:prstGeom>
+          <a:noFill/>
+        </p:spPr>
+        <p:txBody>
+          <a:bodyPr wrap="none" rtlCol="0">
+            <a:spAutoFit/>
+          </a:bodyPr>
+          <a:lstStyle/>
+          <a:p>
+            <a:r>
+              <a:rPr lang="en-US" dirty="0"/>
+              <a:t>Complexity</a:t>
+            </a:r>
+          </a:p>
+        </p:txBody>
+      </p:sp>
+      <mc:AlternateContent xmlns:mc="http://schemas.openxmlformats.org/markup-compatibility/2006">
+        <mc:Choice xmlns:a14="http://schemas.microsoft.com/office/drawing/2010/main" Requires="a14">
+          <p:sp>
+            <p:nvSpPr>
+              <p:cNvPr id="22" name="TextBox 21">
+                <a:extLst>
+                  <a:ext uri="{FF2B5EF4-FFF2-40B4-BE49-F238E27FC236}">
+                    <a16:creationId xmlns:a16="http://schemas.microsoft.com/office/drawing/2014/main" id="{128397DD-90E3-E27B-AAAF-2B4EA50747A1}"/>
+                  </a:ext>
+                </a:extLst>
+              </p:cNvPr>
+              <p:cNvSpPr txBox="1"/>
+              <p:nvPr/>
+            </p:nvSpPr>
+            <p:spPr>
+              <a:xfrm>
+                <a:off x="1110724" y="2229356"/>
+                <a:ext cx="1116139" cy="369332"/>
+              </a:xfrm>
+              <a:prstGeom prst="rect">
+                <a:avLst/>
+              </a:prstGeom>
+              <a:noFill/>
+            </p:spPr>
+            <p:txBody>
+              <a:bodyPr wrap="none" rtlCol="0">
+                <a:spAutoFit/>
+              </a:bodyPr>
+              <a:lstStyle/>
+              <a:p>
+                <a14:m>
+                  <m:oMathPara xmlns:m="http://schemas.openxmlformats.org/officeDocument/2006/math">
+                    <m:oMathParaPr>
+                      <m:jc m:val="centerGroup"/>
+                    </m:oMathParaPr>
+                    <m:oMath xmlns:m="http://schemas.openxmlformats.org/officeDocument/2006/math">
+                      <m:r>
+                        <a:rPr lang="en-GB" b="0" i="1" dirty="0" smtClean="0">
+                          <a:latin typeface="Cambria Math" panose="02040503050406030204" pitchFamily="18" charset="0"/>
+                        </a:rPr>
+                        <m:t>𝑓</m:t>
+                      </m:r>
+                      <m:d>
+                        <m:dPr>
+                          <m:ctrlPr>
+                            <a:rPr lang="en-GB" b="0" i="1" dirty="0" smtClean="0">
+                              <a:latin typeface="Cambria Math" panose="02040503050406030204" pitchFamily="18" charset="0"/>
+                            </a:rPr>
+                          </m:ctrlPr>
+                        </m:dPr>
+                        <m:e>
+                          <m:r>
+                            <a:rPr lang="en-GB" b="0" i="1" dirty="0" smtClean="0">
+                              <a:latin typeface="Cambria Math" panose="02040503050406030204" pitchFamily="18" charset="0"/>
+                            </a:rPr>
+                            <m:t>𝑥</m:t>
+                          </m:r>
+                        </m:e>
+                      </m:d>
+                      <m:r>
+                        <a:rPr lang="en-GB" b="0" i="1" dirty="0" smtClean="0">
+                          <a:latin typeface="Cambria Math" panose="02040503050406030204" pitchFamily="18" charset="0"/>
+                        </a:rPr>
+                        <m:t>=5</m:t>
+                      </m:r>
+                    </m:oMath>
+                  </m:oMathPara>
+                </a14:m>
+                <a:endParaRPr lang="en-US" dirty="0"/>
+              </a:p>
+            </p:txBody>
+          </p:sp>
+        </mc:Choice>
+        <mc:Fallback>
+          <p:sp>
+            <p:nvSpPr>
+              <p:cNvPr id="22" name="TextBox 21">
+                <a:extLst>
+                  <a:ext uri="{FF2B5EF4-FFF2-40B4-BE49-F238E27FC236}">
+                    <a16:creationId xmlns:a16="http://schemas.microsoft.com/office/drawing/2014/main" id="{128397DD-90E3-E27B-AAAF-2B4EA50747A1}"/>
+                  </a:ext>
+                </a:extLst>
+              </p:cNvPr>
+              <p:cNvSpPr txBox="1">
+                <a:spLocks noRot="1" noChangeAspect="1" noMove="1" noResize="1" noEditPoints="1" noAdjustHandles="1" noChangeArrowheads="1" noChangeShapeType="1" noTextEdit="1"/>
+              </p:cNvSpPr>
+              <p:nvPr/>
+            </p:nvSpPr>
+            <p:spPr>
+              <a:xfrm>
+                <a:off x="1110724" y="2229356"/>
+                <a:ext cx="1116139" cy="369332"/>
+              </a:xfrm>
+              <a:prstGeom prst="rect">
+                <a:avLst/>
+              </a:prstGeom>
+              <a:blipFill>
+                <a:blip r:embed="rId3"/>
+                <a:stretch>
+                  <a:fillRect b="-13333"/>
+                </a:stretch>
+              </a:blipFill>
+            </p:spPr>
+            <p:txBody>
+              <a:bodyPr/>
+              <a:lstStyle/>
+              <a:p>
+                <a:r>
+                  <a:rPr lang="en-US">
+                    <a:noFill/>
+                  </a:rPr>
+                  <a:t> </a:t>
+                </a:r>
+              </a:p>
+            </p:txBody>
+          </p:sp>
+        </mc:Fallback>
+      </mc:AlternateContent>
+      <p:sp>
+        <p:nvSpPr>
+          <p:cNvPr id="23" name="TextBox 22">
+            <a:extLst>
+              <a:ext uri="{FF2B5EF4-FFF2-40B4-BE49-F238E27FC236}">
+                <a16:creationId xmlns:a16="http://schemas.microsoft.com/office/drawing/2014/main" id="{A84C0C87-4E85-8269-26EF-8746E53507A3}"/>
+              </a:ext>
+            </a:extLst>
+          </p:cNvPr>
+          <p:cNvSpPr txBox="1"/>
+          <p:nvPr/>
+        </p:nvSpPr>
+        <p:spPr>
+          <a:xfrm>
+            <a:off x="2938175" y="2229356"/>
+            <a:ext cx="554960" cy="369332"/>
+          </a:xfrm>
+          <a:prstGeom prst="rect">
+            <a:avLst/>
+          </a:prstGeom>
+          <a:noFill/>
+        </p:spPr>
+        <p:txBody>
+          <a:bodyPr wrap="none" rtlCol="0">
+            <a:spAutoFit/>
+          </a:bodyPr>
+          <a:lstStyle/>
+          <a:p>
+            <a:r>
+              <a:rPr lang="en-US" dirty="0"/>
+              <a:t>100</a:t>
+            </a:r>
+          </a:p>
+        </p:txBody>
+      </p:sp>
+      <p:sp>
+        <p:nvSpPr>
+          <p:cNvPr id="24" name="TextBox 23">
+            <a:extLst>
+              <a:ext uri="{FF2B5EF4-FFF2-40B4-BE49-F238E27FC236}">
+                <a16:creationId xmlns:a16="http://schemas.microsoft.com/office/drawing/2014/main" id="{A2F1A99E-B685-5BB3-7CAA-7BE7280672F5}"/>
+              </a:ext>
+            </a:extLst>
+          </p:cNvPr>
+          <p:cNvSpPr txBox="1"/>
+          <p:nvPr/>
+        </p:nvSpPr>
+        <p:spPr>
+          <a:xfrm>
+            <a:off x="4293317" y="2229356"/>
+            <a:ext cx="308098" cy="369332"/>
+          </a:xfrm>
+          <a:prstGeom prst="rect">
+            <a:avLst/>
+          </a:prstGeom>
+          <a:noFill/>
+        </p:spPr>
+        <p:txBody>
+          <a:bodyPr wrap="none" rtlCol="0">
+            <a:spAutoFit/>
+          </a:bodyPr>
+          <a:lstStyle/>
+          <a:p>
+            <a:r>
+              <a:rPr lang="en-US" dirty="0"/>
+              <a:t>1</a:t>
+            </a:r>
+          </a:p>
+        </p:txBody>
+      </p:sp>
+      <mc:AlternateContent xmlns:mc="http://schemas.openxmlformats.org/markup-compatibility/2006">
+        <mc:Choice xmlns:a14="http://schemas.microsoft.com/office/drawing/2010/main" Requires="a14">
+          <p:sp>
+            <p:nvSpPr>
+              <p:cNvPr id="25" name="TextBox 24">
+                <a:extLst>
+                  <a:ext uri="{FF2B5EF4-FFF2-40B4-BE49-F238E27FC236}">
+                    <a16:creationId xmlns:a16="http://schemas.microsoft.com/office/drawing/2014/main" id="{62DBB788-F656-43D2-66A8-2CCB9DD4BE10}"/>
+                  </a:ext>
+                </a:extLst>
+              </p:cNvPr>
+              <p:cNvSpPr txBox="1"/>
+              <p:nvPr/>
+            </p:nvSpPr>
+            <p:spPr>
+              <a:xfrm>
+                <a:off x="1110724" y="2597544"/>
+                <a:ext cx="1172244" cy="369332"/>
+              </a:xfrm>
+              <a:prstGeom prst="rect">
+                <a:avLst/>
+              </a:prstGeom>
+              <a:noFill/>
+            </p:spPr>
+            <p:txBody>
+              <a:bodyPr wrap="none" rtlCol="0">
+                <a:spAutoFit/>
+              </a:bodyPr>
+              <a:lstStyle/>
+              <a:p>
+                <a14:m>
+                  <m:oMath xmlns:m="http://schemas.openxmlformats.org/officeDocument/2006/math">
+                    <m:r>
+                      <a:rPr lang="en-GB" b="0" i="1" dirty="0" smtClean="0">
+                        <a:latin typeface="Cambria Math" panose="02040503050406030204" pitchFamily="18" charset="0"/>
+                      </a:rPr>
+                      <m:t>𝑓</m:t>
+                    </m:r>
+                    <m:d>
+                      <m:dPr>
+                        <m:ctrlPr>
+                          <a:rPr lang="en-GB" b="0" i="1" dirty="0" smtClean="0">
+                            <a:latin typeface="Cambria Math" panose="02040503050406030204" pitchFamily="18" charset="0"/>
+                          </a:rPr>
+                        </m:ctrlPr>
+                      </m:dPr>
+                      <m:e>
+                        <m:r>
+                          <a:rPr lang="en-GB" b="0" i="1" dirty="0" smtClean="0">
+                            <a:latin typeface="Cambria Math" panose="02040503050406030204" pitchFamily="18" charset="0"/>
+                          </a:rPr>
+                          <m:t>𝑥</m:t>
+                        </m:r>
+                      </m:e>
+                    </m:d>
+                    <m:r>
+                      <a:rPr lang="en-GB" b="0" i="1" dirty="0" smtClean="0">
+                        <a:latin typeface="Cambria Math" panose="02040503050406030204" pitchFamily="18" charset="0"/>
+                      </a:rPr>
+                      <m:t>=5</m:t>
+                    </m:r>
+                  </m:oMath>
+                </a14:m>
+                <a:r>
+                  <a:rPr lang="en-US" dirty="0"/>
+                  <a:t>x</a:t>
+                </a:r>
+              </a:p>
+            </p:txBody>
+          </p:sp>
+        </mc:Choice>
+        <mc:Fallback>
+          <p:sp>
+            <p:nvSpPr>
+              <p:cNvPr id="25" name="TextBox 24">
+                <a:extLst>
+                  <a:ext uri="{FF2B5EF4-FFF2-40B4-BE49-F238E27FC236}">
+                    <a16:creationId xmlns:a16="http://schemas.microsoft.com/office/drawing/2014/main" id="{62DBB788-F656-43D2-66A8-2CCB9DD4BE10}"/>
+                  </a:ext>
+                </a:extLst>
+              </p:cNvPr>
+              <p:cNvSpPr txBox="1">
+                <a:spLocks noRot="1" noChangeAspect="1" noMove="1" noResize="1" noEditPoints="1" noAdjustHandles="1" noChangeArrowheads="1" noChangeShapeType="1" noTextEdit="1"/>
+              </p:cNvSpPr>
+              <p:nvPr/>
+            </p:nvSpPr>
+            <p:spPr>
+              <a:xfrm>
+                <a:off x="1110724" y="2597544"/>
+                <a:ext cx="1172244" cy="369332"/>
+              </a:xfrm>
+              <a:prstGeom prst="rect">
+                <a:avLst/>
+              </a:prstGeom>
+              <a:blipFill>
+                <a:blip r:embed="rId4"/>
+                <a:stretch>
+                  <a:fillRect l="-2151" t="-6667" r="-3226" b="-26667"/>
+                </a:stretch>
+              </a:blipFill>
+            </p:spPr>
+            <p:txBody>
+              <a:bodyPr/>
+              <a:lstStyle/>
+              <a:p>
+                <a:r>
+                  <a:rPr lang="en-US">
+                    <a:noFill/>
+                  </a:rPr>
+                  <a:t> </a:t>
+                </a:r>
+              </a:p>
+            </p:txBody>
+          </p:sp>
+        </mc:Fallback>
+      </mc:AlternateContent>
+      <p:sp>
+        <p:nvSpPr>
+          <p:cNvPr id="26" name="TextBox 25">
+            <a:extLst>
+              <a:ext uri="{FF2B5EF4-FFF2-40B4-BE49-F238E27FC236}">
+                <a16:creationId xmlns:a16="http://schemas.microsoft.com/office/drawing/2014/main" id="{D71F7F4F-544B-2698-1B00-EBAC4EAFA2E1}"/>
+              </a:ext>
+            </a:extLst>
+          </p:cNvPr>
+          <p:cNvSpPr txBox="1"/>
+          <p:nvPr/>
+        </p:nvSpPr>
+        <p:spPr>
+          <a:xfrm>
+            <a:off x="2938175" y="2597544"/>
+            <a:ext cx="431528" cy="369332"/>
+          </a:xfrm>
+          <a:prstGeom prst="rect">
+            <a:avLst/>
+          </a:prstGeom>
+          <a:noFill/>
+        </p:spPr>
+        <p:txBody>
+          <a:bodyPr wrap="none" rtlCol="0">
+            <a:spAutoFit/>
+          </a:bodyPr>
+          <a:lstStyle/>
+          <a:p>
+            <a:r>
+              <a:rPr lang="en-US" dirty="0"/>
+              <a:t>80</a:t>
+            </a:r>
+          </a:p>
+        </p:txBody>
+      </p:sp>
+      <p:sp>
+        <p:nvSpPr>
+          <p:cNvPr id="27" name="TextBox 26">
+            <a:extLst>
+              <a:ext uri="{FF2B5EF4-FFF2-40B4-BE49-F238E27FC236}">
+                <a16:creationId xmlns:a16="http://schemas.microsoft.com/office/drawing/2014/main" id="{57F3F322-2E87-B6F9-18A4-16CFA37E02B5}"/>
+              </a:ext>
+            </a:extLst>
+          </p:cNvPr>
+          <p:cNvSpPr txBox="1"/>
+          <p:nvPr/>
+        </p:nvSpPr>
+        <p:spPr>
+          <a:xfrm>
+            <a:off x="4293317" y="2597544"/>
+            <a:ext cx="308098" cy="369332"/>
+          </a:xfrm>
+          <a:prstGeom prst="rect">
+            <a:avLst/>
+          </a:prstGeom>
+          <a:noFill/>
+        </p:spPr>
+        <p:txBody>
+          <a:bodyPr wrap="none" rtlCol="0">
+            <a:spAutoFit/>
+          </a:bodyPr>
+          <a:lstStyle/>
+          <a:p>
+            <a:r>
+              <a:rPr lang="en-US" dirty="0"/>
+              <a:t>2</a:t>
+            </a:r>
+          </a:p>
+        </p:txBody>
+      </p:sp>
+      <mc:AlternateContent xmlns:mc="http://schemas.openxmlformats.org/markup-compatibility/2006">
+        <mc:Choice xmlns:a14="http://schemas.microsoft.com/office/drawing/2010/main" Requires="a14">
+          <p:sp>
+            <p:nvSpPr>
+              <p:cNvPr id="29" name="TextBox 28">
+                <a:extLst>
+                  <a:ext uri="{FF2B5EF4-FFF2-40B4-BE49-F238E27FC236}">
+                    <a16:creationId xmlns:a16="http://schemas.microsoft.com/office/drawing/2014/main" id="{EA1E1646-351A-6788-8E9F-F84359AC9B59}"/>
+                  </a:ext>
+                </a:extLst>
+              </p:cNvPr>
+              <p:cNvSpPr txBox="1"/>
+              <p:nvPr/>
+            </p:nvSpPr>
+            <p:spPr>
+              <a:xfrm>
+                <a:off x="1110724" y="2964588"/>
+                <a:ext cx="1919243" cy="369332"/>
+              </a:xfrm>
+              <a:prstGeom prst="rect">
+                <a:avLst/>
+              </a:prstGeom>
+              <a:noFill/>
+            </p:spPr>
+            <p:txBody>
+              <a:bodyPr wrap="none" rtlCol="0">
+                <a:spAutoFit/>
+              </a:bodyPr>
+              <a:lstStyle/>
+              <a:p>
+                <a14:m>
+                  <m:oMath xmlns:m="http://schemas.openxmlformats.org/officeDocument/2006/math">
+                    <m:r>
+                      <a:rPr lang="en-GB" b="0" i="1" dirty="0" smtClean="0">
+                        <a:latin typeface="Cambria Math" panose="02040503050406030204" pitchFamily="18" charset="0"/>
+                      </a:rPr>
+                      <m:t>𝑓</m:t>
+                    </m:r>
+                    <m:d>
+                      <m:dPr>
+                        <m:ctrlPr>
+                          <a:rPr lang="en-GB" b="0" i="1" dirty="0" smtClean="0">
+                            <a:latin typeface="Cambria Math" panose="02040503050406030204" pitchFamily="18" charset="0"/>
+                          </a:rPr>
+                        </m:ctrlPr>
+                      </m:dPr>
+                      <m:e>
+                        <m:r>
+                          <a:rPr lang="en-GB" b="0" i="1" dirty="0" smtClean="0">
+                            <a:latin typeface="Cambria Math" panose="02040503050406030204" pitchFamily="18" charset="0"/>
+                          </a:rPr>
+                          <m:t>𝑥</m:t>
+                        </m:r>
+                      </m:e>
+                    </m:d>
+                    <m:r>
+                      <a:rPr lang="en-GB" b="0" i="1" dirty="0" smtClean="0">
+                        <a:latin typeface="Cambria Math" panose="02040503050406030204" pitchFamily="18" charset="0"/>
+                      </a:rPr>
+                      <m:t>=5</m:t>
+                    </m:r>
+                  </m:oMath>
+                </a14:m>
+                <a:r>
+                  <a:rPr lang="en-US" dirty="0"/>
+                  <a:t>x + sin(x)</a:t>
+                </a:r>
+              </a:p>
+            </p:txBody>
+          </p:sp>
+        </mc:Choice>
+        <mc:Fallback>
+          <p:sp>
+            <p:nvSpPr>
+              <p:cNvPr id="29" name="TextBox 28">
+                <a:extLst>
+                  <a:ext uri="{FF2B5EF4-FFF2-40B4-BE49-F238E27FC236}">
+                    <a16:creationId xmlns:a16="http://schemas.microsoft.com/office/drawing/2014/main" id="{EA1E1646-351A-6788-8E9F-F84359AC9B59}"/>
+                  </a:ext>
+                </a:extLst>
+              </p:cNvPr>
+              <p:cNvSpPr txBox="1">
+                <a:spLocks noRot="1" noChangeAspect="1" noMove="1" noResize="1" noEditPoints="1" noAdjustHandles="1" noChangeArrowheads="1" noChangeShapeType="1" noTextEdit="1"/>
+              </p:cNvSpPr>
+              <p:nvPr/>
+            </p:nvSpPr>
+            <p:spPr>
+              <a:xfrm>
+                <a:off x="1110724" y="2964588"/>
+                <a:ext cx="1919243" cy="369332"/>
+              </a:xfrm>
+              <a:prstGeom prst="rect">
+                <a:avLst/>
+              </a:prstGeom>
+              <a:blipFill>
+                <a:blip r:embed="rId5"/>
+                <a:stretch>
+                  <a:fillRect l="-1316" t="-6667" r="-1316" b="-26667"/>
+                </a:stretch>
+              </a:blipFill>
+            </p:spPr>
+            <p:txBody>
+              <a:bodyPr/>
+              <a:lstStyle/>
+              <a:p>
+                <a:r>
+                  <a:rPr lang="en-US">
+                    <a:noFill/>
+                  </a:rPr>
+                  <a:t> </a:t>
+                </a:r>
+              </a:p>
+            </p:txBody>
+          </p:sp>
+        </mc:Fallback>
+      </mc:AlternateContent>
+      <p:sp>
+        <p:nvSpPr>
+          <p:cNvPr id="30" name="TextBox 29">
+            <a:extLst>
+              <a:ext uri="{FF2B5EF4-FFF2-40B4-BE49-F238E27FC236}">
+                <a16:creationId xmlns:a16="http://schemas.microsoft.com/office/drawing/2014/main" id="{27B9B7AE-E9FE-CB51-FB6A-B9A630929E94}"/>
+              </a:ext>
+            </a:extLst>
+          </p:cNvPr>
+          <p:cNvSpPr txBox="1"/>
+          <p:nvPr/>
+        </p:nvSpPr>
+        <p:spPr>
+          <a:xfrm>
+            <a:off x="2938175" y="2964588"/>
+            <a:ext cx="431528" cy="369332"/>
+          </a:xfrm>
+          <a:prstGeom prst="rect">
+            <a:avLst/>
+          </a:prstGeom>
+          <a:noFill/>
+        </p:spPr>
+        <p:txBody>
+          <a:bodyPr wrap="none" rtlCol="0">
+            <a:spAutoFit/>
+          </a:bodyPr>
+          <a:lstStyle/>
+          <a:p>
+            <a:r>
+              <a:rPr lang="en-US" dirty="0"/>
+              <a:t>20</a:t>
+            </a:r>
+          </a:p>
+        </p:txBody>
+      </p:sp>
+      <p:sp>
+        <p:nvSpPr>
+          <p:cNvPr id="31" name="TextBox 30">
+            <a:extLst>
+              <a:ext uri="{FF2B5EF4-FFF2-40B4-BE49-F238E27FC236}">
+                <a16:creationId xmlns:a16="http://schemas.microsoft.com/office/drawing/2014/main" id="{ABF85A66-5D44-8D4E-7646-F5243B173C90}"/>
+              </a:ext>
+            </a:extLst>
+          </p:cNvPr>
+          <p:cNvSpPr txBox="1"/>
+          <p:nvPr/>
+        </p:nvSpPr>
+        <p:spPr>
+          <a:xfrm>
+            <a:off x="4293317" y="2964588"/>
+            <a:ext cx="308098" cy="369332"/>
+          </a:xfrm>
+          <a:prstGeom prst="rect">
+            <a:avLst/>
+          </a:prstGeom>
+          <a:noFill/>
+        </p:spPr>
+        <p:txBody>
+          <a:bodyPr wrap="none" rtlCol="0">
+            <a:spAutoFit/>
+          </a:bodyPr>
+          <a:lstStyle/>
+          <a:p>
+            <a:r>
+              <a:rPr lang="en-US" dirty="0"/>
+              <a:t>3</a:t>
+            </a:r>
+          </a:p>
+        </p:txBody>
+      </p:sp>
+      <p:cxnSp>
+        <p:nvCxnSpPr>
+          <p:cNvPr id="35" name="Straight Arrow Connector 34">
+            <a:extLst>
+              <a:ext uri="{FF2B5EF4-FFF2-40B4-BE49-F238E27FC236}">
+                <a16:creationId xmlns:a16="http://schemas.microsoft.com/office/drawing/2014/main" id="{D1A17FC9-4088-A07C-C9EE-41DD68923204}"/>
+              </a:ext>
+            </a:extLst>
+          </p:cNvPr>
+          <p:cNvCxnSpPr/>
+          <p:nvPr/>
+        </p:nvCxnSpPr>
+        <p:spPr>
+          <a:xfrm flipV="1">
+            <a:off x="7379936" y="2290046"/>
+            <a:ext cx="0" cy="2006825"/>
+          </a:xfrm>
+          <a:prstGeom prst="straightConnector1">
+            <a:avLst/>
+          </a:prstGeom>
+          <a:ln>
+            <a:tailEnd type="triangle"/>
+          </a:ln>
+        </p:spPr>
+        <p:style>
+          <a:lnRef idx="2">
+            <a:schemeClr val="accent4"/>
+          </a:lnRef>
+          <a:fillRef idx="0">
+            <a:schemeClr val="accent4"/>
+          </a:fillRef>
+          <a:effectRef idx="1">
+            <a:schemeClr val="accent4"/>
+          </a:effectRef>
+          <a:fontRef idx="minor">
+            <a:schemeClr val="tx1"/>
+          </a:fontRef>
+        </p:style>
+      </p:cxnSp>
+      <p:sp>
+        <p:nvSpPr>
+          <p:cNvPr id="37" name="TextBox 36">
+            <a:extLst>
+              <a:ext uri="{FF2B5EF4-FFF2-40B4-BE49-F238E27FC236}">
+                <a16:creationId xmlns:a16="http://schemas.microsoft.com/office/drawing/2014/main" id="{1C7D79B1-A68C-96C1-AD26-6E1BFE6C4CEC}"/>
+              </a:ext>
+            </a:extLst>
+          </p:cNvPr>
+          <p:cNvSpPr txBox="1"/>
+          <p:nvPr/>
+        </p:nvSpPr>
+        <p:spPr>
+          <a:xfrm rot="16200000">
+            <a:off x="6781126" y="3149253"/>
+            <a:ext cx="651717" cy="369332"/>
+          </a:xfrm>
+          <a:prstGeom prst="rect">
+            <a:avLst/>
+          </a:prstGeom>
+          <a:noFill/>
+        </p:spPr>
+        <p:txBody>
+          <a:bodyPr wrap="none" rtlCol="0">
+            <a:spAutoFit/>
+          </a:bodyPr>
+          <a:lstStyle/>
+          <a:p>
+            <a:r>
+              <a:rPr lang="en-US" dirty="0"/>
+              <a:t>Loss</a:t>
+            </a:r>
+          </a:p>
+        </p:txBody>
+      </p:sp>
+      <p:cxnSp>
+        <p:nvCxnSpPr>
+          <p:cNvPr id="38" name="Straight Arrow Connector 37">
+            <a:extLst>
+              <a:ext uri="{FF2B5EF4-FFF2-40B4-BE49-F238E27FC236}">
+                <a16:creationId xmlns:a16="http://schemas.microsoft.com/office/drawing/2014/main" id="{60E62F1C-B1B6-5B80-CD99-590B28A4DBD2}"/>
+              </a:ext>
+            </a:extLst>
+          </p:cNvPr>
+          <p:cNvCxnSpPr>
+            <a:cxnSpLocks/>
+          </p:cNvCxnSpPr>
+          <p:nvPr/>
+        </p:nvCxnSpPr>
+        <p:spPr>
+          <a:xfrm>
+            <a:off x="7379936" y="4296871"/>
+            <a:ext cx="1991990" cy="0"/>
+          </a:xfrm>
+          <a:prstGeom prst="straightConnector1">
+            <a:avLst/>
+          </a:prstGeom>
+          <a:ln>
+            <a:tailEnd type="triangle"/>
+          </a:ln>
+        </p:spPr>
+        <p:style>
+          <a:lnRef idx="2">
+            <a:schemeClr val="accent4"/>
+          </a:lnRef>
+          <a:fillRef idx="0">
+            <a:schemeClr val="accent4"/>
+          </a:fillRef>
+          <a:effectRef idx="1">
+            <a:schemeClr val="accent4"/>
+          </a:effectRef>
+          <a:fontRef idx="minor">
+            <a:schemeClr val="tx1"/>
+          </a:fontRef>
+        </p:style>
+      </p:cxnSp>
+      <p:sp>
+        <p:nvSpPr>
+          <p:cNvPr id="40" name="TextBox 39">
+            <a:extLst>
+              <a:ext uri="{FF2B5EF4-FFF2-40B4-BE49-F238E27FC236}">
+                <a16:creationId xmlns:a16="http://schemas.microsoft.com/office/drawing/2014/main" id="{3E168377-A22F-3D39-A8D8-498EB288B7F3}"/>
+              </a:ext>
+            </a:extLst>
+          </p:cNvPr>
+          <p:cNvSpPr txBox="1"/>
+          <p:nvPr/>
+        </p:nvSpPr>
+        <p:spPr>
+          <a:xfrm>
+            <a:off x="8658478" y="4377791"/>
+            <a:ext cx="1312924" cy="369332"/>
+          </a:xfrm>
+          <a:prstGeom prst="rect">
+            <a:avLst/>
+          </a:prstGeom>
+          <a:noFill/>
+        </p:spPr>
+        <p:txBody>
+          <a:bodyPr wrap="none" rtlCol="0">
+            <a:spAutoFit/>
+          </a:bodyPr>
+          <a:lstStyle/>
+          <a:p>
+            <a:r>
+              <a:rPr lang="en-US" dirty="0"/>
+              <a:t>Complexity</a:t>
+            </a:r>
+          </a:p>
+        </p:txBody>
+      </p:sp>
+      <mc:AlternateContent xmlns:mc="http://schemas.openxmlformats.org/markup-compatibility/2006">
+        <mc:Choice xmlns:a14="http://schemas.microsoft.com/office/drawing/2010/main" Requires="a14">
+          <p:sp>
+            <p:nvSpPr>
+              <p:cNvPr id="44" name="TextBox 43">
+                <a:extLst>
+                  <a:ext uri="{FF2B5EF4-FFF2-40B4-BE49-F238E27FC236}">
+                    <a16:creationId xmlns:a16="http://schemas.microsoft.com/office/drawing/2014/main" id="{140E6585-D7B3-CB6F-B4F7-07B4E31FACA7}"/>
+                  </a:ext>
+                </a:extLst>
+              </p:cNvPr>
+              <p:cNvSpPr txBox="1"/>
+              <p:nvPr/>
+            </p:nvSpPr>
+            <p:spPr>
+              <a:xfrm>
+                <a:off x="7517329" y="2414022"/>
+                <a:ext cx="211596" cy="276999"/>
+              </a:xfrm>
+              <a:prstGeom prst="rect">
+                <a:avLst/>
+              </a:prstGeom>
+              <a:noFill/>
+            </p:spPr>
+            <p:txBody>
+              <a:bodyPr wrap="none" lIns="0" tIns="0" rIns="0" bIns="0" rtlCol="0">
+                <a:spAutoFit/>
+              </a:bodyPr>
+              <a:lstStyle/>
+              <a:p>
+                <a14:m>
+                  <m:oMathPara xmlns:m="http://schemas.openxmlformats.org/officeDocument/2006/math">
+                    <m:oMathParaPr>
+                      <m:jc m:val="centerGroup"/>
+                    </m:oMathParaPr>
+                    <m:oMath xmlns:m="http://schemas.openxmlformats.org/officeDocument/2006/math">
+                      <m:r>
+                        <a:rPr lang="en-GB" b="0" i="1" smtClean="0">
+                          <a:latin typeface="Cambria Math" panose="02040503050406030204" pitchFamily="18" charset="0"/>
+                        </a:rPr>
+                        <m:t>×</m:t>
+                      </m:r>
+                    </m:oMath>
+                  </m:oMathPara>
+                </a14:m>
+                <a:endParaRPr lang="en-US" dirty="0"/>
+              </a:p>
+            </p:txBody>
+          </p:sp>
+        </mc:Choice>
+        <mc:Fallback>
+          <p:sp>
+            <p:nvSpPr>
+              <p:cNvPr id="44" name="TextBox 43">
+                <a:extLst>
+                  <a:ext uri="{FF2B5EF4-FFF2-40B4-BE49-F238E27FC236}">
+                    <a16:creationId xmlns:a16="http://schemas.microsoft.com/office/drawing/2014/main" id="{140E6585-D7B3-CB6F-B4F7-07B4E31FACA7}"/>
+                  </a:ext>
+                </a:extLst>
+              </p:cNvPr>
+              <p:cNvSpPr txBox="1">
+                <a:spLocks noRot="1" noChangeAspect="1" noMove="1" noResize="1" noEditPoints="1" noAdjustHandles="1" noChangeArrowheads="1" noChangeShapeType="1" noTextEdit="1"/>
+              </p:cNvSpPr>
+              <p:nvPr/>
+            </p:nvSpPr>
+            <p:spPr>
+              <a:xfrm>
+                <a:off x="7517329" y="2414022"/>
+                <a:ext cx="211596" cy="276999"/>
+              </a:xfrm>
+              <a:prstGeom prst="rect">
+                <a:avLst/>
+              </a:prstGeom>
+              <a:blipFill>
+                <a:blip r:embed="rId6"/>
+                <a:stretch>
+                  <a:fillRect l="-16667" r="-16667" b="-4545"/>
+                </a:stretch>
+              </a:blipFill>
+            </p:spPr>
+            <p:txBody>
+              <a:bodyPr/>
+              <a:lstStyle/>
+              <a:p>
+                <a:r>
+                  <a:rPr lang="en-US">
+                    <a:noFill/>
+                  </a:rPr>
+                  <a:t> </a:t>
+                </a:r>
+              </a:p>
+            </p:txBody>
+          </p:sp>
+        </mc:Fallback>
+      </mc:AlternateContent>
+      <mc:AlternateContent xmlns:mc="http://schemas.openxmlformats.org/markup-compatibility/2006">
+        <mc:Choice xmlns:a14="http://schemas.microsoft.com/office/drawing/2010/main" Requires="a14">
+          <p:sp>
+            <p:nvSpPr>
+              <p:cNvPr id="45" name="TextBox 44">
+                <a:extLst>
+                  <a:ext uri="{FF2B5EF4-FFF2-40B4-BE49-F238E27FC236}">
+                    <a16:creationId xmlns:a16="http://schemas.microsoft.com/office/drawing/2014/main" id="{37C340EF-F7BE-A0C4-BD47-F68A40969415}"/>
+                  </a:ext>
+                </a:extLst>
+              </p:cNvPr>
+              <p:cNvSpPr txBox="1"/>
+              <p:nvPr/>
+            </p:nvSpPr>
+            <p:spPr>
+              <a:xfrm>
+                <a:off x="7866317" y="2687589"/>
+                <a:ext cx="211596" cy="276999"/>
+              </a:xfrm>
+              <a:prstGeom prst="rect">
+                <a:avLst/>
+              </a:prstGeom>
+              <a:noFill/>
+            </p:spPr>
+            <p:txBody>
+              <a:bodyPr wrap="none" lIns="0" tIns="0" rIns="0" bIns="0" rtlCol="0">
+                <a:spAutoFit/>
+              </a:bodyPr>
+              <a:lstStyle/>
+              <a:p>
+                <a14:m>
+                  <m:oMathPara xmlns:m="http://schemas.openxmlformats.org/officeDocument/2006/math">
+                    <m:oMathParaPr>
+                      <m:jc m:val="centerGroup"/>
+                    </m:oMathParaPr>
+                    <m:oMath xmlns:m="http://schemas.openxmlformats.org/officeDocument/2006/math">
+                      <m:r>
+                        <a:rPr lang="en-GB" b="0" i="1" smtClean="0">
+                          <a:latin typeface="Cambria Math" panose="02040503050406030204" pitchFamily="18" charset="0"/>
+                        </a:rPr>
+                        <m:t>×</m:t>
+                      </m:r>
+                    </m:oMath>
+                  </m:oMathPara>
+                </a14:m>
+                <a:endParaRPr lang="en-US" dirty="0"/>
+              </a:p>
+            </p:txBody>
+          </p:sp>
+        </mc:Choice>
+        <mc:Fallback>
+          <p:sp>
+            <p:nvSpPr>
+              <p:cNvPr id="45" name="TextBox 44">
+                <a:extLst>
+                  <a:ext uri="{FF2B5EF4-FFF2-40B4-BE49-F238E27FC236}">
+                    <a16:creationId xmlns:a16="http://schemas.microsoft.com/office/drawing/2014/main" id="{37C340EF-F7BE-A0C4-BD47-F68A40969415}"/>
+                  </a:ext>
+                </a:extLst>
+              </p:cNvPr>
+              <p:cNvSpPr txBox="1">
+                <a:spLocks noRot="1" noChangeAspect="1" noMove="1" noResize="1" noEditPoints="1" noAdjustHandles="1" noChangeArrowheads="1" noChangeShapeType="1" noTextEdit="1"/>
+              </p:cNvSpPr>
+              <p:nvPr/>
+            </p:nvSpPr>
+            <p:spPr>
+              <a:xfrm>
+                <a:off x="7866317" y="2687589"/>
+                <a:ext cx="211596" cy="276999"/>
+              </a:xfrm>
+              <a:prstGeom prst="rect">
+                <a:avLst/>
+              </a:prstGeom>
+              <a:blipFill>
+                <a:blip r:embed="rId7"/>
+                <a:stretch>
+                  <a:fillRect l="-23529" r="-23529"/>
+                </a:stretch>
+              </a:blipFill>
+            </p:spPr>
+            <p:txBody>
+              <a:bodyPr/>
+              <a:lstStyle/>
+              <a:p>
+                <a:r>
+                  <a:rPr lang="en-US">
+                    <a:noFill/>
+                  </a:rPr>
+                  <a:t> </a:t>
+                </a:r>
+              </a:p>
+            </p:txBody>
+          </p:sp>
+        </mc:Fallback>
+      </mc:AlternateContent>
+      <mc:AlternateContent xmlns:mc="http://schemas.openxmlformats.org/markup-compatibility/2006">
+        <mc:Choice xmlns:a14="http://schemas.microsoft.com/office/drawing/2010/main" Requires="a14">
+          <p:sp>
+            <p:nvSpPr>
+              <p:cNvPr id="46" name="TextBox 45">
+                <a:extLst>
+                  <a:ext uri="{FF2B5EF4-FFF2-40B4-BE49-F238E27FC236}">
+                    <a16:creationId xmlns:a16="http://schemas.microsoft.com/office/drawing/2014/main" id="{7F5421CE-80EC-8D57-0A2F-3F8E14FADE55}"/>
+                  </a:ext>
+                </a:extLst>
+              </p:cNvPr>
+              <p:cNvSpPr txBox="1"/>
+              <p:nvPr/>
+            </p:nvSpPr>
+            <p:spPr>
+              <a:xfrm>
+                <a:off x="8164335" y="3802669"/>
+                <a:ext cx="211596" cy="276999"/>
+              </a:xfrm>
+              <a:prstGeom prst="rect">
+                <a:avLst/>
+              </a:prstGeom>
+              <a:noFill/>
+            </p:spPr>
+            <p:txBody>
+              <a:bodyPr wrap="none" lIns="0" tIns="0" rIns="0" bIns="0" rtlCol="0">
+                <a:spAutoFit/>
+              </a:bodyPr>
+              <a:lstStyle/>
+              <a:p>
+                <a14:m>
+                  <m:oMathPara xmlns:m="http://schemas.openxmlformats.org/officeDocument/2006/math">
+                    <m:oMathParaPr>
+                      <m:jc m:val="centerGroup"/>
+                    </m:oMathParaPr>
+                    <m:oMath xmlns:m="http://schemas.openxmlformats.org/officeDocument/2006/math">
+                      <m:r>
+                        <a:rPr lang="en-GB" b="0" i="1" smtClean="0">
+                          <a:latin typeface="Cambria Math" panose="02040503050406030204" pitchFamily="18" charset="0"/>
+                        </a:rPr>
+                        <m:t>×</m:t>
+                      </m:r>
+                    </m:oMath>
+                  </m:oMathPara>
+                </a14:m>
+                <a:endParaRPr lang="en-US" dirty="0"/>
+              </a:p>
+            </p:txBody>
+          </p:sp>
+        </mc:Choice>
+        <mc:Fallback>
+          <p:sp>
+            <p:nvSpPr>
+              <p:cNvPr id="46" name="TextBox 45">
+                <a:extLst>
+                  <a:ext uri="{FF2B5EF4-FFF2-40B4-BE49-F238E27FC236}">
+                    <a16:creationId xmlns:a16="http://schemas.microsoft.com/office/drawing/2014/main" id="{7F5421CE-80EC-8D57-0A2F-3F8E14FADE55}"/>
+                  </a:ext>
+                </a:extLst>
+              </p:cNvPr>
+              <p:cNvSpPr txBox="1">
+                <a:spLocks noRot="1" noChangeAspect="1" noMove="1" noResize="1" noEditPoints="1" noAdjustHandles="1" noChangeArrowheads="1" noChangeShapeType="1" noTextEdit="1"/>
+              </p:cNvSpPr>
+              <p:nvPr/>
+            </p:nvSpPr>
+            <p:spPr>
+              <a:xfrm>
+                <a:off x="8164335" y="3802669"/>
+                <a:ext cx="211596" cy="276999"/>
+              </a:xfrm>
+              <a:prstGeom prst="rect">
+                <a:avLst/>
+              </a:prstGeom>
+              <a:blipFill>
+                <a:blip r:embed="rId8"/>
+                <a:stretch>
+                  <a:fillRect l="-16667" r="-16667"/>
+                </a:stretch>
+              </a:blipFill>
+            </p:spPr>
+            <p:txBody>
+              <a:bodyPr/>
+              <a:lstStyle/>
+              <a:p>
+                <a:r>
+                  <a:rPr lang="en-US">
+                    <a:noFill/>
+                  </a:rPr>
+                  <a:t> </a:t>
+                </a:r>
+              </a:p>
+            </p:txBody>
+          </p:sp>
+        </mc:Fallback>
+      </mc:AlternateContent>
+      <mc:AlternateContent xmlns:mc="http://schemas.openxmlformats.org/markup-compatibility/2006">
+        <mc:Choice xmlns:a14="http://schemas.microsoft.com/office/drawing/2010/main" Requires="a14">
+          <p:sp>
+            <p:nvSpPr>
+              <p:cNvPr id="48" name="TextBox 47">
+                <a:extLst>
+                  <a:ext uri="{FF2B5EF4-FFF2-40B4-BE49-F238E27FC236}">
+                    <a16:creationId xmlns:a16="http://schemas.microsoft.com/office/drawing/2014/main" id="{F2F3254E-6659-1A85-B9A5-E41D2C050DD0}"/>
+                  </a:ext>
+                </a:extLst>
+              </p:cNvPr>
+              <p:cNvSpPr txBox="1"/>
+              <p:nvPr/>
+            </p:nvSpPr>
+            <p:spPr>
+              <a:xfrm>
+                <a:off x="1192925" y="4700347"/>
+                <a:ext cx="3875355" cy="520463"/>
+              </a:xfrm>
+              <a:prstGeom prst="rect">
+                <a:avLst/>
+              </a:prstGeom>
+              <a:noFill/>
+            </p:spPr>
+            <p:txBody>
+              <a:bodyPr wrap="none" lIns="0" tIns="0" rIns="0" bIns="0" rtlCol="0">
+                <a:spAutoFit/>
+              </a:bodyPr>
+              <a:lstStyle/>
+              <a:p>
+                <a14:m>
+                  <m:oMathPara xmlns:m="http://schemas.openxmlformats.org/officeDocument/2006/math">
+                    <m:oMathParaPr>
+                      <m:jc m:val="centerGroup"/>
+                    </m:oMathParaPr>
+                    <m:oMath xmlns:m="http://schemas.openxmlformats.org/officeDocument/2006/math">
+                      <m:r>
+                        <a:rPr lang="en-GB" b="0" i="1" smtClean="0">
+                          <a:latin typeface="Cambria Math" panose="02040503050406030204" pitchFamily="18" charset="0"/>
+                        </a:rPr>
+                        <m:t>𝑏𝑒𝑠𝑡</m:t>
+                      </m:r>
+                      <m:r>
+                        <a:rPr lang="en-GB" b="0" i="1" smtClean="0">
+                          <a:latin typeface="Cambria Math" panose="02040503050406030204" pitchFamily="18" charset="0"/>
+                        </a:rPr>
+                        <m:t> </m:t>
+                      </m:r>
+                      <m:r>
+                        <a:rPr lang="en-GB" b="0" i="1" smtClean="0">
+                          <a:latin typeface="Cambria Math" panose="02040503050406030204" pitchFamily="18" charset="0"/>
+                        </a:rPr>
+                        <m:t>𝑚𝑜𝑑𝑒𝑙</m:t>
+                      </m:r>
+                      <m:r>
+                        <a:rPr lang="en-GB" b="0" i="1" smtClean="0">
+                          <a:latin typeface="Cambria Math" panose="02040503050406030204" pitchFamily="18" charset="0"/>
+                        </a:rPr>
+                        <m:t>= </m:t>
+                      </m:r>
+                      <m:r>
+                        <a:rPr lang="en-GB" b="0" i="1" smtClean="0">
+                          <a:latin typeface="Cambria Math" panose="02040503050406030204" pitchFamily="18" charset="0"/>
+                        </a:rPr>
+                        <m:t>𝑎𝑟𝑔𝑚𝑎</m:t>
+                      </m:r>
+                      <m:sSub>
+                        <m:sSubPr>
+                          <m:ctrlPr>
+                            <a:rPr lang="en-GB" b="0" i="1" smtClean="0">
+                              <a:latin typeface="Cambria Math" panose="02040503050406030204" pitchFamily="18" charset="0"/>
+                            </a:rPr>
+                          </m:ctrlPr>
+                        </m:sSubPr>
+                        <m:e>
+                          <m:r>
+                            <a:rPr lang="en-GB" b="0" i="1" smtClean="0">
+                              <a:latin typeface="Cambria Math" panose="02040503050406030204" pitchFamily="18" charset="0"/>
+                            </a:rPr>
+                            <m:t>𝑥</m:t>
+                          </m:r>
+                        </m:e>
+                        <m:sub>
+                          <m:d>
+                            <m:dPr>
+                              <m:begChr m:val="{"/>
+                              <m:endChr m:val="}"/>
+                              <m:ctrlPr>
+                                <a:rPr lang="en-GB" b="0" i="1" smtClean="0">
+                                  <a:latin typeface="Cambria Math" panose="02040503050406030204" pitchFamily="18" charset="0"/>
+                                </a:rPr>
+                              </m:ctrlPr>
+                            </m:dPr>
+                            <m:e>
+                              <m:r>
+                                <a:rPr lang="en-GB" b="0" i="1" smtClean="0">
+                                  <a:latin typeface="Cambria Math" panose="02040503050406030204" pitchFamily="18" charset="0"/>
+                                </a:rPr>
+                                <m:t>𝑚𝑜𝑑𝑒𝑙</m:t>
+                              </m:r>
+                            </m:e>
+                          </m:d>
+                        </m:sub>
+                      </m:sSub>
+                      <m:r>
+                        <a:rPr lang="en-GB" b="0" i="1" smtClean="0">
+                          <a:latin typeface="Cambria Math" panose="02040503050406030204" pitchFamily="18" charset="0"/>
+                        </a:rPr>
+                        <m:t>(</m:t>
+                      </m:r>
+                      <m:f>
+                        <m:fPr>
+                          <m:ctrlPr>
+                            <a:rPr lang="en-GB" b="0" i="1" smtClean="0">
+                              <a:latin typeface="Cambria Math" panose="02040503050406030204" pitchFamily="18" charset="0"/>
+                            </a:rPr>
+                          </m:ctrlPr>
+                        </m:fPr>
+                        <m:num>
+                          <m:r>
+                            <m:rPr>
+                              <m:sty m:val="p"/>
+                            </m:rPr>
+                            <a:rPr lang="en-GB" b="0" i="0" smtClean="0">
+                              <a:latin typeface="Cambria Math" panose="02040503050406030204" pitchFamily="18" charset="0"/>
+                            </a:rPr>
+                            <m:t>Δ</m:t>
+                          </m:r>
+                          <m:r>
+                            <a:rPr lang="en-GB" b="0" i="1" smtClean="0">
+                              <a:latin typeface="Cambria Math" panose="02040503050406030204" pitchFamily="18" charset="0"/>
+                            </a:rPr>
+                            <m:t>𝐿𝑜𝑠𝑠</m:t>
+                          </m:r>
+                        </m:num>
+                        <m:den>
+                          <m:r>
+                            <m:rPr>
+                              <m:sty m:val="p"/>
+                            </m:rPr>
+                            <a:rPr lang="en-GB" b="0" i="0" smtClean="0">
+                              <a:latin typeface="Cambria Math" panose="02040503050406030204" pitchFamily="18" charset="0"/>
+                            </a:rPr>
+                            <m:t>Δ</m:t>
+                          </m:r>
+                          <m:r>
+                            <a:rPr lang="en-GB" b="0" i="1" smtClean="0">
+                              <a:latin typeface="Cambria Math" panose="02040503050406030204" pitchFamily="18" charset="0"/>
+                            </a:rPr>
+                            <m:t>𝑐</m:t>
+                          </m:r>
+                        </m:den>
+                      </m:f>
+                      <m:r>
+                        <a:rPr lang="en-GB" b="0" i="1" smtClean="0">
+                          <a:latin typeface="Cambria Math" panose="02040503050406030204" pitchFamily="18" charset="0"/>
+                        </a:rPr>
+                        <m:t>)</m:t>
+                      </m:r>
+                    </m:oMath>
+                  </m:oMathPara>
+                </a14:m>
+                <a:endParaRPr lang="en-US" dirty="0"/>
+              </a:p>
+            </p:txBody>
+          </p:sp>
+        </mc:Choice>
+        <mc:Fallback>
+          <p:sp>
+            <p:nvSpPr>
+              <p:cNvPr id="48" name="TextBox 47">
+                <a:extLst>
+                  <a:ext uri="{FF2B5EF4-FFF2-40B4-BE49-F238E27FC236}">
+                    <a16:creationId xmlns:a16="http://schemas.microsoft.com/office/drawing/2014/main" id="{F2F3254E-6659-1A85-B9A5-E41D2C050DD0}"/>
+                  </a:ext>
+                </a:extLst>
+              </p:cNvPr>
+              <p:cNvSpPr txBox="1">
+                <a:spLocks noRot="1" noChangeAspect="1" noMove="1" noResize="1" noEditPoints="1" noAdjustHandles="1" noChangeArrowheads="1" noChangeShapeType="1" noTextEdit="1"/>
+              </p:cNvSpPr>
+              <p:nvPr/>
+            </p:nvSpPr>
+            <p:spPr>
+              <a:xfrm>
+                <a:off x="1192925" y="4700347"/>
+                <a:ext cx="3875355" cy="520463"/>
+              </a:xfrm>
+              <a:prstGeom prst="rect">
+                <a:avLst/>
+              </a:prstGeom>
+              <a:blipFill>
+                <a:blip r:embed="rId9"/>
+                <a:stretch>
+                  <a:fillRect l="-656" t="-4878" r="-1311" b="-14634"/>
+                </a:stretch>
+              </a:blipFill>
+            </p:spPr>
+            <p:txBody>
+              <a:bodyPr/>
+              <a:lstStyle/>
+              <a:p>
+                <a:r>
+                  <a:rPr lang="en-US">
+                    <a:noFill/>
+                  </a:rPr>
+                  <a:t> </a:t>
+                </a:r>
+              </a:p>
+            </p:txBody>
+          </p:sp>
+        </mc:Fallback>
+      </mc:AlternateContent>
+      <p:sp>
+        <p:nvSpPr>
+          <p:cNvPr id="58" name="Triangle 57">
+            <a:extLst>
+              <a:ext uri="{FF2B5EF4-FFF2-40B4-BE49-F238E27FC236}">
+                <a16:creationId xmlns:a16="http://schemas.microsoft.com/office/drawing/2014/main" id="{F692678F-6F5A-F2CC-D8EB-4512FB478E6C}"/>
+              </a:ext>
+            </a:extLst>
+          </p:cNvPr>
+          <p:cNvSpPr/>
+          <p:nvPr/>
+        </p:nvSpPr>
+        <p:spPr>
+          <a:xfrm rot="10800000">
+            <a:off x="7972114" y="2837959"/>
+            <a:ext cx="298019" cy="1082867"/>
+          </a:xfrm>
+          <a:prstGeom prst="triangle">
+            <a:avLst>
+              <a:gd name="adj" fmla="val 0"/>
+            </a:avLst>
+          </a:prstGeom>
+          <a:solidFill>
+            <a:srgbClr val="E97132">
+              <a:alpha val="38824"/>
+            </a:srgbClr>
+          </a:solidFill>
+          <a:ln>
+            <a:solidFill>
+              <a:schemeClr val="accent6"/>
+            </a:solidFill>
+            <a:prstDash val="dash"/>
+          </a:ln>
+        </p:spPr>
+        <p:style>
+          <a:lnRef idx="2">
+            <a:schemeClr val="accent6">
+              <a:shade val="15000"/>
+            </a:schemeClr>
+          </a:lnRef>
+          <a:fillRef idx="1">
+            <a:schemeClr val="accent6"/>
+          </a:fillRef>
+          <a:effectRef idx="0">
+            <a:schemeClr val="accent6"/>
+          </a:effectRef>
+          <a:fontRef idx="minor">
+            <a:schemeClr val="lt1"/>
+          </a:fontRef>
+        </p:style>
+        <p:txBody>
+          <a:bodyPr rtlCol="0" anchor="ctr"/>
+          <a:lstStyle/>
+          <a:p>
+            <a:pPr algn="ctr"/>
+            <a:endParaRPr lang="en-US" dirty="0"/>
+          </a:p>
+        </p:txBody>
+      </p:sp>
+      <p:sp>
+        <p:nvSpPr>
+          <p:cNvPr id="59" name="TextBox 58">
+            <a:extLst>
+              <a:ext uri="{FF2B5EF4-FFF2-40B4-BE49-F238E27FC236}">
+                <a16:creationId xmlns:a16="http://schemas.microsoft.com/office/drawing/2014/main" id="{58C96323-701C-19DC-1B13-7ED8B248D701}"/>
+              </a:ext>
+            </a:extLst>
+          </p:cNvPr>
+          <p:cNvSpPr txBox="1"/>
+          <p:nvPr/>
+        </p:nvSpPr>
+        <p:spPr>
+          <a:xfrm>
+            <a:off x="8578920" y="3429000"/>
+            <a:ext cx="1586012" cy="369332"/>
+          </a:xfrm>
+          <a:prstGeom prst="rect">
+            <a:avLst/>
+          </a:prstGeom>
+          <a:noFill/>
+        </p:spPr>
+        <p:txBody>
+          <a:bodyPr wrap="none" rtlCol="0">
+            <a:spAutoFit/>
+          </a:bodyPr>
+          <a:lstStyle/>
+          <a:p>
+            <a:r>
+              <a:rPr lang="en-US" dirty="0"/>
+              <a:t>Sharpest drop</a:t>
+            </a:r>
+          </a:p>
+        </p:txBody>
+      </p:sp>
+      <p:sp>
+        <p:nvSpPr>
+          <p:cNvPr id="60" name="Doughnut 59">
+            <a:extLst>
+              <a:ext uri="{FF2B5EF4-FFF2-40B4-BE49-F238E27FC236}">
+                <a16:creationId xmlns:a16="http://schemas.microsoft.com/office/drawing/2014/main" id="{38331FB3-7C11-C3F0-496F-DB3F23820100}"/>
+              </a:ext>
+            </a:extLst>
+          </p:cNvPr>
+          <p:cNvSpPr/>
+          <p:nvPr/>
+        </p:nvSpPr>
+        <p:spPr>
+          <a:xfrm>
+            <a:off x="425451" y="2867672"/>
+            <a:ext cx="5580408" cy="655691"/>
+          </a:xfrm>
+          <a:prstGeom prst="donut">
+            <a:avLst>
+              <a:gd name="adj" fmla="val 1428"/>
+            </a:avLst>
+          </a:prstGeom>
+          <a:solidFill>
+            <a:srgbClr val="FF0059"/>
+          </a:solidFill>
+          <a:ln>
+            <a:solidFill>
+              <a:srgbClr val="FF0059"/>
+            </a:solidFill>
+          </a:ln>
+        </p:spPr>
+        <p:style>
+          <a:lnRef idx="2">
+            <a:schemeClr val="accent1">
+              <a:shade val="15000"/>
+            </a:schemeClr>
+          </a:lnRef>
+          <a:fillRef idx="1">
+            <a:schemeClr val="accent1"/>
+          </a:fillRef>
+          <a:effectRef idx="0">
+            <a:schemeClr val="accent1"/>
+          </a:effectRef>
+          <a:fontRef idx="minor">
+            <a:schemeClr val="lt1"/>
+          </a:fontRef>
+        </p:style>
+        <p:txBody>
+          <a:bodyPr rtlCol="0" anchor="ctr"/>
+          <a:lstStyle/>
+          <a:p>
+            <a:pPr algn="ctr"/>
+            <a:endParaRPr lang="en-US">
+              <a:solidFill>
+                <a:schemeClr val="tx1"/>
+              </a:solidFill>
+            </a:endParaRPr>
+          </a:p>
+        </p:txBody>
+      </p:sp>
+    </p:spTree>
+    <p:extLst>
+      <p:ext uri="{BB962C8B-B14F-4D97-AF65-F5344CB8AC3E}">
+        <p14:creationId xmlns:p14="http://schemas.microsoft.com/office/powerpoint/2010/main" val="2579556432"/>
+      </p:ext>
+    </p:extLst>
+  </p:cSld>
+  <p:clrMapOvr>
+    <a:masterClrMapping/>
+  </p:clrMapOvr>
+  <p:timing>
+    <p:tnLst>
+      <p:par>
+        <p:cTn id="1" dur="indefinite" restart="never" nodeType="tmRoot">
+          <p:childTnLst>
+            <p:seq concurrent="1" nextAc="seek">
+              <p:cTn id="2" dur="indefinite" nodeType="mainSeq">
+                <p:childTnLst>
+                  <p:par>
+                    <p:cTn id="3" fill="hold">
+                      <p:stCondLst>
+                        <p:cond delay="indefinite"/>
+                      </p:stCondLst>
+                      <p:childTnLst>
+                        <p:par>
+                          <p:cTn id="4" fill="hold">
+                            <p:stCondLst>
+                              <p:cond delay="0"/>
+                            </p:stCondLst>
+                            <p:childTnLst>
+                              <p:par>
+                                <p:cTn id="5" presetID="1" presetClass="entr" presetSubtype="0" fill="hold" grpId="0" nodeType="clickEffect">
+                                  <p:stCondLst>
+                                    <p:cond delay="0"/>
+                                  </p:stCondLst>
+                                  <p:childTnLst>
+                                    <p:set>
+                                      <p:cBhvr>
+                                        <p:cTn id="6" dur="1" fill="hold">
+                                          <p:stCondLst>
+                                            <p:cond delay="0"/>
+                                          </p:stCondLst>
+                                        </p:cTn>
+                                        <p:tgtEl>
+                                          <p:spTgt spid="2"/>
+                                        </p:tgtEl>
+                                        <p:attrNameLst>
+                                          <p:attrName>style.visibility</p:attrName>
+                                        </p:attrNameLst>
+                                      </p:cBhvr>
+                                      <p:to>
+                                        <p:strVal val="visible"/>
+                                      </p:to>
+                                    </p:set>
+                                  </p:childTnLst>
+                                </p:cTn>
+                              </p:par>
+                              <p:par>
+                                <p:cTn id="7" presetID="1" presetClass="entr" presetSubtype="0" fill="hold" grpId="0" nodeType="withEffect">
+                                  <p:stCondLst>
+                                    <p:cond delay="0"/>
+                                  </p:stCondLst>
+                                  <p:childTnLst>
+                                    <p:set>
+                                      <p:cBhvr>
+                                        <p:cTn id="8" dur="1" fill="hold">
+                                          <p:stCondLst>
+                                            <p:cond delay="0"/>
+                                          </p:stCondLst>
+                                        </p:cTn>
+                                        <p:tgtEl>
+                                          <p:spTgt spid="22"/>
+                                        </p:tgtEl>
+                                        <p:attrNameLst>
+                                          <p:attrName>style.visibility</p:attrName>
+                                        </p:attrNameLst>
+                                      </p:cBhvr>
+                                      <p:to>
+                                        <p:strVal val="visible"/>
+                                      </p:to>
+                                    </p:set>
+                                  </p:childTnLst>
+                                </p:cTn>
+                              </p:par>
+                              <p:par>
+                                <p:cTn id="9" presetID="1" presetClass="entr" presetSubtype="0" fill="hold" grpId="0" nodeType="withEffect">
+                                  <p:stCondLst>
+                                    <p:cond delay="0"/>
+                                  </p:stCondLst>
+                                  <p:childTnLst>
+                                    <p:set>
+                                      <p:cBhvr>
+                                        <p:cTn id="10" dur="1" fill="hold">
+                                          <p:stCondLst>
+                                            <p:cond delay="0"/>
+                                          </p:stCondLst>
+                                        </p:cTn>
+                                        <p:tgtEl>
+                                          <p:spTgt spid="23"/>
+                                        </p:tgtEl>
+                                        <p:attrNameLst>
+                                          <p:attrName>style.visibility</p:attrName>
+                                        </p:attrNameLst>
+                                      </p:cBhvr>
+                                      <p:to>
+                                        <p:strVal val="visible"/>
+                                      </p:to>
+                                    </p:set>
+                                  </p:childTnLst>
+                                </p:cTn>
+                              </p:par>
+                              <p:par>
+                                <p:cTn id="11" presetID="1" presetClass="entr" presetSubtype="0" fill="hold" grpId="0" nodeType="withEffect">
+                                  <p:stCondLst>
+                                    <p:cond delay="0"/>
+                                  </p:stCondLst>
+                                  <p:childTnLst>
+                                    <p:set>
+                                      <p:cBhvr>
+                                        <p:cTn id="12" dur="1" fill="hold">
+                                          <p:stCondLst>
+                                            <p:cond delay="0"/>
+                                          </p:stCondLst>
+                                        </p:cTn>
+                                        <p:tgtEl>
+                                          <p:spTgt spid="24"/>
+                                        </p:tgtEl>
+                                        <p:attrNameLst>
+                                          <p:attrName>style.visibility</p:attrName>
+                                        </p:attrNameLst>
+                                      </p:cBhvr>
+                                      <p:to>
+                                        <p:strVal val="visible"/>
+                                      </p:to>
+                                    </p:set>
+                                  </p:childTnLst>
+                                </p:cTn>
+                              </p:par>
+                              <p:par>
+                                <p:cTn id="13" presetID="1" presetClass="entr" presetSubtype="0" fill="hold" grpId="0" nodeType="withEffect">
+                                  <p:stCondLst>
+                                    <p:cond delay="0"/>
+                                  </p:stCondLst>
+                                  <p:childTnLst>
+                                    <p:set>
+                                      <p:cBhvr>
+                                        <p:cTn id="14" dur="1" fill="hold">
+                                          <p:stCondLst>
+                                            <p:cond delay="0"/>
+                                          </p:stCondLst>
+                                        </p:cTn>
+                                        <p:tgtEl>
+                                          <p:spTgt spid="44"/>
+                                        </p:tgtEl>
+                                        <p:attrNameLst>
+                                          <p:attrName>style.visibility</p:attrName>
+                                        </p:attrNameLst>
+                                      </p:cBhvr>
+                                      <p:to>
+                                        <p:strVal val="visible"/>
+                                      </p:to>
+                                    </p:set>
+                                  </p:childTnLst>
+                                </p:cTn>
+                              </p:par>
+                            </p:childTnLst>
+                          </p:cTn>
+                        </p:par>
+                      </p:childTnLst>
+                    </p:cTn>
+                  </p:par>
+                  <p:par>
+                    <p:cTn id="15" fill="hold">
+                      <p:stCondLst>
+                        <p:cond delay="indefinite"/>
+                      </p:stCondLst>
+                      <p:childTnLst>
+                        <p:par>
+                          <p:cTn id="16" fill="hold">
+                            <p:stCondLst>
+                              <p:cond delay="0"/>
+                            </p:stCondLst>
+                            <p:childTnLst>
+                              <p:par>
+                                <p:cTn id="17" presetID="1" presetClass="entr" presetSubtype="0" fill="hold" grpId="0" nodeType="clickEffect">
+                                  <p:stCondLst>
+                                    <p:cond delay="0"/>
+                                  </p:stCondLst>
+                                  <p:childTnLst>
+                                    <p:set>
+                                      <p:cBhvr>
+                                        <p:cTn id="18" dur="1" fill="hold">
+                                          <p:stCondLst>
+                                            <p:cond delay="0"/>
+                                          </p:stCondLst>
+                                        </p:cTn>
+                                        <p:tgtEl>
+                                          <p:spTgt spid="25"/>
+                                        </p:tgtEl>
+                                        <p:attrNameLst>
+                                          <p:attrName>style.visibility</p:attrName>
+                                        </p:attrNameLst>
+                                      </p:cBhvr>
+                                      <p:to>
+                                        <p:strVal val="visible"/>
+                                      </p:to>
+                                    </p:set>
+                                  </p:childTnLst>
+                                </p:cTn>
+                              </p:par>
+                              <p:par>
+                                <p:cTn id="19" presetID="1" presetClass="entr" presetSubtype="0" fill="hold" grpId="0" nodeType="withEffect">
+                                  <p:stCondLst>
+                                    <p:cond delay="0"/>
+                                  </p:stCondLst>
+                                  <p:childTnLst>
+                                    <p:set>
+                                      <p:cBhvr>
+                                        <p:cTn id="20" dur="1" fill="hold">
+                                          <p:stCondLst>
+                                            <p:cond delay="0"/>
+                                          </p:stCondLst>
+                                        </p:cTn>
+                                        <p:tgtEl>
+                                          <p:spTgt spid="26"/>
+                                        </p:tgtEl>
+                                        <p:attrNameLst>
+                                          <p:attrName>style.visibility</p:attrName>
+                                        </p:attrNameLst>
+                                      </p:cBhvr>
+                                      <p:to>
+                                        <p:strVal val="visible"/>
+                                      </p:to>
+                                    </p:set>
+                                  </p:childTnLst>
+                                </p:cTn>
+                              </p:par>
+                              <p:par>
+                                <p:cTn id="21" presetID="1" presetClass="entr" presetSubtype="0" fill="hold" grpId="0" nodeType="withEffect">
+                                  <p:stCondLst>
+                                    <p:cond delay="0"/>
+                                  </p:stCondLst>
+                                  <p:childTnLst>
+                                    <p:set>
+                                      <p:cBhvr>
+                                        <p:cTn id="22" dur="1" fill="hold">
+                                          <p:stCondLst>
+                                            <p:cond delay="0"/>
+                                          </p:stCondLst>
+                                        </p:cTn>
+                                        <p:tgtEl>
+                                          <p:spTgt spid="27"/>
+                                        </p:tgtEl>
+                                        <p:attrNameLst>
+                                          <p:attrName>style.visibility</p:attrName>
+                                        </p:attrNameLst>
+                                      </p:cBhvr>
+                                      <p:to>
+                                        <p:strVal val="visible"/>
+                                      </p:to>
+                                    </p:set>
+                                  </p:childTnLst>
+                                </p:cTn>
+                              </p:par>
+                              <p:par>
+                                <p:cTn id="23" presetID="1" presetClass="entr" presetSubtype="0" fill="hold" grpId="0" nodeType="withEffect">
+                                  <p:stCondLst>
+                                    <p:cond delay="0"/>
+                                  </p:stCondLst>
+                                  <p:childTnLst>
+                                    <p:set>
+                                      <p:cBhvr>
+                                        <p:cTn id="24" dur="1" fill="hold">
+                                          <p:stCondLst>
+                                            <p:cond delay="0"/>
+                                          </p:stCondLst>
+                                        </p:cTn>
+                                        <p:tgtEl>
+                                          <p:spTgt spid="45"/>
+                                        </p:tgtEl>
+                                        <p:attrNameLst>
+                                          <p:attrName>style.visibility</p:attrName>
+                                        </p:attrNameLst>
+                                      </p:cBhvr>
+                                      <p:to>
+                                        <p:strVal val="visible"/>
+                                      </p:to>
+                                    </p:set>
+                                  </p:childTnLst>
+                                </p:cTn>
+                              </p:par>
+                            </p:childTnLst>
+                          </p:cTn>
+                        </p:par>
+                      </p:childTnLst>
+                    </p:cTn>
+                  </p:par>
+                  <p:par>
+                    <p:cTn id="25" fill="hold">
+                      <p:stCondLst>
+                        <p:cond delay="indefinite"/>
+                      </p:stCondLst>
+                      <p:childTnLst>
+                        <p:par>
+                          <p:cTn id="26" fill="hold">
+                            <p:stCondLst>
+                              <p:cond delay="0"/>
+                            </p:stCondLst>
+                            <p:childTnLst>
+                              <p:par>
+                                <p:cTn id="27" presetID="1" presetClass="entr" presetSubtype="0" fill="hold" grpId="0" nodeType="clickEffect">
+                                  <p:stCondLst>
+                                    <p:cond delay="0"/>
+                                  </p:stCondLst>
+                                  <p:childTnLst>
+                                    <p:set>
+                                      <p:cBhvr>
+                                        <p:cTn id="28" dur="1" fill="hold">
+                                          <p:stCondLst>
+                                            <p:cond delay="0"/>
+                                          </p:stCondLst>
+                                        </p:cTn>
+                                        <p:tgtEl>
+                                          <p:spTgt spid="29"/>
+                                        </p:tgtEl>
+                                        <p:attrNameLst>
+                                          <p:attrName>style.visibility</p:attrName>
+                                        </p:attrNameLst>
+                                      </p:cBhvr>
+                                      <p:to>
+                                        <p:strVal val="visible"/>
+                                      </p:to>
+                                    </p:set>
+                                  </p:childTnLst>
+                                </p:cTn>
+                              </p:par>
+                              <p:par>
+                                <p:cTn id="29" presetID="1" presetClass="entr" presetSubtype="0" fill="hold" grpId="0" nodeType="withEffect">
+                                  <p:stCondLst>
+                                    <p:cond delay="0"/>
+                                  </p:stCondLst>
+                                  <p:childTnLst>
+                                    <p:set>
+                                      <p:cBhvr>
+                                        <p:cTn id="30" dur="1" fill="hold">
+                                          <p:stCondLst>
+                                            <p:cond delay="0"/>
+                                          </p:stCondLst>
+                                        </p:cTn>
+                                        <p:tgtEl>
+                                          <p:spTgt spid="30"/>
+                                        </p:tgtEl>
+                                        <p:attrNameLst>
+                                          <p:attrName>style.visibility</p:attrName>
+                                        </p:attrNameLst>
+                                      </p:cBhvr>
+                                      <p:to>
+                                        <p:strVal val="visible"/>
+                                      </p:to>
+                                    </p:set>
+                                  </p:childTnLst>
+                                </p:cTn>
+                              </p:par>
+                              <p:par>
+                                <p:cTn id="31" presetID="1" presetClass="entr" presetSubtype="0" fill="hold" grpId="0" nodeType="withEffect">
+                                  <p:stCondLst>
+                                    <p:cond delay="0"/>
+                                  </p:stCondLst>
+                                  <p:childTnLst>
+                                    <p:set>
+                                      <p:cBhvr>
+                                        <p:cTn id="32" dur="1" fill="hold">
+                                          <p:stCondLst>
+                                            <p:cond delay="0"/>
+                                          </p:stCondLst>
+                                        </p:cTn>
+                                        <p:tgtEl>
+                                          <p:spTgt spid="31"/>
+                                        </p:tgtEl>
+                                        <p:attrNameLst>
+                                          <p:attrName>style.visibility</p:attrName>
+                                        </p:attrNameLst>
+                                      </p:cBhvr>
+                                      <p:to>
+                                        <p:strVal val="visible"/>
+                                      </p:to>
+                                    </p:set>
+                                  </p:childTnLst>
+                                </p:cTn>
+                              </p:par>
+                              <p:par>
+                                <p:cTn id="33" presetID="1" presetClass="entr" presetSubtype="0" fill="hold" grpId="0" nodeType="withEffect">
+                                  <p:stCondLst>
+                                    <p:cond delay="0"/>
+                                  </p:stCondLst>
+                                  <p:childTnLst>
+                                    <p:set>
+                                      <p:cBhvr>
+                                        <p:cTn id="34" dur="1" fill="hold">
+                                          <p:stCondLst>
+                                            <p:cond delay="0"/>
+                                          </p:stCondLst>
+                                        </p:cTn>
+                                        <p:tgtEl>
+                                          <p:spTgt spid="46"/>
+                                        </p:tgtEl>
+                                        <p:attrNameLst>
+                                          <p:attrName>style.visibility</p:attrName>
+                                        </p:attrNameLst>
+                                      </p:cBhvr>
+                                      <p:to>
+                                        <p:strVal val="visible"/>
+                                      </p:to>
+                                    </p:set>
+                                  </p:childTnLst>
+                                </p:cTn>
+                              </p:par>
+                            </p:childTnLst>
+                          </p:cTn>
+                        </p:par>
+                      </p:childTnLst>
+                    </p:cTn>
+                  </p:par>
+                  <p:par>
+                    <p:cTn id="35" fill="hold">
+                      <p:stCondLst>
+                        <p:cond delay="indefinite"/>
+                      </p:stCondLst>
+                      <p:childTnLst>
+                        <p:par>
+                          <p:cTn id="36" fill="hold">
+                            <p:stCondLst>
+                              <p:cond delay="0"/>
+                            </p:stCondLst>
+                            <p:childTnLst>
+                              <p:par>
+                                <p:cTn id="37" presetID="1" presetClass="entr" presetSubtype="0" fill="hold" grpId="0" nodeType="clickEffect">
+                                  <p:stCondLst>
+                                    <p:cond delay="0"/>
+                                  </p:stCondLst>
+                                  <p:childTnLst>
+                                    <p:set>
+                                      <p:cBhvr>
+                                        <p:cTn id="38" dur="1" fill="hold">
+                                          <p:stCondLst>
+                                            <p:cond delay="0"/>
+                                          </p:stCondLst>
+                                        </p:cTn>
+                                        <p:tgtEl>
+                                          <p:spTgt spid="48"/>
+                                        </p:tgtEl>
+                                        <p:attrNameLst>
+                                          <p:attrName>style.visibility</p:attrName>
+                                        </p:attrNameLst>
+                                      </p:cBhvr>
+                                      <p:to>
+                                        <p:strVal val="visible"/>
+                                      </p:to>
+                                    </p:set>
+                                  </p:childTnLst>
+                                </p:cTn>
+                              </p:par>
+                            </p:childTnLst>
+                          </p:cTn>
+                        </p:par>
+                      </p:childTnLst>
+                    </p:cTn>
+                  </p:par>
+                  <p:par>
+                    <p:cTn id="39" fill="hold">
+                      <p:stCondLst>
+                        <p:cond delay="indefinite"/>
+                      </p:stCondLst>
+                      <p:childTnLst>
+                        <p:par>
+                          <p:cTn id="40" fill="hold">
+                            <p:stCondLst>
+                              <p:cond delay="0"/>
+                            </p:stCondLst>
+                            <p:childTnLst>
+                              <p:par>
+                                <p:cTn id="41" presetID="1" presetClass="entr" presetSubtype="0" fill="hold" grpId="0" nodeType="clickEffect">
+                                  <p:stCondLst>
+                                    <p:cond delay="0"/>
+                                  </p:stCondLst>
+                                  <p:childTnLst>
+                                    <p:set>
+                                      <p:cBhvr>
+                                        <p:cTn id="42" dur="1" fill="hold">
+                                          <p:stCondLst>
+                                            <p:cond delay="0"/>
+                                          </p:stCondLst>
+                                        </p:cTn>
+                                        <p:tgtEl>
+                                          <p:spTgt spid="60"/>
+                                        </p:tgtEl>
+                                        <p:attrNameLst>
+                                          <p:attrName>style.visibility</p:attrName>
+                                        </p:attrNameLst>
+                                      </p:cBhvr>
+                                      <p:to>
+                                        <p:strVal val="visible"/>
+                                      </p:to>
+                                    </p:set>
+                                  </p:childTnLst>
+                                </p:cTn>
+                              </p:par>
+                              <p:par>
+                                <p:cTn id="43" presetID="1" presetClass="entr" presetSubtype="0" fill="hold" grpId="0" nodeType="withEffect">
+                                  <p:stCondLst>
+                                    <p:cond delay="0"/>
+                                  </p:stCondLst>
+                                  <p:childTnLst>
+                                    <p:set>
+                                      <p:cBhvr>
+                                        <p:cTn id="44" dur="1" fill="hold">
+                                          <p:stCondLst>
+                                            <p:cond delay="0"/>
+                                          </p:stCondLst>
+                                        </p:cTn>
+                                        <p:tgtEl>
+                                          <p:spTgt spid="58"/>
+                                        </p:tgtEl>
+                                        <p:attrNameLst>
+                                          <p:attrName>style.visibility</p:attrName>
+                                        </p:attrNameLst>
+                                      </p:cBhvr>
+                                      <p:to>
+                                        <p:strVal val="visible"/>
+                                      </p:to>
+                                    </p:set>
+                                  </p:childTnLst>
+                                </p:cTn>
+                              </p:par>
+                              <p:par>
+                                <p:cTn id="45" presetID="1" presetClass="entr" presetSubtype="0" fill="hold" grpId="0" nodeType="withEffect">
+                                  <p:stCondLst>
+                                    <p:cond delay="0"/>
+                                  </p:stCondLst>
+                                  <p:childTnLst>
+                                    <p:set>
+                                      <p:cBhvr>
+                                        <p:cTn id="46" dur="1" fill="hold">
+                                          <p:stCondLst>
+                                            <p:cond delay="0"/>
+                                          </p:stCondLst>
+                                        </p:cTn>
+                                        <p:tgtEl>
+                                          <p:spTgt spid="59"/>
+                                        </p:tgtEl>
+                                        <p:attrNameLst>
+                                          <p:attrName>style.visibility</p:attrName>
+                                        </p:attrNameLst>
+                                      </p:cBhvr>
+                                      <p:to>
+                                        <p:strVal val="visible"/>
+                                      </p:to>
+                                    </p:set>
+                                  </p:childTnLst>
+                                </p:cTn>
+                              </p:par>
+                            </p:childTnLst>
+                          </p:cTn>
+                        </p:par>
+                      </p:childTnLst>
+                    </p:cTn>
+                  </p:par>
+                </p:childTnLst>
+              </p:cTn>
+              <p:prevCondLst>
+                <p:cond evt="onPrev" delay="0">
+                  <p:tgtEl>
+                    <p:sldTgt/>
+                  </p:tgtEl>
+                </p:cond>
+              </p:prevCondLst>
+              <p:nextCondLst>
+                <p:cond evt="onNext" delay="0">
+                  <p:tgtEl>
+                    <p:sldTgt/>
+                  </p:tgtEl>
+                </p:cond>
+              </p:nextCondLst>
+            </p:seq>
+          </p:childTnLst>
+        </p:cTn>
+      </p:par>
+    </p:tnLst>
+    <p:bldLst>
+      <p:bldP spid="2" grpId="0"/>
+      <p:bldP spid="22" grpId="0"/>
+      <p:bldP spid="23" grpId="0"/>
+      <p:bldP spid="24" grpId="0"/>
+      <p:bldP spid="25" grpId="0"/>
+      <p:bldP spid="26" grpId="0"/>
+      <p:bldP spid="27" grpId="0"/>
+      <p:bldP spid="29" grpId="0"/>
+      <p:bldP spid="30" grpId="0"/>
+      <p:bldP spid="31" grpId="0"/>
+      <p:bldP spid="44" grpId="0"/>
+      <p:bldP spid="45" grpId="0"/>
+      <p:bldP spid="46" grpId="0"/>
+      <p:bldP spid="48" grpId="0"/>
+      <p:bldP spid="58" grpId="0" animBg="1"/>
+      <p:bldP spid="59" grpId="0"/>
+      <p:bldP spid="60" grpId="0" animBg="1"/>
+    </p:bldLst>
+  </p:timing>
+</p:sld>
+</file>
+
+<file path=ppt/slides/slide16.xml><?xml version="1.0" encoding="utf-8"?>
 <p:sld xmlns:a="http://schemas.openxmlformats.org/drawingml/2006/main" xmlns:r="http://schemas.openxmlformats.org/officeDocument/2006/relationships" xmlns:p="http://schemas.openxmlformats.org/presentationml/2006/main">
   <p:cSld>
     <p:bg>
@@ -8241,7 +13927,7 @@
 </p:sld>
 </file>
 
-<file path=ppt/slides/slide14.xml><?xml version="1.0" encoding="utf-8"?>
+<file path=ppt/slides/slide17.xml><?xml version="1.0" encoding="utf-8"?>
 <p:sld xmlns:a="http://schemas.openxmlformats.org/drawingml/2006/main" xmlns:r="http://schemas.openxmlformats.org/officeDocument/2006/relationships" xmlns:p="http://schemas.openxmlformats.org/presentationml/2006/main">
   <p:cSld>
     <p:bg>
@@ -8337,7 +14023,7 @@
 </p:sld>
 </file>
 
-<file path=ppt/slides/slide15.xml><?xml version="1.0" encoding="utf-8"?>
+<file path=ppt/slides/slide18.xml><?xml version="1.0" encoding="utf-8"?>
 <p:sld xmlns:a="http://schemas.openxmlformats.org/drawingml/2006/main" xmlns:r="http://schemas.openxmlformats.org/officeDocument/2006/relationships" xmlns:p="http://schemas.openxmlformats.org/presentationml/2006/main">
   <p:cSld>
     <p:bg>
@@ -8910,7 +14596,7 @@
 </p:sld>
 </file>
 
-<file path=ppt/slides/slide16.xml><?xml version="1.0" encoding="utf-8"?>
+<file path=ppt/slides/slide19.xml><?xml version="1.0" encoding="utf-8"?>
 <p:sld xmlns:a="http://schemas.openxmlformats.org/drawingml/2006/main" xmlns:r="http://schemas.openxmlformats.org/officeDocument/2006/relationships" xmlns:p="http://schemas.openxmlformats.org/presentationml/2006/main">
   <p:cSld>
     <p:bg>
@@ -10401,7 +16087,131 @@
 </p:sld>
 </file>
 
-<file path=ppt/slides/slide17.xml><?xml version="1.0" encoding="utf-8"?>
+<file path=ppt/slides/slide2.xml><?xml version="1.0" encoding="utf-8"?>
+<p:sld xmlns:a="http://schemas.openxmlformats.org/drawingml/2006/main" xmlns:r="http://schemas.openxmlformats.org/officeDocument/2006/relationships" xmlns:p="http://schemas.openxmlformats.org/presentationml/2006/main">
+  <p:cSld>
+    <p:bg>
+      <p:bgPr>
+        <a:solidFill>
+          <a:srgbClr val="FFFFF0"/>
+        </a:solidFill>
+        <a:effectLst/>
+      </p:bgPr>
+    </p:bg>
+    <p:spTree>
+      <p:nvGrpSpPr>
+        <p:cNvPr id="1" name=""/>
+        <p:cNvGrpSpPr/>
+        <p:nvPr/>
+      </p:nvGrpSpPr>
+      <p:grpSpPr>
+        <a:xfrm>
+          <a:off x="0" y="0"/>
+          <a:ext cx="0" cy="0"/>
+          <a:chOff x="0" y="0"/>
+          <a:chExt cx="0" cy="0"/>
+        </a:xfrm>
+      </p:grpSpPr>
+      <p:sp>
+        <p:nvSpPr>
+          <p:cNvPr id="2" name="Title 1">
+            <a:extLst>
+              <a:ext uri="{FF2B5EF4-FFF2-40B4-BE49-F238E27FC236}">
+                <a16:creationId xmlns:a16="http://schemas.microsoft.com/office/drawing/2014/main" id="{A6E16A5B-1FA2-8ED9-816E-B5AFF26C0EDC}"/>
+              </a:ext>
+            </a:extLst>
+          </p:cNvPr>
+          <p:cNvSpPr>
+            <a:spLocks noGrp="1"/>
+          </p:cNvSpPr>
+          <p:nvPr>
+            <p:ph type="title"/>
+          </p:nvPr>
+        </p:nvSpPr>
+        <p:spPr/>
+        <p:txBody>
+          <a:bodyPr/>
+          <a:lstStyle/>
+          <a:p>
+            <a:r>
+              <a:rPr lang="en-US" dirty="0">
+                <a:latin typeface=""/>
+              </a:rPr>
+              <a:t>Prelude…</a:t>
+            </a:r>
+          </a:p>
+        </p:txBody>
+      </p:sp>
+      <p:sp>
+        <p:nvSpPr>
+          <p:cNvPr id="5" name="Title 1">
+            <a:extLst>
+              <a:ext uri="{FF2B5EF4-FFF2-40B4-BE49-F238E27FC236}">
+                <a16:creationId xmlns:a16="http://schemas.microsoft.com/office/drawing/2014/main" id="{1D8F4F88-E2A1-8CC9-08D0-7EF47D7811C5}"/>
+              </a:ext>
+            </a:extLst>
+          </p:cNvPr>
+          <p:cNvSpPr txBox="1">
+            <a:spLocks/>
+          </p:cNvSpPr>
+          <p:nvPr/>
+        </p:nvSpPr>
+        <p:spPr>
+          <a:xfrm>
+            <a:off x="838200" y="1041400"/>
+            <a:ext cx="9115004" cy="2387600"/>
+          </a:xfrm>
+          <a:prstGeom prst="rect">
+            <a:avLst/>
+          </a:prstGeom>
+        </p:spPr>
+        <p:txBody>
+          <a:bodyPr vert="horz" lIns="91440" tIns="45720" rIns="91440" bIns="45720" rtlCol="0" anchor="ctr">
+            <a:normAutofit fontScale="97500"/>
+          </a:bodyPr>
+          <a:lstStyle>
+            <a:lvl1pPr algn="l" defTabSz="914400" rtl="0" eaLnBrk="1" latinLnBrk="0" hangingPunct="1">
+              <a:lnSpc>
+                <a:spcPct val="90000"/>
+              </a:lnSpc>
+              <a:spcBef>
+                <a:spcPct val="0"/>
+              </a:spcBef>
+              <a:buNone/>
+              <a:defRPr sz="4400" kern="1200">
+                <a:solidFill>
+                  <a:schemeClr val="tx1"/>
+                </a:solidFill>
+                <a:latin typeface="+mj-lt"/>
+                <a:ea typeface="+mj-ea"/>
+                <a:cs typeface="+mj-cs"/>
+              </a:defRPr>
+            </a:lvl1pPr>
+          </a:lstStyle>
+          <a:p>
+            <a:r>
+              <a:rPr lang="en-US" dirty="0">
+                <a:latin typeface=""/>
+              </a:rPr>
+              <a:t>Discovering symbolic models from deep learning with inductive biases.</a:t>
+            </a:r>
+          </a:p>
+        </p:txBody>
+      </p:sp>
+    </p:spTree>
+    <p:extLst>
+      <p:ext uri="{BB962C8B-B14F-4D97-AF65-F5344CB8AC3E}">
+        <p14:creationId xmlns:p14="http://schemas.microsoft.com/office/powerpoint/2010/main" val="4073678641"/>
+      </p:ext>
+    </p:extLst>
+  </p:cSld>
+  <p:clrMapOvr>
+    <a:masterClrMapping/>
+  </p:clrMapOvr>
+</p:sld>
+</file>
+
+<file path=ppt/slides/slide20.xml><?xml version="1.0" encoding="utf-8"?>
 <p:sld xmlns:a="http://schemas.openxmlformats.org/drawingml/2006/main" xmlns:r="http://schemas.openxmlformats.org/officeDocument/2006/relationships" xmlns:p="http://schemas.openxmlformats.org/presentationml/2006/main">
   <p:cSld>
     <p:bg>
@@ -11777,7 +17587,7 @@
 </p:sld>
 </file>
 
-<file path=ppt/slides/slide18.xml><?xml version="1.0" encoding="utf-8"?>
+<file path=ppt/slides/slide21.xml><?xml version="1.0" encoding="utf-8"?>
 <p:sld xmlns:a="http://schemas.openxmlformats.org/drawingml/2006/main" xmlns:r="http://schemas.openxmlformats.org/officeDocument/2006/relationships" xmlns:p="http://schemas.openxmlformats.org/presentationml/2006/main">
   <p:cSld>
     <p:bg>
@@ -13077,7 +18887,7 @@
 </p:sld>
 </file>
 
-<file path=ppt/slides/slide19.xml><?xml version="1.0" encoding="utf-8"?>
+<file path=ppt/slides/slide22.xml><?xml version="1.0" encoding="utf-8"?>
 <p:sld xmlns:a="http://schemas.openxmlformats.org/drawingml/2006/main" xmlns:r="http://schemas.openxmlformats.org/officeDocument/2006/relationships" xmlns:p="http://schemas.openxmlformats.org/presentationml/2006/main">
   <p:cSld>
     <p:bg>
@@ -13175,328 +18985,6 @@
 </p:sld>
 </file>
 
-<file path=ppt/slides/slide2.xml><?xml version="1.0" encoding="utf-8"?>
-<p:sld xmlns:a="http://schemas.openxmlformats.org/drawingml/2006/main" xmlns:r="http://schemas.openxmlformats.org/officeDocument/2006/relationships" xmlns:p="http://schemas.openxmlformats.org/presentationml/2006/main">
-  <p:cSld>
-    <p:bg>
-      <p:bgPr>
-        <a:solidFill>
-          <a:srgbClr val="FFFFF0"/>
-        </a:solidFill>
-        <a:effectLst/>
-      </p:bgPr>
-    </p:bg>
-    <p:spTree>
-      <p:nvGrpSpPr>
-        <p:cNvPr id="1" name=""/>
-        <p:cNvGrpSpPr/>
-        <p:nvPr/>
-      </p:nvGrpSpPr>
-      <p:grpSpPr>
-        <a:xfrm>
-          <a:off x="0" y="0"/>
-          <a:ext cx="0" cy="0"/>
-          <a:chOff x="0" y="0"/>
-          <a:chExt cx="0" cy="0"/>
-        </a:xfrm>
-      </p:grpSpPr>
-      <p:sp>
-        <p:nvSpPr>
-          <p:cNvPr id="2" name="Title 1">
-            <a:extLst>
-              <a:ext uri="{FF2B5EF4-FFF2-40B4-BE49-F238E27FC236}">
-                <a16:creationId xmlns:a16="http://schemas.microsoft.com/office/drawing/2014/main" id="{A6E16A5B-1FA2-8ED9-816E-B5AFF26C0EDC}"/>
-              </a:ext>
-            </a:extLst>
-          </p:cNvPr>
-          <p:cNvSpPr>
-            <a:spLocks noGrp="1"/>
-          </p:cNvSpPr>
-          <p:nvPr>
-            <p:ph type="title"/>
-          </p:nvPr>
-        </p:nvSpPr>
-        <p:spPr/>
-        <p:txBody>
-          <a:bodyPr/>
-          <a:lstStyle/>
-          <a:p>
-            <a:r>
-              <a:rPr lang="en-US" dirty="0">
-                <a:latin typeface=""/>
-              </a:rPr>
-              <a:t>Prelude…</a:t>
-            </a:r>
-          </a:p>
-        </p:txBody>
-      </p:sp>
-      <p:sp>
-        <p:nvSpPr>
-          <p:cNvPr id="5" name="Title 1">
-            <a:extLst>
-              <a:ext uri="{FF2B5EF4-FFF2-40B4-BE49-F238E27FC236}">
-                <a16:creationId xmlns:a16="http://schemas.microsoft.com/office/drawing/2014/main" id="{1D8F4F88-E2A1-8CC9-08D0-7EF47D7811C5}"/>
-              </a:ext>
-            </a:extLst>
-          </p:cNvPr>
-          <p:cNvSpPr txBox="1">
-            <a:spLocks/>
-          </p:cNvSpPr>
-          <p:nvPr/>
-        </p:nvSpPr>
-        <p:spPr>
-          <a:xfrm>
-            <a:off x="838200" y="1041400"/>
-            <a:ext cx="9115004" cy="2387600"/>
-          </a:xfrm>
-          <a:prstGeom prst="rect">
-            <a:avLst/>
-          </a:prstGeom>
-        </p:spPr>
-        <p:txBody>
-          <a:bodyPr vert="horz" lIns="91440" tIns="45720" rIns="91440" bIns="45720" rtlCol="0" anchor="ctr">
-            <a:normAutofit fontScale="97500"/>
-          </a:bodyPr>
-          <a:lstStyle>
-            <a:lvl1pPr algn="l" defTabSz="914400" rtl="0" eaLnBrk="1" latinLnBrk="0" hangingPunct="1">
-              <a:lnSpc>
-                <a:spcPct val="90000"/>
-              </a:lnSpc>
-              <a:spcBef>
-                <a:spcPct val="0"/>
-              </a:spcBef>
-              <a:buNone/>
-              <a:defRPr sz="4400" kern="1200">
-                <a:solidFill>
-                  <a:schemeClr val="tx1"/>
-                </a:solidFill>
-                <a:latin typeface="+mj-lt"/>
-                <a:ea typeface="+mj-ea"/>
-                <a:cs typeface="+mj-cs"/>
-              </a:defRPr>
-            </a:lvl1pPr>
-          </a:lstStyle>
-          <a:p>
-            <a:r>
-              <a:rPr lang="en-US" dirty="0">
-                <a:latin typeface=""/>
-              </a:rPr>
-              <a:t>Discovering symbolic models from deep learning with inductive biases.</a:t>
-            </a:r>
-          </a:p>
-        </p:txBody>
-      </p:sp>
-    </p:spTree>
-    <p:extLst>
-      <p:ext uri="{BB962C8B-B14F-4D97-AF65-F5344CB8AC3E}">
-        <p14:creationId xmlns:p14="http://schemas.microsoft.com/office/powerpoint/2010/main" val="4073678641"/>
-      </p:ext>
-    </p:extLst>
-  </p:cSld>
-  <p:clrMapOvr>
-    <a:masterClrMapping/>
-  </p:clrMapOvr>
-</p:sld>
-</file>
-
-<file path=ppt/slides/slide20.xml><?xml version="1.0" encoding="utf-8"?>
-<p:sld xmlns:a="http://schemas.openxmlformats.org/drawingml/2006/main" xmlns:r="http://schemas.openxmlformats.org/officeDocument/2006/relationships" xmlns:p="http://schemas.openxmlformats.org/presentationml/2006/main">
-  <p:cSld>
-    <p:bg>
-      <p:bgPr>
-        <a:solidFill>
-          <a:srgbClr val="FFFFF0"/>
-        </a:solidFill>
-        <a:effectLst/>
-      </p:bgPr>
-    </p:bg>
-    <p:spTree>
-      <p:nvGrpSpPr>
-        <p:cNvPr id="1" name=""/>
-        <p:cNvGrpSpPr/>
-        <p:nvPr/>
-      </p:nvGrpSpPr>
-      <p:grpSpPr>
-        <a:xfrm>
-          <a:off x="0" y="0"/>
-          <a:ext cx="0" cy="0"/>
-          <a:chOff x="0" y="0"/>
-          <a:chExt cx="0" cy="0"/>
-        </a:xfrm>
-      </p:grpSpPr>
-      <p:sp>
-        <p:nvSpPr>
-          <p:cNvPr id="2" name="Title 1">
-            <a:extLst>
-              <a:ext uri="{FF2B5EF4-FFF2-40B4-BE49-F238E27FC236}">
-                <a16:creationId xmlns:a16="http://schemas.microsoft.com/office/drawing/2014/main" id="{7A6A0A74-53CB-4304-09D4-ECCE1680D307}"/>
-              </a:ext>
-            </a:extLst>
-          </p:cNvPr>
-          <p:cNvSpPr>
-            <a:spLocks noGrp="1"/>
-          </p:cNvSpPr>
-          <p:nvPr>
-            <p:ph type="title"/>
-          </p:nvPr>
-        </p:nvSpPr>
-        <p:spPr/>
-        <p:txBody>
-          <a:bodyPr/>
-          <a:lstStyle/>
-          <a:p>
-            <a:r>
-              <a:rPr lang="en-US" dirty="0"/>
-              <a:t>Data</a:t>
-            </a:r>
-          </a:p>
-        </p:txBody>
-      </p:sp>
-    </p:spTree>
-    <p:extLst>
-      <p:ext uri="{BB962C8B-B14F-4D97-AF65-F5344CB8AC3E}">
-        <p14:creationId xmlns:p14="http://schemas.microsoft.com/office/powerpoint/2010/main" val="2251883741"/>
-      </p:ext>
-    </p:extLst>
-  </p:cSld>
-  <p:clrMapOvr>
-    <a:masterClrMapping/>
-  </p:clrMapOvr>
-</p:sld>
-</file>
-
-<file path=ppt/slides/slide21.xml><?xml version="1.0" encoding="utf-8"?>
-<p:sld xmlns:a="http://schemas.openxmlformats.org/drawingml/2006/main" xmlns:r="http://schemas.openxmlformats.org/officeDocument/2006/relationships" xmlns:p="http://schemas.openxmlformats.org/presentationml/2006/main">
-  <p:cSld>
-    <p:bg>
-      <p:bgPr>
-        <a:solidFill>
-          <a:srgbClr val="FFFFF0"/>
-        </a:solidFill>
-        <a:effectLst/>
-      </p:bgPr>
-    </p:bg>
-    <p:spTree>
-      <p:nvGrpSpPr>
-        <p:cNvPr id="1" name=""/>
-        <p:cNvGrpSpPr/>
-        <p:nvPr/>
-      </p:nvGrpSpPr>
-      <p:grpSpPr>
-        <a:xfrm>
-          <a:off x="0" y="0"/>
-          <a:ext cx="0" cy="0"/>
-          <a:chOff x="0" y="0"/>
-          <a:chExt cx="0" cy="0"/>
-        </a:xfrm>
-      </p:grpSpPr>
-      <p:sp>
-        <p:nvSpPr>
-          <p:cNvPr id="2" name="Title 1">
-            <a:extLst>
-              <a:ext uri="{FF2B5EF4-FFF2-40B4-BE49-F238E27FC236}">
-                <a16:creationId xmlns:a16="http://schemas.microsoft.com/office/drawing/2014/main" id="{7A6A0A74-53CB-4304-09D4-ECCE1680D307}"/>
-              </a:ext>
-            </a:extLst>
-          </p:cNvPr>
-          <p:cNvSpPr>
-            <a:spLocks noGrp="1"/>
-          </p:cNvSpPr>
-          <p:nvPr>
-            <p:ph type="title"/>
-          </p:nvPr>
-        </p:nvSpPr>
-        <p:spPr/>
-        <p:txBody>
-          <a:bodyPr/>
-          <a:lstStyle/>
-          <a:p>
-            <a:r>
-              <a:rPr lang="en-US" dirty="0"/>
-              <a:t>Dataset pruning</a:t>
-            </a:r>
-          </a:p>
-        </p:txBody>
-      </p:sp>
-    </p:spTree>
-    <p:extLst>
-      <p:ext uri="{BB962C8B-B14F-4D97-AF65-F5344CB8AC3E}">
-        <p14:creationId xmlns:p14="http://schemas.microsoft.com/office/powerpoint/2010/main" val="113691820"/>
-      </p:ext>
-    </p:extLst>
-  </p:cSld>
-  <p:clrMapOvr>
-    <a:masterClrMapping/>
-  </p:clrMapOvr>
-</p:sld>
-</file>
-
-<file path=ppt/slides/slide22.xml><?xml version="1.0" encoding="utf-8"?>
-<p:sld xmlns:a="http://schemas.openxmlformats.org/drawingml/2006/main" xmlns:r="http://schemas.openxmlformats.org/officeDocument/2006/relationships" xmlns:p="http://schemas.openxmlformats.org/presentationml/2006/main">
-  <p:cSld>
-    <p:bg>
-      <p:bgPr>
-        <a:solidFill>
-          <a:srgbClr val="FFFFF0"/>
-        </a:solidFill>
-        <a:effectLst/>
-      </p:bgPr>
-    </p:bg>
-    <p:spTree>
-      <p:nvGrpSpPr>
-        <p:cNvPr id="1" name=""/>
-        <p:cNvGrpSpPr/>
-        <p:nvPr/>
-      </p:nvGrpSpPr>
-      <p:grpSpPr>
-        <a:xfrm>
-          <a:off x="0" y="0"/>
-          <a:ext cx="0" cy="0"/>
-          <a:chOff x="0" y="0"/>
-          <a:chExt cx="0" cy="0"/>
-        </a:xfrm>
-      </p:grpSpPr>
-      <p:sp>
-        <p:nvSpPr>
-          <p:cNvPr id="2" name="Title 1">
-            <a:extLst>
-              <a:ext uri="{FF2B5EF4-FFF2-40B4-BE49-F238E27FC236}">
-                <a16:creationId xmlns:a16="http://schemas.microsoft.com/office/drawing/2014/main" id="{7A6A0A74-53CB-4304-09D4-ECCE1680D307}"/>
-              </a:ext>
-            </a:extLst>
-          </p:cNvPr>
-          <p:cNvSpPr>
-            <a:spLocks noGrp="1"/>
-          </p:cNvSpPr>
-          <p:nvPr>
-            <p:ph type="title"/>
-          </p:nvPr>
-        </p:nvSpPr>
-        <p:spPr/>
-        <p:txBody>
-          <a:bodyPr/>
-          <a:lstStyle/>
-          <a:p>
-            <a:r>
-              <a:rPr lang="en-US" dirty="0"/>
-              <a:t>Model architecture </a:t>
-            </a:r>
-          </a:p>
-        </p:txBody>
-      </p:sp>
-    </p:spTree>
-    <p:extLst>
-      <p:ext uri="{BB962C8B-B14F-4D97-AF65-F5344CB8AC3E}">
-        <p14:creationId xmlns:p14="http://schemas.microsoft.com/office/powerpoint/2010/main" val="1655001118"/>
-      </p:ext>
-    </p:extLst>
-  </p:cSld>
-  <p:clrMapOvr>
-    <a:masterClrMapping/>
-  </p:clrMapOvr>
-</p:sld>
-</file>
-
 <file path=ppt/slides/slide23.xml><?xml version="1.0" encoding="utf-8"?>
 <p:sld xmlns:a="http://schemas.openxmlformats.org/drawingml/2006/main" xmlns:r="http://schemas.openxmlformats.org/officeDocument/2006/relationships" xmlns:p="http://schemas.openxmlformats.org/presentationml/2006/main">
   <p:cSld>
@@ -13545,7 +19033,7 @@
           <a:p>
             <a:r>
               <a:rPr lang="en-US" dirty="0"/>
-              <a:t>Training strategies</a:t>
+              <a:t>Data</a:t>
             </a:r>
           </a:p>
         </p:txBody>
@@ -13553,7 +19041,7 @@
     </p:spTree>
     <p:extLst>
       <p:ext uri="{BB962C8B-B14F-4D97-AF65-F5344CB8AC3E}">
-        <p14:creationId xmlns:p14="http://schemas.microsoft.com/office/powerpoint/2010/main" val="2749563060"/>
+        <p14:creationId xmlns:p14="http://schemas.microsoft.com/office/powerpoint/2010/main" val="2251883741"/>
       </p:ext>
     </p:extLst>
   </p:cSld>
@@ -13611,6 +19099,204 @@
           <a:p>
             <a:r>
               <a:rPr lang="en-US" dirty="0"/>
+              <a:t>Dataset pruning</a:t>
+            </a:r>
+          </a:p>
+        </p:txBody>
+      </p:sp>
+    </p:spTree>
+    <p:extLst>
+      <p:ext uri="{BB962C8B-B14F-4D97-AF65-F5344CB8AC3E}">
+        <p14:creationId xmlns:p14="http://schemas.microsoft.com/office/powerpoint/2010/main" val="113691820"/>
+      </p:ext>
+    </p:extLst>
+  </p:cSld>
+  <p:clrMapOvr>
+    <a:masterClrMapping/>
+  </p:clrMapOvr>
+</p:sld>
+</file>
+
+<file path=ppt/slides/slide25.xml><?xml version="1.0" encoding="utf-8"?>
+<p:sld xmlns:a="http://schemas.openxmlformats.org/drawingml/2006/main" xmlns:r="http://schemas.openxmlformats.org/officeDocument/2006/relationships" xmlns:p="http://schemas.openxmlformats.org/presentationml/2006/main">
+  <p:cSld>
+    <p:bg>
+      <p:bgPr>
+        <a:solidFill>
+          <a:srgbClr val="FFFFF0"/>
+        </a:solidFill>
+        <a:effectLst/>
+      </p:bgPr>
+    </p:bg>
+    <p:spTree>
+      <p:nvGrpSpPr>
+        <p:cNvPr id="1" name=""/>
+        <p:cNvGrpSpPr/>
+        <p:nvPr/>
+      </p:nvGrpSpPr>
+      <p:grpSpPr>
+        <a:xfrm>
+          <a:off x="0" y="0"/>
+          <a:ext cx="0" cy="0"/>
+          <a:chOff x="0" y="0"/>
+          <a:chExt cx="0" cy="0"/>
+        </a:xfrm>
+      </p:grpSpPr>
+      <p:sp>
+        <p:nvSpPr>
+          <p:cNvPr id="2" name="Title 1">
+            <a:extLst>
+              <a:ext uri="{FF2B5EF4-FFF2-40B4-BE49-F238E27FC236}">
+                <a16:creationId xmlns:a16="http://schemas.microsoft.com/office/drawing/2014/main" id="{7A6A0A74-53CB-4304-09D4-ECCE1680D307}"/>
+              </a:ext>
+            </a:extLst>
+          </p:cNvPr>
+          <p:cNvSpPr>
+            <a:spLocks noGrp="1"/>
+          </p:cNvSpPr>
+          <p:nvPr>
+            <p:ph type="title"/>
+          </p:nvPr>
+        </p:nvSpPr>
+        <p:spPr/>
+        <p:txBody>
+          <a:bodyPr/>
+          <a:lstStyle/>
+          <a:p>
+            <a:r>
+              <a:rPr lang="en-US" dirty="0"/>
+              <a:t>Model architecture </a:t>
+            </a:r>
+          </a:p>
+        </p:txBody>
+      </p:sp>
+    </p:spTree>
+    <p:extLst>
+      <p:ext uri="{BB962C8B-B14F-4D97-AF65-F5344CB8AC3E}">
+        <p14:creationId xmlns:p14="http://schemas.microsoft.com/office/powerpoint/2010/main" val="1655001118"/>
+      </p:ext>
+    </p:extLst>
+  </p:cSld>
+  <p:clrMapOvr>
+    <a:masterClrMapping/>
+  </p:clrMapOvr>
+</p:sld>
+</file>
+
+<file path=ppt/slides/slide26.xml><?xml version="1.0" encoding="utf-8"?>
+<p:sld xmlns:a="http://schemas.openxmlformats.org/drawingml/2006/main" xmlns:r="http://schemas.openxmlformats.org/officeDocument/2006/relationships" xmlns:p="http://schemas.openxmlformats.org/presentationml/2006/main">
+  <p:cSld>
+    <p:bg>
+      <p:bgPr>
+        <a:solidFill>
+          <a:srgbClr val="FFFFF0"/>
+        </a:solidFill>
+        <a:effectLst/>
+      </p:bgPr>
+    </p:bg>
+    <p:spTree>
+      <p:nvGrpSpPr>
+        <p:cNvPr id="1" name=""/>
+        <p:cNvGrpSpPr/>
+        <p:nvPr/>
+      </p:nvGrpSpPr>
+      <p:grpSpPr>
+        <a:xfrm>
+          <a:off x="0" y="0"/>
+          <a:ext cx="0" cy="0"/>
+          <a:chOff x="0" y="0"/>
+          <a:chExt cx="0" cy="0"/>
+        </a:xfrm>
+      </p:grpSpPr>
+      <p:sp>
+        <p:nvSpPr>
+          <p:cNvPr id="2" name="Title 1">
+            <a:extLst>
+              <a:ext uri="{FF2B5EF4-FFF2-40B4-BE49-F238E27FC236}">
+                <a16:creationId xmlns:a16="http://schemas.microsoft.com/office/drawing/2014/main" id="{7A6A0A74-53CB-4304-09D4-ECCE1680D307}"/>
+              </a:ext>
+            </a:extLst>
+          </p:cNvPr>
+          <p:cNvSpPr>
+            <a:spLocks noGrp="1"/>
+          </p:cNvSpPr>
+          <p:nvPr>
+            <p:ph type="title"/>
+          </p:nvPr>
+        </p:nvSpPr>
+        <p:spPr/>
+        <p:txBody>
+          <a:bodyPr/>
+          <a:lstStyle/>
+          <a:p>
+            <a:r>
+              <a:rPr lang="en-US" dirty="0"/>
+              <a:t>Training strategies</a:t>
+            </a:r>
+          </a:p>
+        </p:txBody>
+      </p:sp>
+    </p:spTree>
+    <p:extLst>
+      <p:ext uri="{BB962C8B-B14F-4D97-AF65-F5344CB8AC3E}">
+        <p14:creationId xmlns:p14="http://schemas.microsoft.com/office/powerpoint/2010/main" val="2749563060"/>
+      </p:ext>
+    </p:extLst>
+  </p:cSld>
+  <p:clrMapOvr>
+    <a:masterClrMapping/>
+  </p:clrMapOvr>
+</p:sld>
+</file>
+
+<file path=ppt/slides/slide27.xml><?xml version="1.0" encoding="utf-8"?>
+<p:sld xmlns:a="http://schemas.openxmlformats.org/drawingml/2006/main" xmlns:r="http://schemas.openxmlformats.org/officeDocument/2006/relationships" xmlns:p="http://schemas.openxmlformats.org/presentationml/2006/main">
+  <p:cSld>
+    <p:bg>
+      <p:bgPr>
+        <a:solidFill>
+          <a:srgbClr val="FFFFF0"/>
+        </a:solidFill>
+        <a:effectLst/>
+      </p:bgPr>
+    </p:bg>
+    <p:spTree>
+      <p:nvGrpSpPr>
+        <p:cNvPr id="1" name=""/>
+        <p:cNvGrpSpPr/>
+        <p:nvPr/>
+      </p:nvGrpSpPr>
+      <p:grpSpPr>
+        <a:xfrm>
+          <a:off x="0" y="0"/>
+          <a:ext cx="0" cy="0"/>
+          <a:chOff x="0" y="0"/>
+          <a:chExt cx="0" cy="0"/>
+        </a:xfrm>
+      </p:grpSpPr>
+      <p:sp>
+        <p:nvSpPr>
+          <p:cNvPr id="2" name="Title 1">
+            <a:extLst>
+              <a:ext uri="{FF2B5EF4-FFF2-40B4-BE49-F238E27FC236}">
+                <a16:creationId xmlns:a16="http://schemas.microsoft.com/office/drawing/2014/main" id="{7A6A0A74-53CB-4304-09D4-ECCE1680D307}"/>
+              </a:ext>
+            </a:extLst>
+          </p:cNvPr>
+          <p:cNvSpPr>
+            <a:spLocks noGrp="1"/>
+          </p:cNvSpPr>
+          <p:nvPr>
+            <p:ph type="title"/>
+          </p:nvPr>
+        </p:nvSpPr>
+        <p:spPr/>
+        <p:txBody>
+          <a:bodyPr/>
+          <a:lstStyle/>
+          <a:p>
+            <a:r>
+              <a:rPr lang="en-US" dirty="0"/>
               <a:t>Model Training</a:t>
             </a:r>
           </a:p>
@@ -13629,7 +19315,7 @@
 </p:sld>
 </file>
 
-<file path=ppt/slides/slide25.xml><?xml version="1.0" encoding="utf-8"?>
+<file path=ppt/slides/slide28.xml><?xml version="1.0" encoding="utf-8"?>
 <p:sld xmlns:a="http://schemas.openxmlformats.org/drawingml/2006/main" xmlns:r="http://schemas.openxmlformats.org/officeDocument/2006/relationships" xmlns:p="http://schemas.openxmlformats.org/presentationml/2006/main">
   <p:cSld>
     <p:bg>
@@ -13724,7 +19410,7 @@
 </p:sld>
 </file>
 
-<file path=ppt/slides/slide26.xml><?xml version="1.0" encoding="utf-8"?>
+<file path=ppt/slides/slide29.xml><?xml version="1.0" encoding="utf-8"?>
 <p:sld xmlns:a="http://schemas.openxmlformats.org/drawingml/2006/main" xmlns:r="http://schemas.openxmlformats.org/officeDocument/2006/relationships" xmlns:p="http://schemas.openxmlformats.org/presentationml/2006/main">
   <p:cSld>
     <p:bg>
@@ -13810,188 +19496,6 @@
     <p:extLst>
       <p:ext uri="{BB962C8B-B14F-4D97-AF65-F5344CB8AC3E}">
         <p14:creationId xmlns:p14="http://schemas.microsoft.com/office/powerpoint/2010/main" val="1311039428"/>
-      </p:ext>
-    </p:extLst>
-  </p:cSld>
-  <p:clrMapOvr>
-    <a:masterClrMapping/>
-  </p:clrMapOvr>
-</p:sld>
-</file>
-
-<file path=ppt/slides/slide27.xml><?xml version="1.0" encoding="utf-8"?>
-<p:sld xmlns:a="http://schemas.openxmlformats.org/drawingml/2006/main" xmlns:r="http://schemas.openxmlformats.org/officeDocument/2006/relationships" xmlns:p="http://schemas.openxmlformats.org/presentationml/2006/main">
-  <p:cSld>
-    <p:bg>
-      <p:bgPr>
-        <a:solidFill>
-          <a:srgbClr val="FFFFF0"/>
-        </a:solidFill>
-        <a:effectLst/>
-      </p:bgPr>
-    </p:bg>
-    <p:spTree>
-      <p:nvGrpSpPr>
-        <p:cNvPr id="1" name=""/>
-        <p:cNvGrpSpPr/>
-        <p:nvPr/>
-      </p:nvGrpSpPr>
-      <p:grpSpPr>
-        <a:xfrm>
-          <a:off x="0" y="0"/>
-          <a:ext cx="0" cy="0"/>
-          <a:chOff x="0" y="0"/>
-          <a:chExt cx="0" cy="0"/>
-        </a:xfrm>
-      </p:grpSpPr>
-      <p:sp>
-        <p:nvSpPr>
-          <p:cNvPr id="2" name="Title 1">
-            <a:extLst>
-              <a:ext uri="{FF2B5EF4-FFF2-40B4-BE49-F238E27FC236}">
-                <a16:creationId xmlns:a16="http://schemas.microsoft.com/office/drawing/2014/main" id="{7A6A0A74-53CB-4304-09D4-ECCE1680D307}"/>
-              </a:ext>
-            </a:extLst>
-          </p:cNvPr>
-          <p:cNvSpPr>
-            <a:spLocks noGrp="1"/>
-          </p:cNvSpPr>
-          <p:nvPr>
-            <p:ph type="title"/>
-          </p:nvPr>
-        </p:nvSpPr>
-        <p:spPr/>
-        <p:txBody>
-          <a:bodyPr/>
-          <a:lstStyle/>
-          <a:p>
-            <a:r>
-              <a:rPr lang="en-US" dirty="0"/>
-              <a:t>Evaluation criteria </a:t>
-            </a:r>
-          </a:p>
-        </p:txBody>
-      </p:sp>
-    </p:spTree>
-    <p:extLst>
-      <p:ext uri="{BB962C8B-B14F-4D97-AF65-F5344CB8AC3E}">
-        <p14:creationId xmlns:p14="http://schemas.microsoft.com/office/powerpoint/2010/main" val="2204169762"/>
-      </p:ext>
-    </p:extLst>
-  </p:cSld>
-  <p:clrMapOvr>
-    <a:masterClrMapping/>
-  </p:clrMapOvr>
-</p:sld>
-</file>
-
-<file path=ppt/slides/slide28.xml><?xml version="1.0" encoding="utf-8"?>
-<p:sld xmlns:a="http://schemas.openxmlformats.org/drawingml/2006/main" xmlns:r="http://schemas.openxmlformats.org/officeDocument/2006/relationships" xmlns:p="http://schemas.openxmlformats.org/presentationml/2006/main">
-  <p:cSld>
-    <p:spTree>
-      <p:nvGrpSpPr>
-        <p:cNvPr id="1" name=""/>
-        <p:cNvGrpSpPr/>
-        <p:nvPr/>
-      </p:nvGrpSpPr>
-      <p:grpSpPr>
-        <a:xfrm>
-          <a:off x="0" y="0"/>
-          <a:ext cx="0" cy="0"/>
-          <a:chOff x="0" y="0"/>
-          <a:chExt cx="0" cy="0"/>
-        </a:xfrm>
-      </p:grpSpPr>
-      <p:sp>
-        <p:nvSpPr>
-          <p:cNvPr id="2" name="Title 1">
-            <a:extLst>
-              <a:ext uri="{FF2B5EF4-FFF2-40B4-BE49-F238E27FC236}">
-                <a16:creationId xmlns:a16="http://schemas.microsoft.com/office/drawing/2014/main" id="{7A6A0A74-53CB-4304-09D4-ECCE1680D307}"/>
-              </a:ext>
-            </a:extLst>
-          </p:cNvPr>
-          <p:cNvSpPr>
-            <a:spLocks noGrp="1"/>
-          </p:cNvSpPr>
-          <p:nvPr>
-            <p:ph type="title"/>
-          </p:nvPr>
-        </p:nvSpPr>
-        <p:spPr/>
-        <p:txBody>
-          <a:bodyPr/>
-          <a:lstStyle/>
-          <a:p>
-            <a:r>
-              <a:rPr lang="en-US" dirty="0"/>
-              <a:t>Results: MAE</a:t>
-            </a:r>
-          </a:p>
-        </p:txBody>
-      </p:sp>
-    </p:spTree>
-    <p:extLst>
-      <p:ext uri="{BB962C8B-B14F-4D97-AF65-F5344CB8AC3E}">
-        <p14:creationId xmlns:p14="http://schemas.microsoft.com/office/powerpoint/2010/main" val="3715199237"/>
-      </p:ext>
-    </p:extLst>
-  </p:cSld>
-  <p:clrMapOvr>
-    <a:masterClrMapping/>
-  </p:clrMapOvr>
-</p:sld>
-</file>
-
-<file path=ppt/slides/slide29.xml><?xml version="1.0" encoding="utf-8"?>
-<p:sld xmlns:a="http://schemas.openxmlformats.org/drawingml/2006/main" xmlns:r="http://schemas.openxmlformats.org/officeDocument/2006/relationships" xmlns:p="http://schemas.openxmlformats.org/presentationml/2006/main">
-  <p:cSld>
-    <p:spTree>
-      <p:nvGrpSpPr>
-        <p:cNvPr id="1" name=""/>
-        <p:cNvGrpSpPr/>
-        <p:nvPr/>
-      </p:nvGrpSpPr>
-      <p:grpSpPr>
-        <a:xfrm>
-          <a:off x="0" y="0"/>
-          <a:ext cx="0" cy="0"/>
-          <a:chOff x="0" y="0"/>
-          <a:chExt cx="0" cy="0"/>
-        </a:xfrm>
-      </p:grpSpPr>
-      <p:sp>
-        <p:nvSpPr>
-          <p:cNvPr id="2" name="Title 1">
-            <a:extLst>
-              <a:ext uri="{FF2B5EF4-FFF2-40B4-BE49-F238E27FC236}">
-                <a16:creationId xmlns:a16="http://schemas.microsoft.com/office/drawing/2014/main" id="{7A6A0A74-53CB-4304-09D4-ECCE1680D307}"/>
-              </a:ext>
-            </a:extLst>
-          </p:cNvPr>
-          <p:cNvSpPr>
-            <a:spLocks noGrp="1"/>
-          </p:cNvSpPr>
-          <p:nvPr>
-            <p:ph type="title"/>
-          </p:nvPr>
-        </p:nvSpPr>
-        <p:spPr/>
-        <p:txBody>
-          <a:bodyPr/>
-          <a:lstStyle/>
-          <a:p>
-            <a:r>
-              <a:rPr lang="en-US" dirty="0"/>
-              <a:t>Results: R2</a:t>
-            </a:r>
-          </a:p>
-        </p:txBody>
-      </p:sp>
-    </p:spTree>
-    <p:extLst>
-      <p:ext uri="{BB962C8B-B14F-4D97-AF65-F5344CB8AC3E}">
-        <p14:creationId xmlns:p14="http://schemas.microsoft.com/office/powerpoint/2010/main" val="521870904"/>
       </p:ext>
     </p:extLst>
   </p:cSld>
@@ -14874,6 +20378,14 @@
 <file path=ppt/slides/slide30.xml><?xml version="1.0" encoding="utf-8"?>
 <p:sld xmlns:a="http://schemas.openxmlformats.org/drawingml/2006/main" xmlns:r="http://schemas.openxmlformats.org/officeDocument/2006/relationships" xmlns:p="http://schemas.openxmlformats.org/presentationml/2006/main">
   <p:cSld>
+    <p:bg>
+      <p:bgPr>
+        <a:solidFill>
+          <a:srgbClr val="FFFFF0"/>
+        </a:solidFill>
+        <a:effectLst/>
+      </p:bgPr>
+    </p:bg>
     <p:spTree>
       <p:nvGrpSpPr>
         <p:cNvPr id="1" name=""/>
@@ -14911,7 +20423,7 @@
           <a:p>
             <a:r>
               <a:rPr lang="en-US" dirty="0"/>
-              <a:t>Results: R2 aside</a:t>
+              <a:t>Evaluation criteria </a:t>
             </a:r>
           </a:p>
         </p:txBody>
@@ -14919,7 +20431,7 @@
     </p:spTree>
     <p:extLst>
       <p:ext uri="{BB962C8B-B14F-4D97-AF65-F5344CB8AC3E}">
-        <p14:creationId xmlns:p14="http://schemas.microsoft.com/office/powerpoint/2010/main" val="2259291770"/>
+        <p14:creationId xmlns:p14="http://schemas.microsoft.com/office/powerpoint/2010/main" val="2204169762"/>
       </p:ext>
     </p:extLst>
   </p:cSld>
@@ -14969,7 +20481,7 @@
           <a:p>
             <a:r>
               <a:rPr lang="en-US" dirty="0"/>
-              <a:t>Results: Sparsity</a:t>
+              <a:t>Results: MAE</a:t>
             </a:r>
           </a:p>
         </p:txBody>
@@ -14977,7 +20489,7 @@
     </p:spTree>
     <p:extLst>
       <p:ext uri="{BB962C8B-B14F-4D97-AF65-F5344CB8AC3E}">
-        <p14:creationId xmlns:p14="http://schemas.microsoft.com/office/powerpoint/2010/main" val="1776884869"/>
+        <p14:creationId xmlns:p14="http://schemas.microsoft.com/office/powerpoint/2010/main" val="3715199237"/>
       </p:ext>
     </p:extLst>
   </p:cSld>
@@ -15027,7 +20539,7 @@
           <a:p>
             <a:r>
               <a:rPr lang="en-US" dirty="0"/>
-              <a:t>Results: Symbolic reconstructions examples</a:t>
+              <a:t>Results: R2</a:t>
             </a:r>
           </a:p>
         </p:txBody>
@@ -15035,7 +20547,7 @@
     </p:spTree>
     <p:extLst>
       <p:ext uri="{BB962C8B-B14F-4D97-AF65-F5344CB8AC3E}">
-        <p14:creationId xmlns:p14="http://schemas.microsoft.com/office/powerpoint/2010/main" val="656700372"/>
+        <p14:creationId xmlns:p14="http://schemas.microsoft.com/office/powerpoint/2010/main" val="521870904"/>
       </p:ext>
     </p:extLst>
   </p:cSld>
@@ -15085,7 +20597,7 @@
           <a:p>
             <a:r>
               <a:rPr lang="en-US" dirty="0"/>
-              <a:t>Results: Symbolic reconstructions</a:t>
+              <a:t>Results: R2 aside</a:t>
             </a:r>
           </a:p>
         </p:txBody>
@@ -15093,7 +20605,7 @@
     </p:spTree>
     <p:extLst>
       <p:ext uri="{BB962C8B-B14F-4D97-AF65-F5344CB8AC3E}">
-        <p14:creationId xmlns:p14="http://schemas.microsoft.com/office/powerpoint/2010/main" val="711192329"/>
+        <p14:creationId xmlns:p14="http://schemas.microsoft.com/office/powerpoint/2010/main" val="2259291770"/>
       </p:ext>
     </p:extLst>
   </p:cSld>
@@ -15143,6 +20655,180 @@
           <a:p>
             <a:r>
               <a:rPr lang="en-US" dirty="0"/>
+              <a:t>Results: Sparsity</a:t>
+            </a:r>
+          </a:p>
+        </p:txBody>
+      </p:sp>
+    </p:spTree>
+    <p:extLst>
+      <p:ext uri="{BB962C8B-B14F-4D97-AF65-F5344CB8AC3E}">
+        <p14:creationId xmlns:p14="http://schemas.microsoft.com/office/powerpoint/2010/main" val="1776884869"/>
+      </p:ext>
+    </p:extLst>
+  </p:cSld>
+  <p:clrMapOvr>
+    <a:masterClrMapping/>
+  </p:clrMapOvr>
+</p:sld>
+</file>
+
+<file path=ppt/slides/slide35.xml><?xml version="1.0" encoding="utf-8"?>
+<p:sld xmlns:a="http://schemas.openxmlformats.org/drawingml/2006/main" xmlns:r="http://schemas.openxmlformats.org/officeDocument/2006/relationships" xmlns:p="http://schemas.openxmlformats.org/presentationml/2006/main">
+  <p:cSld>
+    <p:spTree>
+      <p:nvGrpSpPr>
+        <p:cNvPr id="1" name=""/>
+        <p:cNvGrpSpPr/>
+        <p:nvPr/>
+      </p:nvGrpSpPr>
+      <p:grpSpPr>
+        <a:xfrm>
+          <a:off x="0" y="0"/>
+          <a:ext cx="0" cy="0"/>
+          <a:chOff x="0" y="0"/>
+          <a:chExt cx="0" cy="0"/>
+        </a:xfrm>
+      </p:grpSpPr>
+      <p:sp>
+        <p:nvSpPr>
+          <p:cNvPr id="2" name="Title 1">
+            <a:extLst>
+              <a:ext uri="{FF2B5EF4-FFF2-40B4-BE49-F238E27FC236}">
+                <a16:creationId xmlns:a16="http://schemas.microsoft.com/office/drawing/2014/main" id="{7A6A0A74-53CB-4304-09D4-ECCE1680D307}"/>
+              </a:ext>
+            </a:extLst>
+          </p:cNvPr>
+          <p:cNvSpPr>
+            <a:spLocks noGrp="1"/>
+          </p:cNvSpPr>
+          <p:nvPr>
+            <p:ph type="title"/>
+          </p:nvPr>
+        </p:nvSpPr>
+        <p:spPr/>
+        <p:txBody>
+          <a:bodyPr/>
+          <a:lstStyle/>
+          <a:p>
+            <a:r>
+              <a:rPr lang="en-US" dirty="0"/>
+              <a:t>Results: Symbolic reconstructions examples</a:t>
+            </a:r>
+          </a:p>
+        </p:txBody>
+      </p:sp>
+    </p:spTree>
+    <p:extLst>
+      <p:ext uri="{BB962C8B-B14F-4D97-AF65-F5344CB8AC3E}">
+        <p14:creationId xmlns:p14="http://schemas.microsoft.com/office/powerpoint/2010/main" val="656700372"/>
+      </p:ext>
+    </p:extLst>
+  </p:cSld>
+  <p:clrMapOvr>
+    <a:masterClrMapping/>
+  </p:clrMapOvr>
+</p:sld>
+</file>
+
+<file path=ppt/slides/slide36.xml><?xml version="1.0" encoding="utf-8"?>
+<p:sld xmlns:a="http://schemas.openxmlformats.org/drawingml/2006/main" xmlns:r="http://schemas.openxmlformats.org/officeDocument/2006/relationships" xmlns:p="http://schemas.openxmlformats.org/presentationml/2006/main">
+  <p:cSld>
+    <p:spTree>
+      <p:nvGrpSpPr>
+        <p:cNvPr id="1" name=""/>
+        <p:cNvGrpSpPr/>
+        <p:nvPr/>
+      </p:nvGrpSpPr>
+      <p:grpSpPr>
+        <a:xfrm>
+          <a:off x="0" y="0"/>
+          <a:ext cx="0" cy="0"/>
+          <a:chOff x="0" y="0"/>
+          <a:chExt cx="0" cy="0"/>
+        </a:xfrm>
+      </p:grpSpPr>
+      <p:sp>
+        <p:nvSpPr>
+          <p:cNvPr id="2" name="Title 1">
+            <a:extLst>
+              <a:ext uri="{FF2B5EF4-FFF2-40B4-BE49-F238E27FC236}">
+                <a16:creationId xmlns:a16="http://schemas.microsoft.com/office/drawing/2014/main" id="{7A6A0A74-53CB-4304-09D4-ECCE1680D307}"/>
+              </a:ext>
+            </a:extLst>
+          </p:cNvPr>
+          <p:cNvSpPr>
+            <a:spLocks noGrp="1"/>
+          </p:cNvSpPr>
+          <p:nvPr>
+            <p:ph type="title"/>
+          </p:nvPr>
+        </p:nvSpPr>
+        <p:spPr/>
+        <p:txBody>
+          <a:bodyPr/>
+          <a:lstStyle/>
+          <a:p>
+            <a:r>
+              <a:rPr lang="en-US" dirty="0"/>
+              <a:t>Results: Symbolic reconstructions</a:t>
+            </a:r>
+          </a:p>
+        </p:txBody>
+      </p:sp>
+    </p:spTree>
+    <p:extLst>
+      <p:ext uri="{BB962C8B-B14F-4D97-AF65-F5344CB8AC3E}">
+        <p14:creationId xmlns:p14="http://schemas.microsoft.com/office/powerpoint/2010/main" val="711192329"/>
+      </p:ext>
+    </p:extLst>
+  </p:cSld>
+  <p:clrMapOvr>
+    <a:masterClrMapping/>
+  </p:clrMapOvr>
+</p:sld>
+</file>
+
+<file path=ppt/slides/slide37.xml><?xml version="1.0" encoding="utf-8"?>
+<p:sld xmlns:a="http://schemas.openxmlformats.org/drawingml/2006/main" xmlns:r="http://schemas.openxmlformats.org/officeDocument/2006/relationships" xmlns:p="http://schemas.openxmlformats.org/presentationml/2006/main">
+  <p:cSld>
+    <p:spTree>
+      <p:nvGrpSpPr>
+        <p:cNvPr id="1" name=""/>
+        <p:cNvGrpSpPr/>
+        <p:nvPr/>
+      </p:nvGrpSpPr>
+      <p:grpSpPr>
+        <a:xfrm>
+          <a:off x="0" y="0"/>
+          <a:ext cx="0" cy="0"/>
+          <a:chOff x="0" y="0"/>
+          <a:chExt cx="0" cy="0"/>
+        </a:xfrm>
+      </p:grpSpPr>
+      <p:sp>
+        <p:nvSpPr>
+          <p:cNvPr id="2" name="Title 1">
+            <a:extLst>
+              <a:ext uri="{FF2B5EF4-FFF2-40B4-BE49-F238E27FC236}">
+                <a16:creationId xmlns:a16="http://schemas.microsoft.com/office/drawing/2014/main" id="{7A6A0A74-53CB-4304-09D4-ECCE1680D307}"/>
+              </a:ext>
+            </a:extLst>
+          </p:cNvPr>
+          <p:cNvSpPr>
+            <a:spLocks noGrp="1"/>
+          </p:cNvSpPr>
+          <p:nvPr>
+            <p:ph type="title"/>
+          </p:nvPr>
+        </p:nvSpPr>
+        <p:spPr/>
+        <p:txBody>
+          <a:bodyPr/>
+          <a:lstStyle/>
+          <a:p>
+            <a:r>
+              <a:rPr lang="en-US" dirty="0"/>
               <a:t>Results: Symbolic model vs NN model</a:t>
             </a:r>
           </a:p>
@@ -15161,7 +20847,7 @@
 </p:sld>
 </file>
 
-<file path=ppt/slides/slide35.xml><?xml version="1.0" encoding="utf-8"?>
+<file path=ppt/slides/slide38.xml><?xml version="1.0" encoding="utf-8"?>
 <p:sld xmlns:a="http://schemas.openxmlformats.org/drawingml/2006/main" xmlns:r="http://schemas.openxmlformats.org/officeDocument/2006/relationships" xmlns:p="http://schemas.openxmlformats.org/presentationml/2006/main">
   <p:cSld>
     <p:spTree>
@@ -17019,7 +22705,7 @@
     <p:bg>
       <p:bgPr>
         <a:solidFill>
-          <a:srgbClr val="FFFFFF"/>
+          <a:srgbClr val="FFFFF0"/>
         </a:solidFill>
         <a:effectLst/>
       </p:bgPr>
